--- a/2016-2017/Lecture 5.pptx
+++ b/2016-2017/Lecture 5.pptx
@@ -2,51 +2,51 @@
 <file path=ppt/presentation.xml><?xml version="1.0" encoding="utf-8"?>
 <p:presentation xmlns:a="http://schemas.openxmlformats.org/drawingml/2006/main" xmlns:r="http://schemas.openxmlformats.org/officeDocument/2006/relationships" xmlns:p="http://schemas.openxmlformats.org/presentationml/2006/main">
   <p:sldMasterIdLst>
-    <p:sldMasterId id="2147483648" r:id="rId5"/>
+    <p:sldMasterId id="2147483648" r:id="rId1"/>
   </p:sldMasterIdLst>
   <p:notesMasterIdLst>
-    <p:notesMasterId r:id="rId7"/>
+    <p:notesMasterId r:id="rId39"/>
   </p:notesMasterIdLst>
   <p:sldIdLst>
-    <p:sldId id="256" r:id="rId8"/>
-    <p:sldId id="257" r:id="rId9"/>
-    <p:sldId id="258" r:id="rId10"/>
-    <p:sldId id="259" r:id="rId11"/>
-    <p:sldId id="260" r:id="rId12"/>
-    <p:sldId id="261" r:id="rId13"/>
-    <p:sldId id="262" r:id="rId14"/>
-    <p:sldId id="263" r:id="rId15"/>
-    <p:sldId id="264" r:id="rId16"/>
-    <p:sldId id="265" r:id="rId17"/>
-    <p:sldId id="266" r:id="rId18"/>
-    <p:sldId id="267" r:id="rId19"/>
-    <p:sldId id="268" r:id="rId20"/>
-    <p:sldId id="269" r:id="rId21"/>
-    <p:sldId id="270" r:id="rId22"/>
-    <p:sldId id="271" r:id="rId23"/>
-    <p:sldId id="272" r:id="rId24"/>
-    <p:sldId id="273" r:id="rId25"/>
-    <p:sldId id="274" r:id="rId26"/>
-    <p:sldId id="275" r:id="rId27"/>
-    <p:sldId id="276" r:id="rId28"/>
-    <p:sldId id="277" r:id="rId29"/>
-    <p:sldId id="278" r:id="rId30"/>
-    <p:sldId id="279" r:id="rId31"/>
-    <p:sldId id="280" r:id="rId32"/>
-    <p:sldId id="281" r:id="rId33"/>
-    <p:sldId id="282" r:id="rId34"/>
-    <p:sldId id="283" r:id="rId35"/>
-    <p:sldId id="284" r:id="rId36"/>
-    <p:sldId id="285" r:id="rId37"/>
-    <p:sldId id="286" r:id="rId38"/>
-    <p:sldId id="287" r:id="rId39"/>
-    <p:sldId id="288" r:id="rId40"/>
-    <p:sldId id="289" r:id="rId41"/>
-    <p:sldId id="290" r:id="rId42"/>
-    <p:sldId id="291" r:id="rId43"/>
-    <p:sldId id="292" r:id="rId44"/>
+    <p:sldId id="256" r:id="rId2"/>
+    <p:sldId id="257" r:id="rId3"/>
+    <p:sldId id="258" r:id="rId4"/>
+    <p:sldId id="259" r:id="rId5"/>
+    <p:sldId id="260" r:id="rId6"/>
+    <p:sldId id="261" r:id="rId7"/>
+    <p:sldId id="262" r:id="rId8"/>
+    <p:sldId id="263" r:id="rId9"/>
+    <p:sldId id="264" r:id="rId10"/>
+    <p:sldId id="265" r:id="rId11"/>
+    <p:sldId id="266" r:id="rId12"/>
+    <p:sldId id="267" r:id="rId13"/>
+    <p:sldId id="268" r:id="rId14"/>
+    <p:sldId id="269" r:id="rId15"/>
+    <p:sldId id="270" r:id="rId16"/>
+    <p:sldId id="271" r:id="rId17"/>
+    <p:sldId id="272" r:id="rId18"/>
+    <p:sldId id="273" r:id="rId19"/>
+    <p:sldId id="274" r:id="rId20"/>
+    <p:sldId id="275" r:id="rId21"/>
+    <p:sldId id="276" r:id="rId22"/>
+    <p:sldId id="277" r:id="rId23"/>
+    <p:sldId id="278" r:id="rId24"/>
+    <p:sldId id="279" r:id="rId25"/>
+    <p:sldId id="280" r:id="rId26"/>
+    <p:sldId id="281" r:id="rId27"/>
+    <p:sldId id="282" r:id="rId28"/>
+    <p:sldId id="283" r:id="rId29"/>
+    <p:sldId id="284" r:id="rId30"/>
+    <p:sldId id="285" r:id="rId31"/>
+    <p:sldId id="286" r:id="rId32"/>
+    <p:sldId id="287" r:id="rId33"/>
+    <p:sldId id="288" r:id="rId34"/>
+    <p:sldId id="289" r:id="rId35"/>
+    <p:sldId id="290" r:id="rId36"/>
+    <p:sldId id="291" r:id="rId37"/>
+    <p:sldId id="292" r:id="rId38"/>
   </p:sldIdLst>
-  <p:sldSz cx="9144000" cy="5715000"/>
+  <p:sldSz cx="9144000" cy="5715000" type="screen16x10"/>
   <p:notesSz cx="6858000" cy="9144000"/>
   <p:defaultTextStyle>
     <a:defPPr marL="0" marR="0" indent="0" algn="l" defTabSz="914400" rtl="0" fontAlgn="auto" latinLnBrk="1" hangingPunct="0">
@@ -64,7 +64,7 @@
       <a:buFontTx/>
       <a:buNone/>
       <a:tabLst/>
-      <a:defRPr b="0" baseline="0" cap="none" i="0" spc="0" strike="noStrike" sz="1800" u="none" kumimoji="0" normalizeH="0">
+      <a:defRPr kumimoji="0" sz="1800" b="0" i="0" u="none" strike="noStrike" cap="none" spc="0" normalizeH="0" baseline="0">
         <a:ln>
           <a:noFill/>
         </a:ln>
@@ -90,7 +90,7 @@
       <a:buFontTx/>
       <a:buNone/>
       <a:tabLst/>
-      <a:defRPr b="0" baseline="0" cap="none" i="0" spc="0" strike="noStrike" sz="1400" u="none" kumimoji="0" normalizeH="0">
+      <a:defRPr kumimoji="0" sz="1400" b="0" i="0" u="none" strike="noStrike" cap="none" spc="0" normalizeH="0" baseline="0">
         <a:ln>
           <a:noFill/>
         </a:ln>
@@ -120,7 +120,7 @@
       <a:buFontTx/>
       <a:buNone/>
       <a:tabLst/>
-      <a:defRPr b="0" baseline="0" cap="none" i="0" spc="0" strike="noStrike" sz="1400" u="none" kumimoji="0" normalizeH="0">
+      <a:defRPr kumimoji="0" sz="1400" b="0" i="0" u="none" strike="noStrike" cap="none" spc="0" normalizeH="0" baseline="0">
         <a:ln>
           <a:noFill/>
         </a:ln>
@@ -150,7 +150,7 @@
       <a:buFontTx/>
       <a:buNone/>
       <a:tabLst/>
-      <a:defRPr b="0" baseline="0" cap="none" i="0" spc="0" strike="noStrike" sz="1400" u="none" kumimoji="0" normalizeH="0">
+      <a:defRPr kumimoji="0" sz="1400" b="0" i="0" u="none" strike="noStrike" cap="none" spc="0" normalizeH="0" baseline="0">
         <a:ln>
           <a:noFill/>
         </a:ln>
@@ -180,7 +180,7 @@
       <a:buFontTx/>
       <a:buNone/>
       <a:tabLst/>
-      <a:defRPr b="0" baseline="0" cap="none" i="0" spc="0" strike="noStrike" sz="1400" u="none" kumimoji="0" normalizeH="0">
+      <a:defRPr kumimoji="0" sz="1400" b="0" i="0" u="none" strike="noStrike" cap="none" spc="0" normalizeH="0" baseline="0">
         <a:ln>
           <a:noFill/>
         </a:ln>
@@ -210,7 +210,7 @@
       <a:buFontTx/>
       <a:buNone/>
       <a:tabLst/>
-      <a:defRPr b="0" baseline="0" cap="none" i="0" spc="0" strike="noStrike" sz="1400" u="none" kumimoji="0" normalizeH="0">
+      <a:defRPr kumimoji="0" sz="1400" b="0" i="0" u="none" strike="noStrike" cap="none" spc="0" normalizeH="0" baseline="0">
         <a:ln>
           <a:noFill/>
         </a:ln>
@@ -240,7 +240,7 @@
       <a:buFontTx/>
       <a:buNone/>
       <a:tabLst/>
-      <a:defRPr b="0" baseline="0" cap="none" i="0" spc="0" strike="noStrike" sz="1400" u="none" kumimoji="0" normalizeH="0">
+      <a:defRPr kumimoji="0" sz="1400" b="0" i="0" u="none" strike="noStrike" cap="none" spc="0" normalizeH="0" baseline="0">
         <a:ln>
           <a:noFill/>
         </a:ln>
@@ -270,7 +270,7 @@
       <a:buFontTx/>
       <a:buNone/>
       <a:tabLst/>
-      <a:defRPr b="0" baseline="0" cap="none" i="0" spc="0" strike="noStrike" sz="1400" u="none" kumimoji="0" normalizeH="0">
+      <a:defRPr kumimoji="0" sz="1400" b="0" i="0" u="none" strike="noStrike" cap="none" spc="0" normalizeH="0" baseline="0">
         <a:ln>
           <a:noFill/>
         </a:ln>
@@ -300,7 +300,7 @@
       <a:buFontTx/>
       <a:buNone/>
       <a:tabLst/>
-      <a:defRPr b="0" baseline="0" cap="none" i="0" spc="0" strike="noStrike" sz="1400" u="none" kumimoji="0" normalizeH="0">
+      <a:defRPr kumimoji="0" sz="1400" b="0" i="0" u="none" strike="noStrike" cap="none" spc="0" normalizeH="0" baseline="0">
         <a:ln>
           <a:noFill/>
         </a:ln>
@@ -330,7 +330,7 @@
       <a:buFontTx/>
       <a:buNone/>
       <a:tabLst/>
-      <a:defRPr b="0" baseline="0" cap="none" i="0" spc="0" strike="noStrike" sz="1400" u="none" kumimoji="0" normalizeH="0">
+      <a:defRPr kumimoji="0" sz="1400" b="0" i="0" u="none" strike="noStrike" cap="none" spc="0" normalizeH="0" baseline="0">
         <a:ln>
           <a:noFill/>
         </a:ln>
@@ -349,13 +349,14 @@
 </p:presentation>
 </file>
 
-<file path=ppt/commentAuthors.xml><?xml version="1.0" encoding="utf-8"?>
-<p:cmAuthorLst xmlns:a="http://schemas.openxmlformats.org/drawingml/2006/main" xmlns:r="http://schemas.openxmlformats.org/officeDocument/2006/relationships" xmlns:p="http://schemas.openxmlformats.org/presentationml/2006/main"/>
-</file>
-
 <file path=ppt/notesMasters/notesMaster1.xml><?xml version="1.0" encoding="utf-8"?>
 <p:notesMaster xmlns:a="http://schemas.openxmlformats.org/drawingml/2006/main" xmlns:r="http://schemas.openxmlformats.org/officeDocument/2006/relationships" xmlns:p="http://schemas.openxmlformats.org/presentationml/2006/main">
   <p:cSld>
+    <p:bg>
+      <p:bgRef idx="1001">
+        <a:schemeClr val="bg1"/>
+      </p:bgRef>
+    </p:bg>
     <p:spTree>
       <p:nvGrpSpPr>
         <p:cNvPr id="1" name=""/>
@@ -373,7 +374,9 @@
       <p:sp>
         <p:nvSpPr>
           <p:cNvPr id="126" name="Shape 126"/>
-          <p:cNvSpPr/>
+          <p:cNvSpPr>
+            <a:spLocks noGrp="1" noRot="1" noChangeAspect="1"/>
+          </p:cNvSpPr>
           <p:nvPr>
             <p:ph type="sldImg"/>
           </p:nvPr>
@@ -391,14 +394,16 @@
           <a:bodyPr/>
           <a:lstStyle/>
           <a:p>
-            <a:pPr/>
+            <a:endParaRPr/>
           </a:p>
         </p:txBody>
       </p:sp>
       <p:sp>
         <p:nvSpPr>
           <p:cNvPr id="127" name="Shape 127"/>
-          <p:cNvSpPr/>
+          <p:cNvSpPr>
+            <a:spLocks noGrp="1"/>
+          </p:cNvSpPr>
           <p:nvPr>
             <p:ph type="body" sz="quarter" idx="1"/>
           </p:nvPr>
@@ -416,7 +421,7 @@
           <a:bodyPr/>
           <a:lstStyle/>
           <a:p>
-            <a:pPr/>
+            <a:endParaRPr/>
           </a:p>
         </p:txBody>
       </p:sp>
@@ -501,7 +506,7 @@
 </file>
 
 <file path=ppt/slideLayouts/slideLayout1.xml><?xml version="1.0" encoding="utf-8"?>
-<p:sldLayout xmlns:a="http://schemas.openxmlformats.org/drawingml/2006/main" xmlns:r="http://schemas.openxmlformats.org/officeDocument/2006/relationships" xmlns:p="http://schemas.openxmlformats.org/presentationml/2006/main" type="title" showMasterSp="1" showMasterPhAnim="1">
+<p:sldLayout xmlns:a="http://schemas.openxmlformats.org/drawingml/2006/main" xmlns:r="http://schemas.openxmlformats.org/officeDocument/2006/relationships" xmlns:p="http://schemas.openxmlformats.org/presentationml/2006/main" type="title">
   <p:cSld name="Title Slide">
     <p:spTree>
       <p:nvGrpSpPr>
@@ -520,7 +525,9 @@
       <p:sp>
         <p:nvSpPr>
           <p:cNvPr id="11" name="Shape 11"/>
-          <p:cNvSpPr/>
+          <p:cNvSpPr>
+            <a:spLocks noGrp="1"/>
+          </p:cNvSpPr>
           <p:nvPr>
             <p:ph type="title"/>
           </p:nvPr>
@@ -538,7 +545,6 @@
           <a:bodyPr/>
           <a:lstStyle/>
           <a:p>
-            <a:pPr/>
             <a:r>
               <a:t>Click to edit Master title style</a:t>
             </a:r>
@@ -548,7 +554,9 @@
       <p:sp>
         <p:nvSpPr>
           <p:cNvPr id="12" name="Shape 12"/>
-          <p:cNvSpPr/>
+          <p:cNvSpPr>
+            <a:spLocks noGrp="1"/>
+          </p:cNvSpPr>
           <p:nvPr>
             <p:ph type="body" sz="quarter" idx="1"/>
           </p:nvPr>
@@ -577,7 +585,6 @@
             </a:lvl1pPr>
           </a:lstStyle>
           <a:p>
-            <a:pPr/>
             <a:r>
               <a:t>Click to edit Master subtitle style</a:t>
             </a:r>
@@ -587,7 +594,9 @@
       <p:sp>
         <p:nvSpPr>
           <p:cNvPr id="13" name="Shape 13"/>
-          <p:cNvSpPr/>
+          <p:cNvSpPr>
+            <a:spLocks noGrp="1"/>
+          </p:cNvSpPr>
           <p:nvPr>
             <p:ph type="sldNum" sz="quarter" idx="2"/>
           </p:nvPr>
@@ -601,8 +610,10 @@
           <a:bodyPr/>
           <a:lstStyle/>
           <a:p>
-            <a:pPr/>
-            <a:fld id="{86CB4B4D-7CA3-9044-876B-883B54F8677D}" type="slidenum"/>
+            <a:fld id="{86CB4B4D-7CA3-9044-876B-883B54F8677D}" type="slidenum">
+              <a:t>‹#›</a:t>
+            </a:fld>
+            <a:endParaRPr/>
           </a:p>
         </p:txBody>
       </p:sp>
@@ -611,12 +622,12 @@
   <p:clrMapOvr>
     <a:masterClrMapping/>
   </p:clrMapOvr>
-  <p:transition xmlns:p14="http://schemas.microsoft.com/office/powerpoint/2010/main" spd="med" advClick="1"/>
+  <p:transition spd="med"/>
 </p:sldLayout>
 </file>
 
 <file path=ppt/slideLayouts/slideLayout10.xml><?xml version="1.0" encoding="utf-8"?>
-<p:sldLayout xmlns:a="http://schemas.openxmlformats.org/drawingml/2006/main" xmlns:r="http://schemas.openxmlformats.org/officeDocument/2006/relationships" xmlns:p="http://schemas.openxmlformats.org/presentationml/2006/main" type="tx" showMasterSp="1" showMasterPhAnim="1">
+<p:sldLayout xmlns:a="http://schemas.openxmlformats.org/drawingml/2006/main" xmlns:r="http://schemas.openxmlformats.org/officeDocument/2006/relationships" xmlns:p="http://schemas.openxmlformats.org/presentationml/2006/main" type="tx">
   <p:cSld name="Title and Vertical Text">
     <p:spTree>
       <p:nvGrpSpPr>
@@ -635,7 +646,9 @@
       <p:sp>
         <p:nvSpPr>
           <p:cNvPr id="92" name="Shape 92"/>
-          <p:cNvSpPr/>
+          <p:cNvSpPr>
+            <a:spLocks noGrp="1"/>
+          </p:cNvSpPr>
           <p:nvPr>
             <p:ph type="title"/>
           </p:nvPr>
@@ -649,7 +662,6 @@
           <a:bodyPr/>
           <a:lstStyle/>
           <a:p>
-            <a:pPr/>
             <a:r>
               <a:t>Click to edit Master title style</a:t>
             </a:r>
@@ -659,7 +671,9 @@
       <p:sp>
         <p:nvSpPr>
           <p:cNvPr id="93" name="Shape 93"/>
-          <p:cNvSpPr/>
+          <p:cNvSpPr>
+            <a:spLocks noGrp="1"/>
+          </p:cNvSpPr>
           <p:nvPr>
             <p:ph type="body" idx="1"/>
           </p:nvPr>
@@ -673,7 +687,6 @@
           <a:bodyPr/>
           <a:lstStyle/>
           <a:p>
-            <a:pPr/>
             <a:r>
               <a:t>Click to edit Master text styles</a:t>
             </a:r>
@@ -707,7 +720,9 @@
       <p:sp>
         <p:nvSpPr>
           <p:cNvPr id="94" name="Shape 94"/>
-          <p:cNvSpPr/>
+          <p:cNvSpPr>
+            <a:spLocks noGrp="1"/>
+          </p:cNvSpPr>
           <p:nvPr>
             <p:ph type="sldNum" sz="quarter" idx="2"/>
           </p:nvPr>
@@ -721,8 +736,10 @@
           <a:bodyPr/>
           <a:lstStyle/>
           <a:p>
-            <a:pPr/>
-            <a:fld id="{86CB4B4D-7CA3-9044-876B-883B54F8677D}" type="slidenum"/>
+            <a:fld id="{86CB4B4D-7CA3-9044-876B-883B54F8677D}" type="slidenum">
+              <a:t>‹#›</a:t>
+            </a:fld>
+            <a:endParaRPr/>
           </a:p>
         </p:txBody>
       </p:sp>
@@ -731,12 +748,12 @@
   <p:clrMapOvr>
     <a:masterClrMapping/>
   </p:clrMapOvr>
-  <p:transition xmlns:p14="http://schemas.microsoft.com/office/powerpoint/2010/main" spd="med" advClick="1"/>
+  <p:transition spd="med"/>
 </p:sldLayout>
 </file>
 
 <file path=ppt/slideLayouts/slideLayout11.xml><?xml version="1.0" encoding="utf-8"?>
-<p:sldLayout xmlns:a="http://schemas.openxmlformats.org/drawingml/2006/main" xmlns:r="http://schemas.openxmlformats.org/officeDocument/2006/relationships" xmlns:p="http://schemas.openxmlformats.org/presentationml/2006/main" type="tx" showMasterSp="1" showMasterPhAnim="1">
+<p:sldLayout xmlns:a="http://schemas.openxmlformats.org/drawingml/2006/main" xmlns:r="http://schemas.openxmlformats.org/officeDocument/2006/relationships" xmlns:p="http://schemas.openxmlformats.org/presentationml/2006/main" type="tx">
   <p:cSld name="Vertical Title and Text">
     <p:spTree>
       <p:nvGrpSpPr>
@@ -755,7 +772,9 @@
       <p:sp>
         <p:nvSpPr>
           <p:cNvPr id="101" name="Shape 101"/>
-          <p:cNvSpPr/>
+          <p:cNvSpPr>
+            <a:spLocks noGrp="1"/>
+          </p:cNvSpPr>
           <p:nvPr>
             <p:ph type="title"/>
           </p:nvPr>
@@ -773,7 +792,6 @@
           <a:bodyPr/>
           <a:lstStyle/>
           <a:p>
-            <a:pPr/>
             <a:r>
               <a:t>Click to edit Master title style</a:t>
             </a:r>
@@ -783,7 +801,9 @@
       <p:sp>
         <p:nvSpPr>
           <p:cNvPr id="102" name="Shape 102"/>
-          <p:cNvSpPr/>
+          <p:cNvSpPr>
+            <a:spLocks noGrp="1"/>
+          </p:cNvSpPr>
           <p:nvPr>
             <p:ph type="body" idx="1"/>
           </p:nvPr>
@@ -801,7 +821,6 @@
           <a:bodyPr/>
           <a:lstStyle/>
           <a:p>
-            <a:pPr/>
             <a:r>
               <a:t>Click to edit Master text styles</a:t>
             </a:r>
@@ -835,7 +854,9 @@
       <p:sp>
         <p:nvSpPr>
           <p:cNvPr id="103" name="Shape 103"/>
-          <p:cNvSpPr/>
+          <p:cNvSpPr>
+            <a:spLocks noGrp="1"/>
+          </p:cNvSpPr>
           <p:nvPr>
             <p:ph type="sldNum" sz="quarter" idx="2"/>
           </p:nvPr>
@@ -849,8 +870,10 @@
           <a:bodyPr/>
           <a:lstStyle/>
           <a:p>
-            <a:pPr/>
-            <a:fld id="{86CB4B4D-7CA3-9044-876B-883B54F8677D}" type="slidenum"/>
+            <a:fld id="{86CB4B4D-7CA3-9044-876B-883B54F8677D}" type="slidenum">
+              <a:t>‹#›</a:t>
+            </a:fld>
+            <a:endParaRPr/>
           </a:p>
         </p:txBody>
       </p:sp>
@@ -859,12 +882,12 @@
   <p:clrMapOvr>
     <a:masterClrMapping/>
   </p:clrMapOvr>
-  <p:transition xmlns:p14="http://schemas.microsoft.com/office/powerpoint/2010/main" spd="med" advClick="1"/>
+  <p:transition spd="med"/>
 </p:sldLayout>
 </file>
 
 <file path=ppt/slideLayouts/slideLayout12.xml><?xml version="1.0" encoding="utf-8"?>
-<p:sldLayout xmlns:a="http://schemas.openxmlformats.org/drawingml/2006/main" xmlns:r="http://schemas.openxmlformats.org/officeDocument/2006/relationships" xmlns:p="http://schemas.openxmlformats.org/presentationml/2006/main" type="tx" showMasterSp="1" showMasterPhAnim="1">
+<p:sldLayout xmlns:a="http://schemas.openxmlformats.org/drawingml/2006/main" xmlns:r="http://schemas.openxmlformats.org/officeDocument/2006/relationships" xmlns:p="http://schemas.openxmlformats.org/presentationml/2006/main" type="tx">
   <p:cSld name="Custom Layout 2">
     <p:spTree>
       <p:nvGrpSpPr>
@@ -883,7 +906,9 @@
       <p:sp>
         <p:nvSpPr>
           <p:cNvPr id="110" name="Shape 110"/>
-          <p:cNvSpPr/>
+          <p:cNvSpPr>
+            <a:spLocks noGrp="1"/>
+          </p:cNvSpPr>
           <p:nvPr>
             <p:ph type="title"/>
           </p:nvPr>
@@ -901,7 +926,6 @@
           <a:bodyPr lIns="91424" tIns="91424" rIns="91424" bIns="91424" anchor="b"/>
           <a:lstStyle/>
           <a:p>
-            <a:pPr/>
             <a:r>
               <a:t>Click to add title</a:t>
             </a:r>
@@ -911,7 +935,9 @@
       <p:sp>
         <p:nvSpPr>
           <p:cNvPr id="111" name="Shape 111"/>
-          <p:cNvSpPr/>
+          <p:cNvSpPr>
+            <a:spLocks noGrp="1"/>
+          </p:cNvSpPr>
           <p:nvPr>
             <p:ph type="body" idx="1"/>
           </p:nvPr>
@@ -939,7 +965,6 @@
             </a:lvl1pPr>
           </a:lstStyle>
           <a:p>
-            <a:pPr/>
             <a:r>
               <a:t>Click to add text</a:t>
             </a:r>
@@ -949,7 +974,9 @@
       <p:sp>
         <p:nvSpPr>
           <p:cNvPr id="112" name="Shape 112"/>
-          <p:cNvSpPr/>
+          <p:cNvSpPr>
+            <a:spLocks noGrp="1"/>
+          </p:cNvSpPr>
           <p:nvPr>
             <p:ph type="sldNum" sz="quarter" idx="2"/>
           </p:nvPr>
@@ -967,8 +994,10 @@
           <a:bodyPr/>
           <a:lstStyle/>
           <a:p>
-            <a:pPr/>
-            <a:fld id="{86CB4B4D-7CA3-9044-876B-883B54F8677D}" type="slidenum"/>
+            <a:fld id="{86CB4B4D-7CA3-9044-876B-883B54F8677D}" type="slidenum">
+              <a:t>‹#›</a:t>
+            </a:fld>
+            <a:endParaRPr/>
           </a:p>
         </p:txBody>
       </p:sp>
@@ -977,12 +1006,12 @@
   <p:clrMapOvr>
     <a:masterClrMapping/>
   </p:clrMapOvr>
-  <p:transition xmlns:p14="http://schemas.microsoft.com/office/powerpoint/2010/main" spd="med" advClick="1"/>
+  <p:transition spd="med"/>
 </p:sldLayout>
 </file>
 
 <file path=ppt/slideLayouts/slideLayout13.xml><?xml version="1.0" encoding="utf-8"?>
-<p:sldLayout xmlns:a="http://schemas.openxmlformats.org/drawingml/2006/main" xmlns:r="http://schemas.openxmlformats.org/officeDocument/2006/relationships" xmlns:p="http://schemas.openxmlformats.org/presentationml/2006/main" type="tx" showMasterSp="1" showMasterPhAnim="1">
+<p:sldLayout xmlns:a="http://schemas.openxmlformats.org/drawingml/2006/main" xmlns:r="http://schemas.openxmlformats.org/officeDocument/2006/relationships" xmlns:p="http://schemas.openxmlformats.org/presentationml/2006/main" type="tx">
   <p:cSld name="Title and Two Columns">
     <p:spTree>
       <p:nvGrpSpPr>
@@ -1001,7 +1030,9 @@
       <p:sp>
         <p:nvSpPr>
           <p:cNvPr id="119" name="Shape 119"/>
-          <p:cNvSpPr/>
+          <p:cNvSpPr>
+            <a:spLocks noGrp="1"/>
+          </p:cNvSpPr>
           <p:nvPr>
             <p:ph type="title"/>
           </p:nvPr>
@@ -1019,7 +1050,6 @@
           <a:bodyPr lIns="91424" tIns="91424" rIns="91424" bIns="91424" anchor="b"/>
           <a:lstStyle/>
           <a:p>
-            <a:pPr/>
             <a:r>
               <a:t>Click to add title</a:t>
             </a:r>
@@ -1029,7 +1059,9 @@
       <p:sp>
         <p:nvSpPr>
           <p:cNvPr id="120" name="Shape 120"/>
-          <p:cNvSpPr/>
+          <p:cNvSpPr>
+            <a:spLocks noGrp="1"/>
+          </p:cNvSpPr>
           <p:nvPr>
             <p:ph type="sldNum" sz="quarter" idx="2"/>
           </p:nvPr>
@@ -1047,8 +1079,10 @@
           <a:bodyPr/>
           <a:lstStyle/>
           <a:p>
-            <a:pPr/>
-            <a:fld id="{86CB4B4D-7CA3-9044-876B-883B54F8677D}" type="slidenum"/>
+            <a:fld id="{86CB4B4D-7CA3-9044-876B-883B54F8677D}" type="slidenum">
+              <a:t>‹#›</a:t>
+            </a:fld>
+            <a:endParaRPr/>
           </a:p>
         </p:txBody>
       </p:sp>
@@ -1057,12 +1091,12 @@
   <p:clrMapOvr>
     <a:masterClrMapping/>
   </p:clrMapOvr>
-  <p:transition xmlns:p14="http://schemas.microsoft.com/office/powerpoint/2010/main" spd="med" advClick="1"/>
+  <p:transition spd="med"/>
 </p:sldLayout>
 </file>
 
 <file path=ppt/slideLayouts/slideLayout2.xml><?xml version="1.0" encoding="utf-8"?>
-<p:sldLayout xmlns:a="http://schemas.openxmlformats.org/drawingml/2006/main" xmlns:r="http://schemas.openxmlformats.org/officeDocument/2006/relationships" xmlns:p="http://schemas.openxmlformats.org/presentationml/2006/main" type="tx" showMasterSp="1" showMasterPhAnim="1">
+<p:sldLayout xmlns:a="http://schemas.openxmlformats.org/drawingml/2006/main" xmlns:r="http://schemas.openxmlformats.org/officeDocument/2006/relationships" xmlns:p="http://schemas.openxmlformats.org/presentationml/2006/main" type="tx">
   <p:cSld name="Title and Content">
     <p:spTree>
       <p:nvGrpSpPr>
@@ -1081,7 +1115,9 @@
       <p:sp>
         <p:nvSpPr>
           <p:cNvPr id="20" name="Shape 20"/>
-          <p:cNvSpPr/>
+          <p:cNvSpPr>
+            <a:spLocks noGrp="1"/>
+          </p:cNvSpPr>
           <p:nvPr>
             <p:ph type="title"/>
           </p:nvPr>
@@ -1095,7 +1131,6 @@
           <a:bodyPr/>
           <a:lstStyle/>
           <a:p>
-            <a:pPr/>
             <a:r>
               <a:t>Click to edit Master title style</a:t>
             </a:r>
@@ -1105,7 +1140,9 @@
       <p:sp>
         <p:nvSpPr>
           <p:cNvPr id="21" name="Shape 21"/>
-          <p:cNvSpPr/>
+          <p:cNvSpPr>
+            <a:spLocks noGrp="1"/>
+          </p:cNvSpPr>
           <p:nvPr>
             <p:ph type="body" idx="1"/>
           </p:nvPr>
@@ -1119,7 +1156,6 @@
           <a:bodyPr/>
           <a:lstStyle/>
           <a:p>
-            <a:pPr/>
             <a:r>
               <a:t>Click to edit Master text styles</a:t>
             </a:r>
@@ -1153,7 +1189,9 @@
       <p:sp>
         <p:nvSpPr>
           <p:cNvPr id="22" name="Shape 22"/>
-          <p:cNvSpPr/>
+          <p:cNvSpPr>
+            <a:spLocks noGrp="1"/>
+          </p:cNvSpPr>
           <p:nvPr>
             <p:ph type="sldNum" sz="quarter" idx="2"/>
           </p:nvPr>
@@ -1167,8 +1205,10 @@
           <a:bodyPr/>
           <a:lstStyle/>
           <a:p>
-            <a:pPr/>
-            <a:fld id="{86CB4B4D-7CA3-9044-876B-883B54F8677D}" type="slidenum"/>
+            <a:fld id="{86CB4B4D-7CA3-9044-876B-883B54F8677D}" type="slidenum">
+              <a:t>‹#›</a:t>
+            </a:fld>
+            <a:endParaRPr/>
           </a:p>
         </p:txBody>
       </p:sp>
@@ -1177,12 +1217,12 @@
   <p:clrMapOvr>
     <a:masterClrMapping/>
   </p:clrMapOvr>
-  <p:transition xmlns:p14="http://schemas.microsoft.com/office/powerpoint/2010/main" spd="med" advClick="1"/>
+  <p:transition spd="med"/>
 </p:sldLayout>
 </file>
 
 <file path=ppt/slideLayouts/slideLayout3.xml><?xml version="1.0" encoding="utf-8"?>
-<p:sldLayout xmlns:a="http://schemas.openxmlformats.org/drawingml/2006/main" xmlns:r="http://schemas.openxmlformats.org/officeDocument/2006/relationships" xmlns:p="http://schemas.openxmlformats.org/presentationml/2006/main" type="tx" showMasterSp="1" showMasterPhAnim="1">
+<p:sldLayout xmlns:a="http://schemas.openxmlformats.org/drawingml/2006/main" xmlns:r="http://schemas.openxmlformats.org/officeDocument/2006/relationships" xmlns:p="http://schemas.openxmlformats.org/presentationml/2006/main" type="tx">
   <p:cSld name="Section Header">
     <p:spTree>
       <p:nvGrpSpPr>
@@ -1201,7 +1241,9 @@
       <p:sp>
         <p:nvSpPr>
           <p:cNvPr id="29" name="Shape 29"/>
-          <p:cNvSpPr/>
+          <p:cNvSpPr>
+            <a:spLocks noGrp="1"/>
+          </p:cNvSpPr>
           <p:nvPr>
             <p:ph type="title"/>
           </p:nvPr>
@@ -1219,11 +1261,10 @@
           <a:bodyPr anchor="t"/>
           <a:lstStyle>
             <a:lvl1pPr algn="l">
-              <a:defRPr b="1" cap="all" sz="4000"/>
+              <a:defRPr sz="4000" b="1" cap="all"/>
             </a:lvl1pPr>
           </a:lstStyle>
           <a:p>
-            <a:pPr/>
             <a:r>
               <a:t>Click to edit Master title style</a:t>
             </a:r>
@@ -1233,7 +1274,9 @@
       <p:sp>
         <p:nvSpPr>
           <p:cNvPr id="30" name="Shape 30"/>
-          <p:cNvSpPr/>
+          <p:cNvSpPr>
+            <a:spLocks noGrp="1"/>
+          </p:cNvSpPr>
           <p:nvPr>
             <p:ph type="body" sz="quarter" idx="1"/>
           </p:nvPr>
@@ -1265,7 +1308,6 @@
             </a:lvl1pPr>
           </a:lstStyle>
           <a:p>
-            <a:pPr/>
             <a:r>
               <a:t>Click to edit Master text styles</a:t>
             </a:r>
@@ -1275,7 +1317,9 @@
       <p:sp>
         <p:nvSpPr>
           <p:cNvPr id="31" name="Shape 31"/>
-          <p:cNvSpPr/>
+          <p:cNvSpPr>
+            <a:spLocks noGrp="1"/>
+          </p:cNvSpPr>
           <p:nvPr>
             <p:ph type="sldNum" sz="quarter" idx="2"/>
           </p:nvPr>
@@ -1289,8 +1333,10 @@
           <a:bodyPr/>
           <a:lstStyle/>
           <a:p>
-            <a:pPr/>
-            <a:fld id="{86CB4B4D-7CA3-9044-876B-883B54F8677D}" type="slidenum"/>
+            <a:fld id="{86CB4B4D-7CA3-9044-876B-883B54F8677D}" type="slidenum">
+              <a:t>‹#›</a:t>
+            </a:fld>
+            <a:endParaRPr/>
           </a:p>
         </p:txBody>
       </p:sp>
@@ -1299,12 +1345,12 @@
   <p:clrMapOvr>
     <a:masterClrMapping/>
   </p:clrMapOvr>
-  <p:transition xmlns:p14="http://schemas.microsoft.com/office/powerpoint/2010/main" spd="med" advClick="1"/>
+  <p:transition spd="med"/>
 </p:sldLayout>
 </file>
 
 <file path=ppt/slideLayouts/slideLayout4.xml><?xml version="1.0" encoding="utf-8"?>
-<p:sldLayout xmlns:a="http://schemas.openxmlformats.org/drawingml/2006/main" xmlns:r="http://schemas.openxmlformats.org/officeDocument/2006/relationships" xmlns:p="http://schemas.openxmlformats.org/presentationml/2006/main" type="tx" showMasterSp="1" showMasterPhAnim="1">
+<p:sldLayout xmlns:a="http://schemas.openxmlformats.org/drawingml/2006/main" xmlns:r="http://schemas.openxmlformats.org/officeDocument/2006/relationships" xmlns:p="http://schemas.openxmlformats.org/presentationml/2006/main" type="tx">
   <p:cSld name="Two Content">
     <p:spTree>
       <p:nvGrpSpPr>
@@ -1323,7 +1369,9 @@
       <p:sp>
         <p:nvSpPr>
           <p:cNvPr id="38" name="Shape 38"/>
-          <p:cNvSpPr/>
+          <p:cNvSpPr>
+            <a:spLocks noGrp="1"/>
+          </p:cNvSpPr>
           <p:nvPr>
             <p:ph type="title"/>
           </p:nvPr>
@@ -1337,7 +1385,6 @@
           <a:bodyPr/>
           <a:lstStyle/>
           <a:p>
-            <a:pPr/>
             <a:r>
               <a:t>Click to edit Master title style</a:t>
             </a:r>
@@ -1347,7 +1394,9 @@
       <p:sp>
         <p:nvSpPr>
           <p:cNvPr id="39" name="Shape 39"/>
-          <p:cNvSpPr/>
+          <p:cNvSpPr>
+            <a:spLocks noGrp="1"/>
+          </p:cNvSpPr>
           <p:nvPr>
             <p:ph type="body" sz="half" idx="1"/>
           </p:nvPr>
@@ -1396,7 +1445,6 @@
             </a:lvl5pPr>
           </a:lstStyle>
           <a:p>
-            <a:pPr/>
             <a:r>
               <a:t>Click to edit Master text styles</a:t>
             </a:r>
@@ -1430,7 +1478,9 @@
       <p:sp>
         <p:nvSpPr>
           <p:cNvPr id="40" name="Shape 40"/>
-          <p:cNvSpPr/>
+          <p:cNvSpPr>
+            <a:spLocks noGrp="1"/>
+          </p:cNvSpPr>
           <p:nvPr>
             <p:ph type="sldNum" sz="quarter" idx="2"/>
           </p:nvPr>
@@ -1444,8 +1494,10 @@
           <a:bodyPr/>
           <a:lstStyle/>
           <a:p>
-            <a:pPr/>
-            <a:fld id="{86CB4B4D-7CA3-9044-876B-883B54F8677D}" type="slidenum"/>
+            <a:fld id="{86CB4B4D-7CA3-9044-876B-883B54F8677D}" type="slidenum">
+              <a:t>‹#›</a:t>
+            </a:fld>
+            <a:endParaRPr/>
           </a:p>
         </p:txBody>
       </p:sp>
@@ -1454,12 +1506,12 @@
   <p:clrMapOvr>
     <a:masterClrMapping/>
   </p:clrMapOvr>
-  <p:transition xmlns:p14="http://schemas.microsoft.com/office/powerpoint/2010/main" spd="med" advClick="1"/>
+  <p:transition spd="med"/>
 </p:sldLayout>
 </file>
 
 <file path=ppt/slideLayouts/slideLayout5.xml><?xml version="1.0" encoding="utf-8"?>
-<p:sldLayout xmlns:a="http://schemas.openxmlformats.org/drawingml/2006/main" xmlns:r="http://schemas.openxmlformats.org/officeDocument/2006/relationships" xmlns:p="http://schemas.openxmlformats.org/presentationml/2006/main" type="tx" showMasterSp="1" showMasterPhAnim="1">
+<p:sldLayout xmlns:a="http://schemas.openxmlformats.org/drawingml/2006/main" xmlns:r="http://schemas.openxmlformats.org/officeDocument/2006/relationships" xmlns:p="http://schemas.openxmlformats.org/presentationml/2006/main" type="tx">
   <p:cSld name="Comparison">
     <p:spTree>
       <p:nvGrpSpPr>
@@ -1478,7 +1530,9 @@
       <p:sp>
         <p:nvSpPr>
           <p:cNvPr id="47" name="Shape 47"/>
-          <p:cNvSpPr/>
+          <p:cNvSpPr>
+            <a:spLocks noGrp="1"/>
+          </p:cNvSpPr>
           <p:nvPr>
             <p:ph type="title"/>
           </p:nvPr>
@@ -1492,7 +1546,6 @@
           <a:bodyPr/>
           <a:lstStyle/>
           <a:p>
-            <a:pPr/>
             <a:r>
               <a:t>Click to edit Master title style</a:t>
             </a:r>
@@ -1502,7 +1555,9 @@
       <p:sp>
         <p:nvSpPr>
           <p:cNvPr id="48" name="Shape 48"/>
-          <p:cNvSpPr/>
+          <p:cNvSpPr>
+            <a:spLocks noGrp="1"/>
+          </p:cNvSpPr>
           <p:nvPr>
             <p:ph type="body" sz="quarter" idx="1"/>
           </p:nvPr>
@@ -1526,11 +1581,10 @@
               <a:buSzTx/>
               <a:buFontTx/>
               <a:buNone/>
-              <a:defRPr b="1" sz="2400"/>
+              <a:defRPr sz="2400" b="1"/>
             </a:lvl1pPr>
           </a:lstStyle>
           <a:p>
-            <a:pPr/>
             <a:r>
               <a:t>Click to edit Master text styles</a:t>
             </a:r>
@@ -1540,7 +1594,9 @@
       <p:sp>
         <p:nvSpPr>
           <p:cNvPr id="49" name="Shape 49"/>
-          <p:cNvSpPr/>
+          <p:cNvSpPr>
+            <a:spLocks noGrp="1"/>
+          </p:cNvSpPr>
           <p:nvPr>
             <p:ph type="body" sz="quarter" idx="13"/>
           </p:nvPr>
@@ -1565,15 +1621,18 @@
               <a:buSzTx/>
               <a:buFontTx/>
               <a:buNone/>
-              <a:defRPr b="1" sz="2400"/>
-            </a:pPr>
+              <a:defRPr sz="2400" b="1"/>
+            </a:pPr>
+            <a:endParaRPr/>
           </a:p>
         </p:txBody>
       </p:sp>
       <p:sp>
         <p:nvSpPr>
           <p:cNvPr id="50" name="Shape 50"/>
-          <p:cNvSpPr/>
+          <p:cNvSpPr>
+            <a:spLocks noGrp="1"/>
+          </p:cNvSpPr>
           <p:nvPr>
             <p:ph type="sldNum" sz="quarter" idx="2"/>
           </p:nvPr>
@@ -1587,8 +1646,10 @@
           <a:bodyPr/>
           <a:lstStyle/>
           <a:p>
-            <a:pPr/>
-            <a:fld id="{86CB4B4D-7CA3-9044-876B-883B54F8677D}" type="slidenum"/>
+            <a:fld id="{86CB4B4D-7CA3-9044-876B-883B54F8677D}" type="slidenum">
+              <a:t>‹#›</a:t>
+            </a:fld>
+            <a:endParaRPr/>
           </a:p>
         </p:txBody>
       </p:sp>
@@ -1597,12 +1658,12 @@
   <p:clrMapOvr>
     <a:masterClrMapping/>
   </p:clrMapOvr>
-  <p:transition xmlns:p14="http://schemas.microsoft.com/office/powerpoint/2010/main" spd="med" advClick="1"/>
+  <p:transition spd="med"/>
 </p:sldLayout>
 </file>
 
 <file path=ppt/slideLayouts/slideLayout6.xml><?xml version="1.0" encoding="utf-8"?>
-<p:sldLayout xmlns:a="http://schemas.openxmlformats.org/drawingml/2006/main" xmlns:r="http://schemas.openxmlformats.org/officeDocument/2006/relationships" xmlns:p="http://schemas.openxmlformats.org/presentationml/2006/main" type="tx" showMasterSp="1" showMasterPhAnim="1">
+<p:sldLayout xmlns:a="http://schemas.openxmlformats.org/drawingml/2006/main" xmlns:r="http://schemas.openxmlformats.org/officeDocument/2006/relationships" xmlns:p="http://schemas.openxmlformats.org/presentationml/2006/main" type="tx">
   <p:cSld name="Title Only">
     <p:spTree>
       <p:nvGrpSpPr>
@@ -1621,7 +1682,9 @@
       <p:sp>
         <p:nvSpPr>
           <p:cNvPr id="57" name="Shape 57"/>
-          <p:cNvSpPr/>
+          <p:cNvSpPr>
+            <a:spLocks noGrp="1"/>
+          </p:cNvSpPr>
           <p:nvPr>
             <p:ph type="title"/>
           </p:nvPr>
@@ -1635,7 +1698,6 @@
           <a:bodyPr/>
           <a:lstStyle/>
           <a:p>
-            <a:pPr/>
             <a:r>
               <a:t>Click to edit Master title style</a:t>
             </a:r>
@@ -1645,7 +1707,9 @@
       <p:sp>
         <p:nvSpPr>
           <p:cNvPr id="58" name="Shape 58"/>
-          <p:cNvSpPr/>
+          <p:cNvSpPr>
+            <a:spLocks noGrp="1"/>
+          </p:cNvSpPr>
           <p:nvPr>
             <p:ph type="sldNum" sz="quarter" idx="2"/>
           </p:nvPr>
@@ -1659,8 +1723,10 @@
           <a:bodyPr/>
           <a:lstStyle/>
           <a:p>
-            <a:pPr/>
-            <a:fld id="{86CB4B4D-7CA3-9044-876B-883B54F8677D}" type="slidenum"/>
+            <a:fld id="{86CB4B4D-7CA3-9044-876B-883B54F8677D}" type="slidenum">
+              <a:t>‹#›</a:t>
+            </a:fld>
+            <a:endParaRPr/>
           </a:p>
         </p:txBody>
       </p:sp>
@@ -1669,12 +1735,12 @@
   <p:clrMapOvr>
     <a:masterClrMapping/>
   </p:clrMapOvr>
-  <p:transition xmlns:p14="http://schemas.microsoft.com/office/powerpoint/2010/main" spd="med" advClick="1"/>
+  <p:transition spd="med"/>
 </p:sldLayout>
 </file>
 
 <file path=ppt/slideLayouts/slideLayout7.xml><?xml version="1.0" encoding="utf-8"?>
-<p:sldLayout xmlns:a="http://schemas.openxmlformats.org/drawingml/2006/main" xmlns:r="http://schemas.openxmlformats.org/officeDocument/2006/relationships" xmlns:p="http://schemas.openxmlformats.org/presentationml/2006/main" type="tx" showMasterSp="1" showMasterPhAnim="1">
+<p:sldLayout xmlns:a="http://schemas.openxmlformats.org/drawingml/2006/main" xmlns:r="http://schemas.openxmlformats.org/officeDocument/2006/relationships" xmlns:p="http://schemas.openxmlformats.org/presentationml/2006/main" type="tx">
   <p:cSld name="Blank">
     <p:spTree>
       <p:nvGrpSpPr>
@@ -1693,7 +1759,9 @@
       <p:sp>
         <p:nvSpPr>
           <p:cNvPr id="65" name="Shape 65"/>
-          <p:cNvSpPr/>
+          <p:cNvSpPr>
+            <a:spLocks noGrp="1"/>
+          </p:cNvSpPr>
           <p:nvPr>
             <p:ph type="sldNum" sz="quarter" idx="2"/>
           </p:nvPr>
@@ -1707,8 +1775,10 @@
           <a:bodyPr/>
           <a:lstStyle/>
           <a:p>
-            <a:pPr/>
-            <a:fld id="{86CB4B4D-7CA3-9044-876B-883B54F8677D}" type="slidenum"/>
+            <a:fld id="{86CB4B4D-7CA3-9044-876B-883B54F8677D}" type="slidenum">
+              <a:t>‹#›</a:t>
+            </a:fld>
+            <a:endParaRPr/>
           </a:p>
         </p:txBody>
       </p:sp>
@@ -1717,12 +1787,12 @@
   <p:clrMapOvr>
     <a:masterClrMapping/>
   </p:clrMapOvr>
-  <p:transition xmlns:p14="http://schemas.microsoft.com/office/powerpoint/2010/main" spd="med" advClick="1"/>
+  <p:transition spd="med"/>
 </p:sldLayout>
 </file>
 
 <file path=ppt/slideLayouts/slideLayout8.xml><?xml version="1.0" encoding="utf-8"?>
-<p:sldLayout xmlns:a="http://schemas.openxmlformats.org/drawingml/2006/main" xmlns:r="http://schemas.openxmlformats.org/officeDocument/2006/relationships" xmlns:p="http://schemas.openxmlformats.org/presentationml/2006/main" type="tx" showMasterSp="1" showMasterPhAnim="1">
+<p:sldLayout xmlns:a="http://schemas.openxmlformats.org/drawingml/2006/main" xmlns:r="http://schemas.openxmlformats.org/officeDocument/2006/relationships" xmlns:p="http://schemas.openxmlformats.org/presentationml/2006/main" type="tx">
   <p:cSld name="Content with Caption">
     <p:spTree>
       <p:nvGrpSpPr>
@@ -1741,7 +1811,9 @@
       <p:sp>
         <p:nvSpPr>
           <p:cNvPr id="72" name="Shape 72"/>
-          <p:cNvSpPr/>
+          <p:cNvSpPr>
+            <a:spLocks noGrp="1"/>
+          </p:cNvSpPr>
           <p:nvPr>
             <p:ph type="title"/>
           </p:nvPr>
@@ -1759,11 +1831,10 @@
           <a:bodyPr anchor="b"/>
           <a:lstStyle>
             <a:lvl1pPr algn="l">
-              <a:defRPr b="1" sz="2000"/>
+              <a:defRPr sz="2000" b="1"/>
             </a:lvl1pPr>
           </a:lstStyle>
           <a:p>
-            <a:pPr/>
             <a:r>
               <a:t>Click to edit Master title style</a:t>
             </a:r>
@@ -1773,7 +1844,9 @@
       <p:sp>
         <p:nvSpPr>
           <p:cNvPr id="73" name="Shape 73"/>
-          <p:cNvSpPr/>
+          <p:cNvSpPr>
+            <a:spLocks noGrp="1"/>
+          </p:cNvSpPr>
           <p:nvPr>
             <p:ph type="body" idx="1"/>
           </p:nvPr>
@@ -1791,7 +1864,6 @@
           <a:bodyPr/>
           <a:lstStyle/>
           <a:p>
-            <a:pPr/>
             <a:r>
               <a:t>Click to edit Master text styles</a:t>
             </a:r>
@@ -1825,7 +1897,9 @@
       <p:sp>
         <p:nvSpPr>
           <p:cNvPr id="74" name="Shape 74"/>
-          <p:cNvSpPr/>
+          <p:cNvSpPr>
+            <a:spLocks noGrp="1"/>
+          </p:cNvSpPr>
           <p:nvPr>
             <p:ph type="body" sz="half" idx="13"/>
           </p:nvPr>
@@ -1852,13 +1926,16 @@
               <a:buNone/>
               <a:defRPr sz="1400"/>
             </a:pPr>
+            <a:endParaRPr/>
           </a:p>
         </p:txBody>
       </p:sp>
       <p:sp>
         <p:nvSpPr>
           <p:cNvPr id="75" name="Shape 75"/>
-          <p:cNvSpPr/>
+          <p:cNvSpPr>
+            <a:spLocks noGrp="1"/>
+          </p:cNvSpPr>
           <p:nvPr>
             <p:ph type="sldNum" sz="quarter" idx="2"/>
           </p:nvPr>
@@ -1872,8 +1949,10 @@
           <a:bodyPr/>
           <a:lstStyle/>
           <a:p>
-            <a:pPr/>
-            <a:fld id="{86CB4B4D-7CA3-9044-876B-883B54F8677D}" type="slidenum"/>
+            <a:fld id="{86CB4B4D-7CA3-9044-876B-883B54F8677D}" type="slidenum">
+              <a:t>‹#›</a:t>
+            </a:fld>
+            <a:endParaRPr/>
           </a:p>
         </p:txBody>
       </p:sp>
@@ -1882,12 +1961,12 @@
   <p:clrMapOvr>
     <a:masterClrMapping/>
   </p:clrMapOvr>
-  <p:transition xmlns:p14="http://schemas.microsoft.com/office/powerpoint/2010/main" spd="med" advClick="1"/>
+  <p:transition spd="med"/>
 </p:sldLayout>
 </file>
 
 <file path=ppt/slideLayouts/slideLayout9.xml><?xml version="1.0" encoding="utf-8"?>
-<p:sldLayout xmlns:a="http://schemas.openxmlformats.org/drawingml/2006/main" xmlns:r="http://schemas.openxmlformats.org/officeDocument/2006/relationships" xmlns:p="http://schemas.openxmlformats.org/presentationml/2006/main" type="tx" showMasterSp="1" showMasterPhAnim="1">
+<p:sldLayout xmlns:a="http://schemas.openxmlformats.org/drawingml/2006/main" xmlns:r="http://schemas.openxmlformats.org/officeDocument/2006/relationships" xmlns:p="http://schemas.openxmlformats.org/presentationml/2006/main" type="tx">
   <p:cSld name="Picture with Caption">
     <p:spTree>
       <p:nvGrpSpPr>
@@ -1906,7 +1985,9 @@
       <p:sp>
         <p:nvSpPr>
           <p:cNvPr id="82" name="Shape 82"/>
-          <p:cNvSpPr/>
+          <p:cNvSpPr>
+            <a:spLocks noGrp="1"/>
+          </p:cNvSpPr>
           <p:nvPr>
             <p:ph type="title"/>
           </p:nvPr>
@@ -1924,11 +2005,10 @@
           <a:bodyPr anchor="b"/>
           <a:lstStyle>
             <a:lvl1pPr algn="l">
-              <a:defRPr b="1" sz="2000"/>
+              <a:defRPr sz="2000" b="1"/>
             </a:lvl1pPr>
           </a:lstStyle>
           <a:p>
-            <a:pPr/>
             <a:r>
               <a:t>Click to edit Master title style</a:t>
             </a:r>
@@ -1938,7 +2018,9 @@
       <p:sp>
         <p:nvSpPr>
           <p:cNvPr id="83" name="Shape 83"/>
-          <p:cNvSpPr/>
+          <p:cNvSpPr>
+            <a:spLocks noGrp="1"/>
+          </p:cNvSpPr>
           <p:nvPr>
             <p:ph type="pic" sz="half" idx="13"/>
           </p:nvPr>
@@ -1958,14 +2040,16 @@
           </a:bodyPr>
           <a:lstStyle/>
           <a:p>
-            <a:pPr/>
+            <a:endParaRPr/>
           </a:p>
         </p:txBody>
       </p:sp>
       <p:sp>
         <p:nvSpPr>
           <p:cNvPr id="84" name="Shape 84"/>
-          <p:cNvSpPr/>
+          <p:cNvSpPr>
+            <a:spLocks noGrp="1"/>
+          </p:cNvSpPr>
           <p:nvPr>
             <p:ph type="body" sz="quarter" idx="1"/>
           </p:nvPr>
@@ -1993,7 +2077,6 @@
             </a:lvl1pPr>
           </a:lstStyle>
           <a:p>
-            <a:pPr/>
             <a:r>
               <a:t>Click to edit Master text styles</a:t>
             </a:r>
@@ -2003,7 +2086,9 @@
       <p:sp>
         <p:nvSpPr>
           <p:cNvPr id="85" name="Shape 85"/>
-          <p:cNvSpPr/>
+          <p:cNvSpPr>
+            <a:spLocks noGrp="1"/>
+          </p:cNvSpPr>
           <p:nvPr>
             <p:ph type="sldNum" sz="quarter" idx="2"/>
           </p:nvPr>
@@ -2017,8 +2102,10 @@
           <a:bodyPr/>
           <a:lstStyle/>
           <a:p>
-            <a:pPr/>
-            <a:fld id="{86CB4B4D-7CA3-9044-876B-883B54F8677D}" type="slidenum"/>
+            <a:fld id="{86CB4B4D-7CA3-9044-876B-883B54F8677D}" type="slidenum">
+              <a:t>‹#›</a:t>
+            </a:fld>
+            <a:endParaRPr/>
           </a:p>
         </p:txBody>
       </p:sp>
@@ -2027,7 +2114,7 @@
   <p:clrMapOvr>
     <a:masterClrMapping/>
   </p:clrMapOvr>
-  <p:transition xmlns:p14="http://schemas.microsoft.com/office/powerpoint/2010/main" spd="med" advClick="1"/>
+  <p:transition spd="med"/>
 </p:sldLayout>
 </file>
 
@@ -2039,6 +2126,7 @@
         <a:solidFill>
           <a:srgbClr val="FFFFFF"/>
         </a:solidFill>
+        <a:effectLst/>
       </p:bgPr>
     </p:bg>
     <p:spTree>
@@ -2058,7 +2146,9 @@
       <p:sp>
         <p:nvSpPr>
           <p:cNvPr id="2" name="Shape 2"/>
-          <p:cNvSpPr/>
+          <p:cNvSpPr>
+            <a:spLocks noGrp="1"/>
+          </p:cNvSpPr>
           <p:nvPr>
             <p:ph type="title"/>
           </p:nvPr>
@@ -2076,17 +2166,16 @@
           </a:ln>
           <a:extLst>
             <a:ext uri="{C572A759-6A51-4108-AA02-DFA0A04FC94B}">
-              <ma14:wrappingTextBoxFlag xmlns:ma14="http://schemas.microsoft.com/office/mac/drawingml/2011/main" val="1"/>
+              <ma14:wrappingTextBoxFlag xmlns:ma14="http://schemas.microsoft.com/office/mac/drawingml/2011/main" xmlns="" val="1"/>
             </a:ext>
           </a:extLst>
         </p:spPr>
         <p:txBody>
           <a:bodyPr lIns="45719" rIns="45719" anchor="ctr">
-            <a:normAutofit fontScale="100000" lnSpcReduction="0"/>
+            <a:normAutofit/>
           </a:bodyPr>
           <a:lstStyle/>
           <a:p>
-            <a:pPr/>
             <a:r>
               <a:t>Click to edit Master title style</a:t>
             </a:r>
@@ -2096,7 +2185,9 @@
       <p:sp>
         <p:nvSpPr>
           <p:cNvPr id="3" name="Shape 3"/>
-          <p:cNvSpPr/>
+          <p:cNvSpPr>
+            <a:spLocks noGrp="1"/>
+          </p:cNvSpPr>
           <p:nvPr>
             <p:ph type="body" idx="1"/>
           </p:nvPr>
@@ -2114,17 +2205,16 @@
           </a:ln>
           <a:extLst>
             <a:ext uri="{C572A759-6A51-4108-AA02-DFA0A04FC94B}">
-              <ma14:wrappingTextBoxFlag xmlns:ma14="http://schemas.microsoft.com/office/mac/drawingml/2011/main" val="1"/>
+              <ma14:wrappingTextBoxFlag xmlns:ma14="http://schemas.microsoft.com/office/mac/drawingml/2011/main" xmlns="" val="1"/>
             </a:ext>
           </a:extLst>
         </p:spPr>
         <p:txBody>
           <a:bodyPr lIns="45719" rIns="45719">
-            <a:normAutofit fontScale="100000" lnSpcReduction="0"/>
+            <a:normAutofit/>
           </a:bodyPr>
           <a:lstStyle/>
           <a:p>
-            <a:pPr/>
             <a:r>
               <a:t>Click to edit Master text styles</a:t>
             </a:r>
@@ -2158,7 +2248,9 @@
       <p:sp>
         <p:nvSpPr>
           <p:cNvPr id="4" name="Shape 4"/>
-          <p:cNvSpPr/>
+          <p:cNvSpPr>
+            <a:spLocks noGrp="1"/>
+          </p:cNvSpPr>
           <p:nvPr>
             <p:ph type="sldNum" sz="quarter" idx="2"/>
           </p:nvPr>
@@ -2193,8 +2285,10 @@
             </a:lvl1pPr>
           </a:lstStyle>
           <a:p>
-            <a:pPr/>
-            <a:fld id="{86CB4B4D-7CA3-9044-876B-883B54F8677D}" type="slidenum"/>
+            <a:fld id="{86CB4B4D-7CA3-9044-876B-883B54F8677D}" type="slidenum">
+              <a:t>‹#›</a:t>
+            </a:fld>
+            <a:endParaRPr/>
           </a:p>
         </p:txBody>
       </p:sp>
@@ -2202,21 +2296,21 @@
   </p:cSld>
   <p:clrMap bg1="lt1" tx1="dk1" bg2="lt2" tx2="dk2" accent1="accent1" accent2="accent2" accent3="accent3" accent4="accent4" accent5="accent5" accent6="accent6" hlink="hlink" folHlink="folHlink"/>
   <p:sldLayoutIdLst>
-    <p:sldLayoutId id="2147483649" r:id="rId2"/>
-    <p:sldLayoutId id="2147483650" r:id="rId3"/>
-    <p:sldLayoutId id="2147483651" r:id="rId4"/>
-    <p:sldLayoutId id="2147483652" r:id="rId5"/>
-    <p:sldLayoutId id="2147483653" r:id="rId6"/>
-    <p:sldLayoutId id="2147483654" r:id="rId7"/>
-    <p:sldLayoutId id="2147483655" r:id="rId8"/>
-    <p:sldLayoutId id="2147483656" r:id="rId9"/>
-    <p:sldLayoutId id="2147483657" r:id="rId10"/>
-    <p:sldLayoutId id="2147483658" r:id="rId11"/>
-    <p:sldLayoutId id="2147483659" r:id="rId12"/>
-    <p:sldLayoutId id="2147483660" r:id="rId13"/>
-    <p:sldLayoutId id="2147483661" r:id="rId14"/>
+    <p:sldLayoutId id="2147483649" r:id="rId1"/>
+    <p:sldLayoutId id="2147483650" r:id="rId2"/>
+    <p:sldLayoutId id="2147483651" r:id="rId3"/>
+    <p:sldLayoutId id="2147483652" r:id="rId4"/>
+    <p:sldLayoutId id="2147483653" r:id="rId5"/>
+    <p:sldLayoutId id="2147483654" r:id="rId6"/>
+    <p:sldLayoutId id="2147483655" r:id="rId7"/>
+    <p:sldLayoutId id="2147483656" r:id="rId8"/>
+    <p:sldLayoutId id="2147483657" r:id="rId9"/>
+    <p:sldLayoutId id="2147483658" r:id="rId10"/>
+    <p:sldLayoutId id="2147483659" r:id="rId11"/>
+    <p:sldLayoutId id="2147483660" r:id="rId12"/>
+    <p:sldLayoutId id="2147483661" r:id="rId13"/>
   </p:sldLayoutIdLst>
-  <p:transition xmlns:p14="http://schemas.microsoft.com/office/powerpoint/2010/main" spd="med" advClick="1"/>
+  <p:transition spd="med"/>
   <p:txStyles>
     <p:titleStyle>
       <a:lvl1pPr marL="0" marR="0" indent="0" algn="ctr" defTabSz="457200" rtl="0" latinLnBrk="0">
@@ -2234,7 +2328,7 @@
         <a:buFontTx/>
         <a:buNone/>
         <a:tabLst/>
-        <a:defRPr b="0" baseline="0" cap="none" i="0" spc="0" strike="noStrike" sz="4400" u="none">
+        <a:defRPr sz="4400" b="0" i="0" u="none" strike="noStrike" cap="none" spc="0" baseline="0">
           <a:ln>
             <a:noFill/>
           </a:ln>
@@ -2263,7 +2357,7 @@
         <a:buFontTx/>
         <a:buNone/>
         <a:tabLst/>
-        <a:defRPr b="0" baseline="0" cap="none" i="0" spc="0" strike="noStrike" sz="4400" u="none">
+        <a:defRPr sz="4400" b="0" i="0" u="none" strike="noStrike" cap="none" spc="0" baseline="0">
           <a:ln>
             <a:noFill/>
           </a:ln>
@@ -2292,7 +2386,7 @@
         <a:buFontTx/>
         <a:buNone/>
         <a:tabLst/>
-        <a:defRPr b="0" baseline="0" cap="none" i="0" spc="0" strike="noStrike" sz="4400" u="none">
+        <a:defRPr sz="4400" b="0" i="0" u="none" strike="noStrike" cap="none" spc="0" baseline="0">
           <a:ln>
             <a:noFill/>
           </a:ln>
@@ -2321,7 +2415,7 @@
         <a:buFontTx/>
         <a:buNone/>
         <a:tabLst/>
-        <a:defRPr b="0" baseline="0" cap="none" i="0" spc="0" strike="noStrike" sz="4400" u="none">
+        <a:defRPr sz="4400" b="0" i="0" u="none" strike="noStrike" cap="none" spc="0" baseline="0">
           <a:ln>
             <a:noFill/>
           </a:ln>
@@ -2350,7 +2444,7 @@
         <a:buFontTx/>
         <a:buNone/>
         <a:tabLst/>
-        <a:defRPr b="0" baseline="0" cap="none" i="0" spc="0" strike="noStrike" sz="4400" u="none">
+        <a:defRPr sz="4400" b="0" i="0" u="none" strike="noStrike" cap="none" spc="0" baseline="0">
           <a:ln>
             <a:noFill/>
           </a:ln>
@@ -2379,7 +2473,7 @@
         <a:buFontTx/>
         <a:buNone/>
         <a:tabLst/>
-        <a:defRPr b="0" baseline="0" cap="none" i="0" spc="0" strike="noStrike" sz="4400" u="none">
+        <a:defRPr sz="4400" b="0" i="0" u="none" strike="noStrike" cap="none" spc="0" baseline="0">
           <a:ln>
             <a:noFill/>
           </a:ln>
@@ -2408,7 +2502,7 @@
         <a:buFontTx/>
         <a:buNone/>
         <a:tabLst/>
-        <a:defRPr b="0" baseline="0" cap="none" i="0" spc="0" strike="noStrike" sz="4400" u="none">
+        <a:defRPr sz="4400" b="0" i="0" u="none" strike="noStrike" cap="none" spc="0" baseline="0">
           <a:ln>
             <a:noFill/>
           </a:ln>
@@ -2437,7 +2531,7 @@
         <a:buFontTx/>
         <a:buNone/>
         <a:tabLst/>
-        <a:defRPr b="0" baseline="0" cap="none" i="0" spc="0" strike="noStrike" sz="4400" u="none">
+        <a:defRPr sz="4400" b="0" i="0" u="none" strike="noStrike" cap="none" spc="0" baseline="0">
           <a:ln>
             <a:noFill/>
           </a:ln>
@@ -2466,7 +2560,7 @@
         <a:buFontTx/>
         <a:buNone/>
         <a:tabLst/>
-        <a:defRPr b="0" baseline="0" cap="none" i="0" spc="0" strike="noStrike" sz="4400" u="none">
+        <a:defRPr sz="4400" b="0" i="0" u="none" strike="noStrike" cap="none" spc="0" baseline="0">
           <a:ln>
             <a:noFill/>
           </a:ln>
@@ -2497,7 +2591,7 @@
         <a:buFont typeface="Arial"/>
         <a:buChar char="•"/>
         <a:tabLst/>
-        <a:defRPr b="0" baseline="0" cap="none" i="0" spc="0" strike="noStrike" sz="3200" u="none">
+        <a:defRPr sz="3200" b="0" i="0" u="none" strike="noStrike" cap="none" spc="0" baseline="0">
           <a:ln>
             <a:noFill/>
           </a:ln>
@@ -2526,7 +2620,7 @@
         <a:buFont typeface="Arial"/>
         <a:buChar char="–"/>
         <a:tabLst/>
-        <a:defRPr b="0" baseline="0" cap="none" i="0" spc="0" strike="noStrike" sz="3200" u="none">
+        <a:defRPr sz="3200" b="0" i="0" u="none" strike="noStrike" cap="none" spc="0" baseline="0">
           <a:ln>
             <a:noFill/>
           </a:ln>
@@ -2555,7 +2649,7 @@
         <a:buFont typeface="Arial"/>
         <a:buChar char="•"/>
         <a:tabLst/>
-        <a:defRPr b="0" baseline="0" cap="none" i="0" spc="0" strike="noStrike" sz="3200" u="none">
+        <a:defRPr sz="3200" b="0" i="0" u="none" strike="noStrike" cap="none" spc="0" baseline="0">
           <a:ln>
             <a:noFill/>
           </a:ln>
@@ -2584,7 +2678,7 @@
         <a:buFont typeface="Arial"/>
         <a:buChar char="–"/>
         <a:tabLst/>
-        <a:defRPr b="0" baseline="0" cap="none" i="0" spc="0" strike="noStrike" sz="3200" u="none">
+        <a:defRPr sz="3200" b="0" i="0" u="none" strike="noStrike" cap="none" spc="0" baseline="0">
           <a:ln>
             <a:noFill/>
           </a:ln>
@@ -2613,7 +2707,7 @@
         <a:buFont typeface="Arial"/>
         <a:buChar char="»"/>
         <a:tabLst/>
-        <a:defRPr b="0" baseline="0" cap="none" i="0" spc="0" strike="noStrike" sz="3200" u="none">
+        <a:defRPr sz="3200" b="0" i="0" u="none" strike="noStrike" cap="none" spc="0" baseline="0">
           <a:ln>
             <a:noFill/>
           </a:ln>
@@ -2642,7 +2736,7 @@
         <a:buFont typeface="Arial"/>
         <a:buChar char="•"/>
         <a:tabLst/>
-        <a:defRPr b="0" baseline="0" cap="none" i="0" spc="0" strike="noStrike" sz="3200" u="none">
+        <a:defRPr sz="3200" b="0" i="0" u="none" strike="noStrike" cap="none" spc="0" baseline="0">
           <a:ln>
             <a:noFill/>
           </a:ln>
@@ -2671,7 +2765,7 @@
         <a:buFont typeface="Arial"/>
         <a:buChar char="•"/>
         <a:tabLst/>
-        <a:defRPr b="0" baseline="0" cap="none" i="0" spc="0" strike="noStrike" sz="3200" u="none">
+        <a:defRPr sz="3200" b="0" i="0" u="none" strike="noStrike" cap="none" spc="0" baseline="0">
           <a:ln>
             <a:noFill/>
           </a:ln>
@@ -2700,7 +2794,7 @@
         <a:buFont typeface="Arial"/>
         <a:buChar char="•"/>
         <a:tabLst/>
-        <a:defRPr b="0" baseline="0" cap="none" i="0" spc="0" strike="noStrike" sz="3200" u="none">
+        <a:defRPr sz="3200" b="0" i="0" u="none" strike="noStrike" cap="none" spc="0" baseline="0">
           <a:ln>
             <a:noFill/>
           </a:ln>
@@ -2729,7 +2823,7 @@
         <a:buFont typeface="Arial"/>
         <a:buChar char="•"/>
         <a:tabLst/>
-        <a:defRPr b="0" baseline="0" cap="none" i="0" spc="0" strike="noStrike" sz="3200" u="none">
+        <a:defRPr sz="3200" b="0" i="0" u="none" strike="noStrike" cap="none" spc="0" baseline="0">
           <a:ln>
             <a:noFill/>
           </a:ln>
@@ -2760,7 +2854,7 @@
         <a:buFontTx/>
         <a:buNone/>
         <a:tabLst/>
-        <a:defRPr b="0" baseline="0" cap="none" i="0" spc="0" strike="noStrike" sz="1200" u="none">
+        <a:defRPr sz="1200" b="0" i="0" u="none" strike="noStrike" cap="none" spc="0" baseline="0">
           <a:ln>
             <a:noFill/>
           </a:ln>
@@ -2789,7 +2883,7 @@
         <a:buFontTx/>
         <a:buNone/>
         <a:tabLst/>
-        <a:defRPr b="0" baseline="0" cap="none" i="0" spc="0" strike="noStrike" sz="1200" u="none">
+        <a:defRPr sz="1200" b="0" i="0" u="none" strike="noStrike" cap="none" spc="0" baseline="0">
           <a:ln>
             <a:noFill/>
           </a:ln>
@@ -2818,7 +2912,7 @@
         <a:buFontTx/>
         <a:buNone/>
         <a:tabLst/>
-        <a:defRPr b="0" baseline="0" cap="none" i="0" spc="0" strike="noStrike" sz="1200" u="none">
+        <a:defRPr sz="1200" b="0" i="0" u="none" strike="noStrike" cap="none" spc="0" baseline="0">
           <a:ln>
             <a:noFill/>
           </a:ln>
@@ -2847,7 +2941,7 @@
         <a:buFontTx/>
         <a:buNone/>
         <a:tabLst/>
-        <a:defRPr b="0" baseline="0" cap="none" i="0" spc="0" strike="noStrike" sz="1200" u="none">
+        <a:defRPr sz="1200" b="0" i="0" u="none" strike="noStrike" cap="none" spc="0" baseline="0">
           <a:ln>
             <a:noFill/>
           </a:ln>
@@ -2876,7 +2970,7 @@
         <a:buFontTx/>
         <a:buNone/>
         <a:tabLst/>
-        <a:defRPr b="0" baseline="0" cap="none" i="0" spc="0" strike="noStrike" sz="1200" u="none">
+        <a:defRPr sz="1200" b="0" i="0" u="none" strike="noStrike" cap="none" spc="0" baseline="0">
           <a:ln>
             <a:noFill/>
           </a:ln>
@@ -2905,7 +2999,7 @@
         <a:buFontTx/>
         <a:buNone/>
         <a:tabLst/>
-        <a:defRPr b="0" baseline="0" cap="none" i="0" spc="0" strike="noStrike" sz="1200" u="none">
+        <a:defRPr sz="1200" b="0" i="0" u="none" strike="noStrike" cap="none" spc="0" baseline="0">
           <a:ln>
             <a:noFill/>
           </a:ln>
@@ -2934,7 +3028,7 @@
         <a:buFontTx/>
         <a:buNone/>
         <a:tabLst/>
-        <a:defRPr b="0" baseline="0" cap="none" i="0" spc="0" strike="noStrike" sz="1200" u="none">
+        <a:defRPr sz="1200" b="0" i="0" u="none" strike="noStrike" cap="none" spc="0" baseline="0">
           <a:ln>
             <a:noFill/>
           </a:ln>
@@ -2963,7 +3057,7 @@
         <a:buFontTx/>
         <a:buNone/>
         <a:tabLst/>
-        <a:defRPr b="0" baseline="0" cap="none" i="0" spc="0" strike="noStrike" sz="1200" u="none">
+        <a:defRPr sz="1200" b="0" i="0" u="none" strike="noStrike" cap="none" spc="0" baseline="0">
           <a:ln>
             <a:noFill/>
           </a:ln>
@@ -2992,7 +3086,7 @@
         <a:buFontTx/>
         <a:buNone/>
         <a:tabLst/>
-        <a:defRPr b="0" baseline="0" cap="none" i="0" spc="0" strike="noStrike" sz="1200" u="none">
+        <a:defRPr sz="1200" b="0" i="0" u="none" strike="noStrike" cap="none" spc="0" baseline="0">
           <a:ln>
             <a:noFill/>
           </a:ln>
@@ -3012,7 +3106,7 @@
 </file>
 
 <file path=ppt/slides/slide1.xml><?xml version="1.0" encoding="utf-8"?>
-<p:sld xmlns:a="http://schemas.openxmlformats.org/drawingml/2006/main" xmlns:r="http://schemas.openxmlformats.org/officeDocument/2006/relationships" xmlns:p="http://schemas.openxmlformats.org/presentationml/2006/main" showMasterSp="1" showMasterPhAnim="1">
+<p:sld xmlns:a="http://schemas.openxmlformats.org/drawingml/2006/main" xmlns:r="http://schemas.openxmlformats.org/officeDocument/2006/relationships" xmlns:p="http://schemas.openxmlformats.org/presentationml/2006/main">
   <p:cSld>
     <p:spTree>
       <p:nvGrpSpPr>
@@ -3031,7 +3125,9 @@
       <p:sp>
         <p:nvSpPr>
           <p:cNvPr id="129" name="Shape 129"/>
-          <p:cNvSpPr/>
+          <p:cNvSpPr>
+            <a:spLocks noGrp="1"/>
+          </p:cNvSpPr>
           <p:nvPr>
             <p:ph type="ctrTitle"/>
           </p:nvPr>
@@ -3053,7 +3149,6 @@
             </a:lvl1pPr>
           </a:lstStyle>
           <a:p>
-            <a:pPr/>
             <a:r>
               <a:t>NoSQL and Graph Databases: Principles</a:t>
             </a:r>
@@ -3063,7 +3158,9 @@
       <p:sp>
         <p:nvSpPr>
           <p:cNvPr id="130" name="Shape 130"/>
-          <p:cNvSpPr/>
+          <p:cNvSpPr>
+            <a:spLocks noGrp="1"/>
+          </p:cNvSpPr>
           <p:nvPr>
             <p:ph type="subTitle" sz="half" idx="1"/>
           </p:nvPr>
@@ -3088,8 +3185,8 @@
             </a:lvl1pPr>
           </a:lstStyle>
           <a:p>
-            <a:pPr/>
             <a:br/>
+            <a:endParaRPr/>
           </a:p>
         </p:txBody>
       </p:sp>
@@ -3098,12 +3195,12 @@
   <p:clrMapOvr>
     <a:masterClrMapping/>
   </p:clrMapOvr>
-  <p:transition xmlns:p14="http://schemas.microsoft.com/office/powerpoint/2010/main" spd="med" advClick="1"/>
+  <p:transition spd="med"/>
 </p:sld>
 </file>
 
 <file path=ppt/slides/slide10.xml><?xml version="1.0" encoding="utf-8"?>
-<p:sld xmlns:a="http://schemas.openxmlformats.org/drawingml/2006/main" xmlns:r="http://schemas.openxmlformats.org/officeDocument/2006/relationships" xmlns:p="http://schemas.openxmlformats.org/presentationml/2006/main" showMasterSp="1" showMasterPhAnim="1">
+<p:sld xmlns:a="http://schemas.openxmlformats.org/drawingml/2006/main" xmlns:r="http://schemas.openxmlformats.org/officeDocument/2006/relationships" xmlns:p="http://schemas.openxmlformats.org/presentationml/2006/main">
   <p:cSld>
     <p:spTree>
       <p:nvGrpSpPr>
@@ -3122,7 +3219,9 @@
       <p:sp>
         <p:nvSpPr>
           <p:cNvPr id="160" name="Shape 160"/>
-          <p:cNvSpPr/>
+          <p:cNvSpPr>
+            <a:spLocks noGrp="1"/>
+          </p:cNvSpPr>
           <p:nvPr>
             <p:ph type="title"/>
           </p:nvPr>
@@ -3144,7 +3243,6 @@
             </a:lvl1pPr>
           </a:lstStyle>
           <a:p>
-            <a:pPr/>
             <a:r>
               <a:t>Basic Characteristics</a:t>
             </a:r>
@@ -3154,7 +3252,9 @@
       <p:sp>
         <p:nvSpPr>
           <p:cNvPr id="161" name="Shape 161"/>
-          <p:cNvSpPr/>
+          <p:cNvSpPr>
+            <a:spLocks noGrp="1"/>
+          </p:cNvSpPr>
           <p:nvPr>
             <p:ph type="body" idx="1"/>
           </p:nvPr>
@@ -3206,14 +3306,9 @@
               </a:rPr>
               <a:t> between nodes</a:t>
             </a:r>
-            <a:endParaRPr>
-              <a:solidFill>
-                <a:srgbClr val="000000"/>
-              </a:solidFill>
-            </a:endParaRPr>
-          </a:p>
-          <a:p>
-            <a:pPr lvl="1" marL="914400" indent="-381000">
+          </a:p>
+          <a:p>
+            <a:pPr marL="914400" lvl="1" indent="-381000">
               <a:spcBef>
                 <a:spcPts val="0"/>
               </a:spcBef>
@@ -3253,7 +3348,7 @@
             <a:endParaRPr sz="2800"/>
           </a:p>
           <a:p>
-            <a:pPr lvl="1" marL="914400" indent="-381000">
+            <a:pPr marL="914400" lvl="1" indent="-381000">
               <a:spcBef>
                 <a:spcPts val="0"/>
               </a:spcBef>
@@ -3282,7 +3377,7 @@
             <a:endParaRPr sz="2800"/>
           </a:p>
           <a:p>
-            <a:pPr lvl="2" marL="1371600" indent="-342900">
+            <a:pPr marL="1371600" lvl="2" indent="-342900">
               <a:spcBef>
                 <a:spcPts val="0"/>
               </a:spcBef>
@@ -3329,31 +3424,6 @@
                 </a:solidFill>
               </a:rPr>
             </a:br>
-          </a:p>
-          <a:p>
-            <a:pPr marL="457200" indent="-419100">
-              <a:spcBef>
-                <a:spcPts val="0"/>
-              </a:spcBef>
-              <a:buFont typeface="Arial"/>
-              <a:buChar char="●"/>
-              <a:defRPr sz="2400">
-                <a:solidFill>
-                  <a:srgbClr val="990000"/>
-                </a:solidFill>
-              </a:defRPr>
-            </a:pPr>
-            <a:r>
-              <a:t>Relationships</a:t>
-            </a:r>
-            <a:r>
-              <a:rPr>
-                <a:solidFill>
-                  <a:srgbClr val="000000"/>
-                </a:solidFill>
-              </a:rPr>
-              <a:t> have: type, start node, end node, own properties</a:t>
-            </a:r>
             <a:endParaRPr>
               <a:solidFill>
                 <a:srgbClr val="000000"/>
@@ -3361,7 +3431,32 @@
             </a:endParaRPr>
           </a:p>
           <a:p>
-            <a:pPr lvl="1" marL="914400" indent="-381000">
+            <a:pPr marL="457200" indent="-419100">
+              <a:spcBef>
+                <a:spcPts val="0"/>
+              </a:spcBef>
+              <a:buFont typeface="Arial"/>
+              <a:buChar char="●"/>
+              <a:defRPr sz="2400">
+                <a:solidFill>
+                  <a:srgbClr val="990000"/>
+                </a:solidFill>
+              </a:defRPr>
+            </a:pPr>
+            <a:r>
+              <a:t>Relationships</a:t>
+            </a:r>
+            <a:r>
+              <a:rPr>
+                <a:solidFill>
+                  <a:srgbClr val="000000"/>
+                </a:solidFill>
+              </a:rPr>
+              <a:t> have: type, start node, end node, own properties</a:t>
+            </a:r>
+          </a:p>
+          <a:p>
+            <a:pPr marL="914400" lvl="1" indent="-381000">
               <a:spcBef>
                 <a:spcPts val="0"/>
               </a:spcBef>
@@ -3384,13 +3479,13 @@
   <p:clrMapOvr>
     <a:masterClrMapping/>
   </p:clrMapOvr>
-  <mc:AlternateContent xmlns:mc="http://schemas.openxmlformats.org/markup-compatibility/2006">
-    <mc:Choice xmlns:p14="http://schemas.microsoft.com/office/powerpoint/2010/main" Requires="p14">
-      <p:transition spd="fast" advClick="1" p14:dur="250">
+  <mc:AlternateContent xmlns:mc="http://schemas.openxmlformats.org/markup-compatibility/2006" xmlns:p14="http://schemas.microsoft.com/office/powerpoint/2010/main">
+    <mc:Choice Requires="p14">
+      <p:transition p14:dur="250">
         <p:dissolve/>
       </p:transition>
     </mc:Choice>
-    <mc:Fallback>
+    <mc:Fallback xmlns="">
       <p:transition spd="fast">
         <p:fade/>
       </p:transition>
@@ -3400,7 +3495,7 @@
 </file>
 
 <file path=ppt/slides/slide11.xml><?xml version="1.0" encoding="utf-8"?>
-<p:sld xmlns:a="http://schemas.openxmlformats.org/drawingml/2006/main" xmlns:r="http://schemas.openxmlformats.org/officeDocument/2006/relationships" xmlns:p="http://schemas.openxmlformats.org/presentationml/2006/main" showMasterSp="1" showMasterPhAnim="1">
+<p:sld xmlns:a="http://schemas.openxmlformats.org/drawingml/2006/main" xmlns:r="http://schemas.openxmlformats.org/officeDocument/2006/relationships" xmlns:p="http://schemas.openxmlformats.org/presentationml/2006/main">
   <p:cSld>
     <p:spTree>
       <p:nvGrpSpPr>
@@ -3419,7 +3514,9 @@
       <p:sp>
         <p:nvSpPr>
           <p:cNvPr id="163" name="Shape 163"/>
-          <p:cNvSpPr/>
+          <p:cNvSpPr>
+            <a:spLocks noGrp="1"/>
+          </p:cNvSpPr>
           <p:nvPr>
             <p:ph type="title"/>
           </p:nvPr>
@@ -3441,7 +3538,6 @@
             </a:lvl1pPr>
           </a:lstStyle>
           <a:p>
-            <a:pPr/>
             <a:r>
               <a:t>Relationship Properties: Example</a:t>
             </a:r>
@@ -3467,7 +3563,7 @@
           </a:ln>
           <a:extLst>
             <a:ext uri="{C572A759-6A51-4108-AA02-DFA0A04FC94B}">
-              <ma14:wrappingTextBoxFlag xmlns:ma14="http://schemas.microsoft.com/office/mac/drawingml/2011/main" val="1"/>
+              <ma14:wrappingTextBoxFlag xmlns:ma14="http://schemas.microsoft.com/office/mac/drawingml/2011/main" xmlns="" val="1"/>
             </a:ext>
           </a:extLst>
         </p:spPr>
@@ -3489,7 +3585,6 @@
             </a:lvl1pPr>
           </a:lstStyle>
           <a:p>
-            <a:pPr/>
             <a:r>
               <a:t>source: Sadalage &amp; Fowler: NoSQL Distilled, 2012</a:t>
             </a:r>
@@ -3530,13 +3625,13 @@
   <p:clrMapOvr>
     <a:masterClrMapping/>
   </p:clrMapOvr>
-  <mc:AlternateContent xmlns:mc="http://schemas.openxmlformats.org/markup-compatibility/2006">
-    <mc:Choice xmlns:p14="http://schemas.microsoft.com/office/powerpoint/2010/main" Requires="p14">
-      <p:transition spd="fast" advClick="1" p14:dur="250">
+  <mc:AlternateContent xmlns:mc="http://schemas.openxmlformats.org/markup-compatibility/2006" xmlns:p14="http://schemas.microsoft.com/office/powerpoint/2010/main">
+    <mc:Choice Requires="p14">
+      <p:transition p14:dur="250">
         <p:dissolve/>
       </p:transition>
     </mc:Choice>
-    <mc:Fallback>
+    <mc:Fallback xmlns="">
       <p:transition spd="fast">
         <p:fade/>
       </p:transition>
@@ -3546,7 +3641,7 @@
 </file>
 
 <file path=ppt/slides/slide12.xml><?xml version="1.0" encoding="utf-8"?>
-<p:sld xmlns:a="http://schemas.openxmlformats.org/drawingml/2006/main" xmlns:r="http://schemas.openxmlformats.org/officeDocument/2006/relationships" xmlns:p="http://schemas.openxmlformats.org/presentationml/2006/main" showMasterSp="1" showMasterPhAnim="1">
+<p:sld xmlns:a="http://schemas.openxmlformats.org/drawingml/2006/main" xmlns:r="http://schemas.openxmlformats.org/officeDocument/2006/relationships" xmlns:p="http://schemas.openxmlformats.org/presentationml/2006/main">
   <p:cSld>
     <p:spTree>
       <p:nvGrpSpPr>
@@ -3565,7 +3660,9 @@
       <p:sp>
         <p:nvSpPr>
           <p:cNvPr id="167" name="Shape 167"/>
-          <p:cNvSpPr/>
+          <p:cNvSpPr>
+            <a:spLocks noGrp="1"/>
+          </p:cNvSpPr>
           <p:nvPr>
             <p:ph type="title"/>
           </p:nvPr>
@@ -3587,7 +3684,6 @@
             </a:lvl1pPr>
           </a:lstStyle>
           <a:p>
-            <a:pPr/>
             <a:r>
               <a:t>A Bit of a Theory</a:t>
             </a:r>
@@ -3597,7 +3693,9 @@
       <p:sp>
         <p:nvSpPr>
           <p:cNvPr id="168" name="Shape 168"/>
-          <p:cNvSpPr/>
+          <p:cNvSpPr>
+            <a:spLocks noGrp="1"/>
+          </p:cNvSpPr>
           <p:nvPr>
             <p:ph type="body" idx="1"/>
           </p:nvPr>
@@ -3612,7 +3710,9 @@
           </a:prstGeom>
         </p:spPr>
         <p:txBody>
-          <a:bodyPr/>
+          <a:bodyPr>
+            <a:normAutofit lnSpcReduction="10000"/>
+          </a:bodyPr>
           <a:lstStyle/>
           <a:p>
             <a:pPr marL="452627" indent="-414909" defTabSz="452627">
@@ -3645,14 +3745,9 @@
               </a:rPr>
               <a:t>relationships</a:t>
             </a:r>
-            <a:endParaRPr>
-              <a:solidFill>
-                <a:srgbClr val="990000"/>
-              </a:solidFill>
-            </a:endParaRPr>
-          </a:p>
-          <a:p>
-            <a:pPr lvl="1" marL="905255" indent="-377190" defTabSz="452627">
+          </a:p>
+          <a:p>
+            <a:pPr marL="905255" lvl="1" indent="-377190" defTabSz="452627">
               <a:spcBef>
                 <a:spcPts val="0"/>
               </a:spcBef>
@@ -3702,7 +3797,7 @@
             </a:r>
           </a:p>
           <a:p>
-            <a:pPr lvl="2" marL="1357883" indent="-339470" defTabSz="452627">
+            <a:pPr marL="1357883" lvl="2" indent="-339470" defTabSz="452627">
               <a:spcBef>
                 <a:spcPts val="0"/>
               </a:spcBef>
@@ -3731,7 +3826,7 @@
             <a:endParaRPr sz="1782"/>
           </a:p>
           <a:p>
-            <a:pPr lvl="2" marL="1357883" indent="-339470" defTabSz="452627">
+            <a:pPr marL="1357883" lvl="2" indent="-339470" defTabSz="452627">
               <a:spcBef>
                 <a:spcPts val="0"/>
               </a:spcBef>
@@ -3761,7 +3856,7 @@
             <a:endParaRPr sz="1782"/>
           </a:p>
           <a:p>
-            <a:pPr lvl="2" marL="1357883" indent="-339470" defTabSz="452627">
+            <a:pPr marL="1357883" lvl="2" indent="-339470" defTabSz="452627">
               <a:spcBef>
                 <a:spcPts val="0"/>
               </a:spcBef>
@@ -3791,7 +3886,7 @@
             <a:endParaRPr sz="1782"/>
           </a:p>
           <a:p>
-            <a:pPr lvl="1" marL="905255" indent="-377190" defTabSz="452627">
+            <a:pPr marL="905255" lvl="1" indent="-377190" defTabSz="452627">
               <a:spcBef>
                 <a:spcPts val="0"/>
               </a:spcBef>
@@ -3852,7 +3947,7 @@
             </a:r>
           </a:p>
           <a:p>
-            <a:pPr lvl="1" marL="905255" indent="-377190" defTabSz="452627">
+            <a:pPr marL="905255" lvl="1" indent="-377190" defTabSz="452627">
               <a:spcBef>
                 <a:spcPts val="0"/>
               </a:spcBef>
@@ -3889,7 +3984,7 @@
             <a:endParaRPr sz="2772"/>
           </a:p>
           <a:p>
-            <a:pPr lvl="1" marL="905255" indent="-377190" defTabSz="452627">
+            <a:pPr marL="905255" lvl="1" indent="-377190" defTabSz="452627">
               <a:spcBef>
                 <a:spcPts val="0"/>
               </a:spcBef>
@@ -3926,7 +4021,7 @@
             <a:endParaRPr sz="2772"/>
           </a:p>
           <a:p>
-            <a:pPr lvl="1" marL="905255" indent="-377190" defTabSz="452627">
+            <a:pPr marL="905255" lvl="1" indent="-377190" defTabSz="452627">
               <a:spcBef>
                 <a:spcPts val="0"/>
               </a:spcBef>
@@ -3936,7 +4031,7 @@
               <a:buSzPct val="80000"/>
               <a:buFont typeface="Courier New"/>
               <a:buChar char="o"/>
-              <a:defRPr i="1" sz="2376">
+              <a:defRPr sz="2376" i="1">
                 <a:solidFill>
                   <a:srgbClr val="0B5394"/>
                 </a:solidFill>
@@ -4011,13 +4106,13 @@
   <p:clrMapOvr>
     <a:masterClrMapping/>
   </p:clrMapOvr>
-  <mc:AlternateContent xmlns:mc="http://schemas.openxmlformats.org/markup-compatibility/2006">
-    <mc:Choice xmlns:p14="http://schemas.microsoft.com/office/powerpoint/2010/main" Requires="p14">
-      <p:transition spd="fast" advClick="1" p14:dur="250">
+  <mc:AlternateContent xmlns:mc="http://schemas.openxmlformats.org/markup-compatibility/2006" xmlns:p14="http://schemas.microsoft.com/office/powerpoint/2010/main">
+    <mc:Choice Requires="p14">
+      <p:transition p14:dur="250">
         <p:dissolve/>
       </p:transition>
     </mc:Choice>
-    <mc:Fallback>
+    <mc:Fallback xmlns="">
       <p:transition spd="fast">
         <p:fade/>
       </p:transition>
@@ -4027,7 +4122,7 @@
 </file>
 
 <file path=ppt/slides/slide13.xml><?xml version="1.0" encoding="utf-8"?>
-<p:sld xmlns:a="http://schemas.openxmlformats.org/drawingml/2006/main" xmlns:r="http://schemas.openxmlformats.org/officeDocument/2006/relationships" xmlns:p="http://schemas.openxmlformats.org/presentationml/2006/main" showMasterSp="1" showMasterPhAnim="1">
+<p:sld xmlns:a="http://schemas.openxmlformats.org/drawingml/2006/main" xmlns:r="http://schemas.openxmlformats.org/officeDocument/2006/relationships" xmlns:p="http://schemas.openxmlformats.org/presentationml/2006/main">
   <p:cSld>
     <p:spTree>
       <p:nvGrpSpPr>
@@ -4046,7 +4141,9 @@
       <p:sp>
         <p:nvSpPr>
           <p:cNvPr id="170" name="Shape 170"/>
-          <p:cNvSpPr/>
+          <p:cNvSpPr>
+            <a:spLocks noGrp="1"/>
+          </p:cNvSpPr>
           <p:nvPr>
             <p:ph type="title"/>
           </p:nvPr>
@@ -4068,7 +4165,6 @@
             </a:lvl1pPr>
           </a:lstStyle>
           <a:p>
-            <a:pPr/>
             <a:r>
               <a:t>Data Structure: Adjacency Matrix</a:t>
             </a:r>
@@ -4078,7 +4174,9 @@
       <p:sp>
         <p:nvSpPr>
           <p:cNvPr id="171" name="Shape 171"/>
-          <p:cNvSpPr/>
+          <p:cNvSpPr>
+            <a:spLocks noGrp="1"/>
+          </p:cNvSpPr>
           <p:nvPr>
             <p:ph type="body" idx="1"/>
           </p:nvPr>
@@ -4142,7 +4240,7 @@
             </a:r>
           </a:p>
           <a:p>
-            <a:pPr lvl="1" marL="914400" indent="-381000">
+            <a:pPr marL="914400" lvl="1" indent="-381000">
               <a:spcBef>
                 <a:spcPts val="0"/>
               </a:spcBef>
@@ -4183,7 +4281,7 @@
             <a:endParaRPr sz="2800"/>
           </a:p>
           <a:p>
-            <a:pPr lvl="1" marL="914400" indent="-381000">
+            <a:pPr marL="914400" lvl="1" indent="-381000">
               <a:spcBef>
                 <a:spcPts val="0"/>
               </a:spcBef>
@@ -4207,7 +4305,7 @@
               <a:t>A</a:t>
             </a:r>
             <a:r>
-              <a:rPr baseline="-25000" i="1">
+              <a:rPr i="1" baseline="-25000">
                 <a:solidFill>
                   <a:srgbClr val="0B5394"/>
                 </a:solidFill>
@@ -4262,6 +4360,7 @@
               <a:buNone/>
               <a:defRPr sz="2400"/>
             </a:pPr>
+            <a:endParaRPr sz="2800"/>
           </a:p>
           <a:p>
             <a:pPr marL="457200" indent="-419100">
@@ -4287,14 +4386,9 @@
               </a:rPr>
               <a:t>: </a:t>
             </a:r>
-            <a:endParaRPr>
-              <a:solidFill>
-                <a:srgbClr val="000000"/>
-              </a:solidFill>
-            </a:endParaRPr>
-          </a:p>
-          <a:p>
-            <a:pPr lvl="1" marL="914400" indent="-381000">
+          </a:p>
+          <a:p>
+            <a:pPr marL="914400" lvl="1" indent="-381000">
               <a:spcBef>
                 <a:spcPts val="0"/>
               </a:spcBef>
@@ -4312,7 +4406,7 @@
             <a:endParaRPr sz="2800"/>
           </a:p>
           <a:p>
-            <a:pPr lvl="1" marL="914400" indent="-381000">
+            <a:pPr marL="914400" lvl="1" indent="-381000">
               <a:spcBef>
                 <a:spcPts val="0"/>
               </a:spcBef>
@@ -4335,13 +4429,13 @@
   <p:clrMapOvr>
     <a:masterClrMapping/>
   </p:clrMapOvr>
-  <mc:AlternateContent xmlns:mc="http://schemas.openxmlformats.org/markup-compatibility/2006">
-    <mc:Choice xmlns:p14="http://schemas.microsoft.com/office/powerpoint/2010/main" Requires="p14">
-      <p:transition spd="fast" advClick="1" p14:dur="250">
+  <mc:AlternateContent xmlns:mc="http://schemas.openxmlformats.org/markup-compatibility/2006" xmlns:p14="http://schemas.microsoft.com/office/powerpoint/2010/main">
+    <mc:Choice Requires="p14">
+      <p:transition p14:dur="250">
         <p:dissolve/>
       </p:transition>
     </mc:Choice>
-    <mc:Fallback>
+    <mc:Fallback xmlns="">
       <p:transition spd="fast">
         <p:fade/>
       </p:transition>
@@ -4351,7 +4445,7 @@
 </file>
 
 <file path=ppt/slides/slide14.xml><?xml version="1.0" encoding="utf-8"?>
-<p:sld xmlns:a="http://schemas.openxmlformats.org/drawingml/2006/main" xmlns:r="http://schemas.openxmlformats.org/officeDocument/2006/relationships" xmlns:p="http://schemas.openxmlformats.org/presentationml/2006/main" showMasterSp="1" showMasterPhAnim="1">
+<p:sld xmlns:a="http://schemas.openxmlformats.org/drawingml/2006/main" xmlns:r="http://schemas.openxmlformats.org/officeDocument/2006/relationships" xmlns:p="http://schemas.openxmlformats.org/presentationml/2006/main">
   <p:cSld>
     <p:spTree>
       <p:nvGrpSpPr>
@@ -4370,7 +4464,9 @@
       <p:sp>
         <p:nvSpPr>
           <p:cNvPr id="173" name="Shape 173"/>
-          <p:cNvSpPr/>
+          <p:cNvSpPr>
+            <a:spLocks noGrp="1"/>
+          </p:cNvSpPr>
           <p:nvPr>
             <p:ph type="title"/>
           </p:nvPr>
@@ -4392,7 +4488,6 @@
             </a:lvl1pPr>
           </a:lstStyle>
           <a:p>
-            <a:pPr/>
             <a:r>
               <a:t>Adjacency Matrix: Example</a:t>
             </a:r>
@@ -4402,7 +4497,9 @@
       <p:sp>
         <p:nvSpPr>
           <p:cNvPr id="174" name="Shape 174"/>
-          <p:cNvSpPr/>
+          <p:cNvSpPr>
+            <a:spLocks noGrp="1"/>
+          </p:cNvSpPr>
           <p:nvPr>
             <p:ph type="body" idx="1"/>
           </p:nvPr>
@@ -4433,7 +4530,7 @@
             </a:r>
           </a:p>
           <a:p>
-            <a:pPr lvl="1" marL="886968" indent="-369570" defTabSz="443484">
+            <a:pPr marL="886968" lvl="1" indent="-369570" defTabSz="443484">
               <a:spcBef>
                 <a:spcPts val="0"/>
               </a:spcBef>
@@ -4462,7 +4559,7 @@
             <a:endParaRPr sz="2716"/>
           </a:p>
           <a:p>
-            <a:pPr lvl="1" marL="886968" indent="-369570" defTabSz="443484">
+            <a:pPr marL="886968" lvl="1" indent="-369570" defTabSz="443484">
               <a:spcBef>
                 <a:spcPts val="0"/>
               </a:spcBef>
@@ -4496,6 +4593,11 @@
                 </a:solidFill>
               </a:rPr>
             </a:br>
+            <a:endParaRPr>
+              <a:solidFill>
+                <a:srgbClr val="000000"/>
+              </a:solidFill>
+            </a:endParaRPr>
           </a:p>
           <a:p>
             <a:pPr marL="443484" indent="-406527" defTabSz="443484">
@@ -4511,7 +4613,7 @@
             </a:r>
           </a:p>
           <a:p>
-            <a:pPr lvl="1" marL="886968" indent="-369570" defTabSz="443484">
+            <a:pPr marL="886968" lvl="1" indent="-369570" defTabSz="443484">
               <a:spcBef>
                 <a:spcPts val="0"/>
               </a:spcBef>
@@ -4546,7 +4648,7 @@
               <a:t>O(n</a:t>
             </a:r>
             <a:r>
-              <a:rPr baseline="29938" i="1">
+              <a:rPr i="1" baseline="29938">
                 <a:solidFill>
                   <a:srgbClr val="0B5394"/>
                 </a:solidFill>
@@ -4564,7 +4666,7 @@
             <a:endParaRPr sz="2716"/>
           </a:p>
           <a:p>
-            <a:pPr lvl="1" marL="886968" indent="-369570" defTabSz="443484">
+            <a:pPr marL="886968" lvl="1" indent="-369570" defTabSz="443484">
               <a:spcBef>
                 <a:spcPts val="0"/>
               </a:spcBef>
@@ -4593,7 +4695,7 @@
             <a:endParaRPr sz="2716"/>
           </a:p>
           <a:p>
-            <a:pPr lvl="1" marL="886968" indent="-369570" defTabSz="443484">
+            <a:pPr marL="886968" lvl="1" indent="-369570" defTabSz="443484">
               <a:spcBef>
                 <a:spcPts val="0"/>
               </a:spcBef>
@@ -4623,7 +4725,7 @@
             <a:endParaRPr sz="2716"/>
           </a:p>
           <a:p>
-            <a:pPr lvl="1" marL="886968" indent="-369570" defTabSz="443484">
+            <a:pPr marL="886968" lvl="1" indent="-369570" defTabSz="443484">
               <a:spcBef>
                 <a:spcPts val="0"/>
               </a:spcBef>
@@ -4745,13 +4847,13 @@
   <p:clrMapOvr>
     <a:masterClrMapping/>
   </p:clrMapOvr>
-  <mc:AlternateContent xmlns:mc="http://schemas.openxmlformats.org/markup-compatibility/2006">
-    <mc:Choice xmlns:p14="http://schemas.microsoft.com/office/powerpoint/2010/main" Requires="p14">
-      <p:transition spd="fast" advClick="1" p14:dur="250">
+  <mc:AlternateContent xmlns:mc="http://schemas.openxmlformats.org/markup-compatibility/2006" xmlns:p14="http://schemas.microsoft.com/office/powerpoint/2010/main">
+    <mc:Choice Requires="p14">
+      <p:transition p14:dur="250">
         <p:dissolve/>
       </p:transition>
     </mc:Choice>
-    <mc:Fallback>
+    <mc:Fallback xmlns="">
       <p:transition spd="fast">
         <p:fade/>
       </p:transition>
@@ -4761,7 +4863,7 @@
 </file>
 
 <file path=ppt/slides/slide15.xml><?xml version="1.0" encoding="utf-8"?>
-<p:sld xmlns:a="http://schemas.openxmlformats.org/drawingml/2006/main" xmlns:r="http://schemas.openxmlformats.org/officeDocument/2006/relationships" xmlns:p="http://schemas.openxmlformats.org/presentationml/2006/main" showMasterSp="1" showMasterPhAnim="1">
+<p:sld xmlns:a="http://schemas.openxmlformats.org/drawingml/2006/main" xmlns:r="http://schemas.openxmlformats.org/officeDocument/2006/relationships" xmlns:p="http://schemas.openxmlformats.org/presentationml/2006/main">
   <p:cSld>
     <p:spTree>
       <p:nvGrpSpPr>
@@ -4780,7 +4882,9 @@
       <p:sp>
         <p:nvSpPr>
           <p:cNvPr id="178" name="Shape 178"/>
-          <p:cNvSpPr/>
+          <p:cNvSpPr>
+            <a:spLocks noGrp="1"/>
+          </p:cNvSpPr>
           <p:nvPr>
             <p:ph type="title"/>
           </p:nvPr>
@@ -4802,7 +4906,6 @@
             </a:lvl1pPr>
           </a:lstStyle>
           <a:p>
-            <a:pPr/>
             <a:r>
               <a:t>Data Structure: Adjacency List</a:t>
             </a:r>
@@ -4812,7 +4915,9 @@
       <p:sp>
         <p:nvSpPr>
           <p:cNvPr id="179" name="Shape 179"/>
-          <p:cNvSpPr/>
+          <p:cNvSpPr>
+            <a:spLocks noGrp="1"/>
+          </p:cNvSpPr>
           <p:nvPr>
             <p:ph type="body" idx="1"/>
           </p:nvPr>
@@ -4882,14 +4987,9 @@
               </a:rPr>
               <a:t>node</a:t>
             </a:r>
-            <a:endParaRPr>
-              <a:solidFill>
-                <a:srgbClr val="990000"/>
-              </a:solidFill>
-            </a:endParaRPr>
-          </a:p>
-          <a:p>
-            <a:pPr lvl="1" marL="914400" indent="-381000">
+          </a:p>
+          <a:p>
+            <a:pPr marL="914400" lvl="1" indent="-381000">
               <a:spcBef>
                 <a:spcPts val="0"/>
               </a:spcBef>
@@ -4916,6 +5016,7 @@
               <a:t> pointers to adjacency lists</a:t>
             </a:r>
             <a:br/>
+            <a:endParaRPr/>
           </a:p>
           <a:p>
             <a:pPr marL="457200" indent="-419100">
@@ -4941,14 +5042,9 @@
               </a:rPr>
               <a:t> graph:</a:t>
             </a:r>
-            <a:endParaRPr>
-              <a:solidFill>
-                <a:srgbClr val="000000"/>
-              </a:solidFill>
-            </a:endParaRPr>
-          </a:p>
-          <a:p>
-            <a:pPr lvl="1" marL="914400" indent="-381000">
+          </a:p>
+          <a:p>
+            <a:pPr marL="914400" lvl="1" indent="-381000">
               <a:spcBef>
                 <a:spcPts val="0"/>
               </a:spcBef>
@@ -4988,7 +5084,7 @@
             <a:endParaRPr sz="2800"/>
           </a:p>
           <a:p>
-            <a:pPr lvl="1" marL="914400" indent="-381000">
+            <a:pPr marL="914400" lvl="1" indent="-381000">
               <a:spcBef>
                 <a:spcPts val="0"/>
               </a:spcBef>
@@ -5066,14 +5162,9 @@
               </a:rPr>
               <a:t>compressed</a:t>
             </a:r>
-            <a:endParaRPr>
-              <a:solidFill>
-                <a:srgbClr val="990000"/>
-              </a:solidFill>
-            </a:endParaRPr>
-          </a:p>
-          <a:p>
-            <a:pPr lvl="1" marL="914400" indent="-381000">
+          </a:p>
+          <a:p>
+            <a:pPr marL="914400" lvl="1" indent="-381000">
               <a:spcBef>
                 <a:spcPts val="0"/>
               </a:spcBef>
@@ -5118,13 +5209,13 @@
   <p:clrMapOvr>
     <a:masterClrMapping/>
   </p:clrMapOvr>
-  <mc:AlternateContent xmlns:mc="http://schemas.openxmlformats.org/markup-compatibility/2006">
-    <mc:Choice xmlns:p14="http://schemas.microsoft.com/office/powerpoint/2010/main" Requires="p14">
-      <p:transition spd="fast" advClick="1" p14:dur="250">
+  <mc:AlternateContent xmlns:mc="http://schemas.openxmlformats.org/markup-compatibility/2006" xmlns:p14="http://schemas.microsoft.com/office/powerpoint/2010/main">
+    <mc:Choice Requires="p14">
+      <p:transition p14:dur="250">
         <p:dissolve/>
       </p:transition>
     </mc:Choice>
-    <mc:Fallback>
+    <mc:Fallback xmlns="">
       <p:transition spd="fast">
         <p:fade/>
       </p:transition>
@@ -5134,7 +5225,7 @@
 </file>
 
 <file path=ppt/slides/slide16.xml><?xml version="1.0" encoding="utf-8"?>
-<p:sld xmlns:a="http://schemas.openxmlformats.org/drawingml/2006/main" xmlns:r="http://schemas.openxmlformats.org/officeDocument/2006/relationships" xmlns:p="http://schemas.openxmlformats.org/presentationml/2006/main" showMasterSp="1" showMasterPhAnim="1">
+<p:sld xmlns:a="http://schemas.openxmlformats.org/drawingml/2006/main" xmlns:r="http://schemas.openxmlformats.org/officeDocument/2006/relationships" xmlns:p="http://schemas.openxmlformats.org/presentationml/2006/main">
   <p:cSld>
     <p:spTree>
       <p:nvGrpSpPr>
@@ -5153,7 +5244,9 @@
       <p:sp>
         <p:nvSpPr>
           <p:cNvPr id="181" name="Shape 181"/>
-          <p:cNvSpPr/>
+          <p:cNvSpPr>
+            <a:spLocks noGrp="1"/>
+          </p:cNvSpPr>
           <p:nvPr>
             <p:ph type="title"/>
           </p:nvPr>
@@ -5175,7 +5268,6 @@
             </a:lvl1pPr>
           </a:lstStyle>
           <a:p>
-            <a:pPr/>
             <a:r>
               <a:t>Adjacency List: Example</a:t>
             </a:r>
@@ -5185,7 +5277,9 @@
       <p:sp>
         <p:nvSpPr>
           <p:cNvPr id="182" name="Shape 182"/>
-          <p:cNvSpPr/>
+          <p:cNvSpPr>
+            <a:spLocks noGrp="1"/>
+          </p:cNvSpPr>
           <p:nvPr>
             <p:ph type="body" idx="1"/>
           </p:nvPr>
@@ -5216,7 +5310,7 @@
             </a:r>
           </a:p>
           <a:p>
-            <a:pPr lvl="1" marL="914400" indent="-381000">
+            <a:pPr marL="914400" lvl="1" indent="-381000">
               <a:spcBef>
                 <a:spcPts val="0"/>
               </a:spcBef>
@@ -5234,7 +5328,7 @@
             <a:endParaRPr sz="2800"/>
           </a:p>
           <a:p>
-            <a:pPr lvl="1" marL="914400" indent="-381000">
+            <a:pPr marL="914400" lvl="1" indent="-381000">
               <a:spcBef>
                 <a:spcPts val="0"/>
               </a:spcBef>
@@ -5271,7 +5365,7 @@
             <a:endParaRPr sz="2800"/>
           </a:p>
           <a:p>
-            <a:pPr lvl="1" marL="914400" indent="-381000">
+            <a:pPr marL="914400" lvl="1" indent="-381000">
               <a:spcBef>
                 <a:spcPts val="0"/>
               </a:spcBef>
@@ -5309,6 +5403,7 @@
               <a:t> graphs</a:t>
             </a:r>
             <a:br/>
+            <a:endParaRPr/>
           </a:p>
           <a:p>
             <a:pPr marL="457200" indent="-419100">
@@ -5324,7 +5419,7 @@
             </a:r>
           </a:p>
           <a:p>
-            <a:pPr lvl="1" marL="914400" indent="-381000">
+            <a:pPr marL="914400" lvl="1" indent="-381000">
               <a:spcBef>
                 <a:spcPts val="0"/>
               </a:spcBef>
@@ -5428,13 +5523,13 @@
   <p:clrMapOvr>
     <a:masterClrMapping/>
   </p:clrMapOvr>
-  <mc:AlternateContent xmlns:mc="http://schemas.openxmlformats.org/markup-compatibility/2006">
-    <mc:Choice xmlns:p14="http://schemas.microsoft.com/office/powerpoint/2010/main" Requires="p14">
-      <p:transition spd="fast" advClick="1" p14:dur="250">
+  <mc:AlternateContent xmlns:mc="http://schemas.openxmlformats.org/markup-compatibility/2006" xmlns:p14="http://schemas.microsoft.com/office/powerpoint/2010/main">
+    <mc:Choice Requires="p14">
+      <p:transition p14:dur="250">
         <p:dissolve/>
       </p:transition>
     </mc:Choice>
-    <mc:Fallback>
+    <mc:Fallback xmlns="">
       <p:transition spd="fast">
         <p:fade/>
       </p:transition>
@@ -5444,7 +5539,7 @@
 </file>
 
 <file path=ppt/slides/slide17.xml><?xml version="1.0" encoding="utf-8"?>
-<p:sld xmlns:a="http://schemas.openxmlformats.org/drawingml/2006/main" xmlns:r="http://schemas.openxmlformats.org/officeDocument/2006/relationships" xmlns:p="http://schemas.openxmlformats.org/presentationml/2006/main" showMasterSp="1" showMasterPhAnim="1">
+<p:sld xmlns:a="http://schemas.openxmlformats.org/drawingml/2006/main" xmlns:r="http://schemas.openxmlformats.org/officeDocument/2006/relationships" xmlns:p="http://schemas.openxmlformats.org/presentationml/2006/main">
   <p:cSld>
     <p:spTree>
       <p:nvGrpSpPr>
@@ -5463,7 +5558,9 @@
       <p:sp>
         <p:nvSpPr>
           <p:cNvPr id="186" name="Shape 186"/>
-          <p:cNvSpPr/>
+          <p:cNvSpPr>
+            <a:spLocks noGrp="1"/>
+          </p:cNvSpPr>
           <p:nvPr>
             <p:ph type="title"/>
           </p:nvPr>
@@ -5485,7 +5582,6 @@
             </a:lvl1pPr>
           </a:lstStyle>
           <a:p>
-            <a:pPr/>
             <a:r>
               <a:t>Graphs relationships</a:t>
             </a:r>
@@ -5495,7 +5591,9 @@
       <p:sp>
         <p:nvSpPr>
           <p:cNvPr id="187" name="Shape 187"/>
-          <p:cNvSpPr/>
+          <p:cNvSpPr>
+            <a:spLocks noGrp="1"/>
+          </p:cNvSpPr>
           <p:nvPr>
             <p:ph type="body" idx="1"/>
           </p:nvPr>
@@ -5536,14 +5634,9 @@
               </a:rPr>
               <a:t> graphs</a:t>
             </a:r>
-            <a:endParaRPr>
-              <a:solidFill>
-                <a:srgbClr val="000000"/>
-              </a:solidFill>
-            </a:endParaRPr>
-          </a:p>
-          <a:p>
-            <a:pPr lvl="1" marL="914400" indent="-381000">
+          </a:p>
+          <a:p>
+            <a:pPr marL="914400" lvl="1" indent="-381000">
               <a:spcBef>
                 <a:spcPts val="0"/>
               </a:spcBef>
@@ -5572,7 +5665,7 @@
             <a:endParaRPr sz="2800"/>
           </a:p>
           <a:p>
-            <a:pPr lvl="2" marL="1371600" indent="-342900">
+            <a:pPr marL="1371600" lvl="2" indent="-342900">
               <a:spcBef>
                 <a:spcPts val="0"/>
               </a:spcBef>
@@ -5588,6 +5681,7 @@
               <a:t>e.g., all edges represent friendship</a:t>
             </a:r>
             <a:br/>
+            <a:endParaRPr/>
           </a:p>
         </p:txBody>
       </p:sp>
@@ -5625,13 +5719,13 @@
   <p:clrMapOvr>
     <a:masterClrMapping/>
   </p:clrMapOvr>
-  <mc:AlternateContent xmlns:mc="http://schemas.openxmlformats.org/markup-compatibility/2006">
-    <mc:Choice xmlns:p14="http://schemas.microsoft.com/office/powerpoint/2010/main" Requires="p14">
-      <p:transition spd="fast" advClick="1" p14:dur="250">
+  <mc:AlternateContent xmlns:mc="http://schemas.openxmlformats.org/markup-compatibility/2006" xmlns:p14="http://schemas.microsoft.com/office/powerpoint/2010/main">
+    <mc:Choice Requires="p14">
+      <p:transition p14:dur="250">
         <p:dissolve/>
       </p:transition>
     </mc:Choice>
-    <mc:Fallback>
+    <mc:Fallback xmlns="">
       <p:transition spd="fast">
         <p:fade/>
       </p:transition>
@@ -5641,7 +5735,7 @@
 </file>
 
 <file path=ppt/slides/slide18.xml><?xml version="1.0" encoding="utf-8"?>
-<p:sld xmlns:a="http://schemas.openxmlformats.org/drawingml/2006/main" xmlns:r="http://schemas.openxmlformats.org/officeDocument/2006/relationships" xmlns:p="http://schemas.openxmlformats.org/presentationml/2006/main" showMasterSp="1" showMasterPhAnim="1">
+<p:sld xmlns:a="http://schemas.openxmlformats.org/drawingml/2006/main" xmlns:r="http://schemas.openxmlformats.org/officeDocument/2006/relationships" xmlns:p="http://schemas.openxmlformats.org/presentationml/2006/main">
   <p:cSld>
     <p:spTree>
       <p:nvGrpSpPr>
@@ -5660,7 +5754,9 @@
       <p:sp>
         <p:nvSpPr>
           <p:cNvPr id="190" name="Shape 190"/>
-          <p:cNvSpPr/>
+          <p:cNvSpPr>
+            <a:spLocks noGrp="1"/>
+          </p:cNvSpPr>
           <p:nvPr>
             <p:ph type="title"/>
           </p:nvPr>
@@ -5682,7 +5778,6 @@
             </a:lvl1pPr>
           </a:lstStyle>
           <a:p>
-            <a:pPr/>
             <a:r>
               <a:t>Graphs Relationships</a:t>
             </a:r>
@@ -5692,7 +5787,9 @@
       <p:sp>
         <p:nvSpPr>
           <p:cNvPr id="191" name="Shape 191"/>
-          <p:cNvSpPr/>
+          <p:cNvSpPr>
+            <a:spLocks noGrp="1"/>
+          </p:cNvSpPr>
           <p:nvPr>
             <p:ph type="body" idx="1"/>
           </p:nvPr>
@@ -5733,14 +5830,9 @@
               </a:rPr>
               <a:t> (property) graphs</a:t>
             </a:r>
-            <a:endParaRPr>
-              <a:solidFill>
-                <a:srgbClr val="000000"/>
-              </a:solidFill>
-            </a:endParaRPr>
-          </a:p>
-          <a:p>
-            <a:pPr lvl="1" marL="914400" indent="-381000">
+          </a:p>
+          <a:p>
+            <a:pPr marL="914400" lvl="1" indent="-381000">
               <a:spcBef>
                 <a:spcPts val="0"/>
               </a:spcBef>
@@ -5781,7 +5873,7 @@
             <a:endParaRPr sz="2800"/>
           </a:p>
           <a:p>
-            <a:pPr lvl="2" marL="1371600" indent="-342900">
+            <a:pPr marL="1371600" lvl="2" indent="-342900">
               <a:spcBef>
                 <a:spcPts val="0"/>
               </a:spcBef>
@@ -5799,7 +5891,7 @@
             <a:endParaRPr sz="1800"/>
           </a:p>
           <a:p>
-            <a:pPr lvl="1" marL="914400" indent="-381000">
+            <a:pPr marL="914400" lvl="1" indent="-381000">
               <a:spcBef>
                 <a:spcPts val="0"/>
               </a:spcBef>
@@ -5828,7 +5920,7 @@
             <a:endParaRPr sz="2800"/>
           </a:p>
           <a:p>
-            <a:pPr lvl="2" marL="1371600" indent="-342900">
+            <a:pPr marL="1371600" lvl="2" indent="-342900">
               <a:spcBef>
                 <a:spcPts val="0"/>
               </a:spcBef>
@@ -5857,7 +5949,7 @@
             <a:endParaRPr sz="1800"/>
           </a:p>
           <a:p>
-            <a:pPr lvl="2" marL="1371600" indent="-342900">
+            <a:pPr marL="1371600" lvl="2" indent="-342900">
               <a:spcBef>
                 <a:spcPts val="0"/>
               </a:spcBef>
@@ -5909,12 +6001,12 @@
   <p:clrMapOvr>
     <a:masterClrMapping/>
   </p:clrMapOvr>
-  <p:transition xmlns:p14="http://schemas.microsoft.com/office/powerpoint/2010/main" spd="med" advClick="1" p14:dur="1000"/>
+  <p:transition spd="slow"/>
 </p:sld>
 </file>
 
 <file path=ppt/slides/slide19.xml><?xml version="1.0" encoding="utf-8"?>
-<p:sld xmlns:a="http://schemas.openxmlformats.org/drawingml/2006/main" xmlns:r="http://schemas.openxmlformats.org/officeDocument/2006/relationships" xmlns:p="http://schemas.openxmlformats.org/presentationml/2006/main" showMasterSp="1" showMasterPhAnim="1">
+<p:sld xmlns:a="http://schemas.openxmlformats.org/drawingml/2006/main" xmlns:r="http://schemas.openxmlformats.org/officeDocument/2006/relationships" xmlns:p="http://schemas.openxmlformats.org/presentationml/2006/main">
   <p:cSld>
     <p:spTree>
       <p:nvGrpSpPr>
@@ -5933,7 +6025,9 @@
       <p:sp>
         <p:nvSpPr>
           <p:cNvPr id="194" name="Shape 194"/>
-          <p:cNvSpPr/>
+          <p:cNvSpPr>
+            <a:spLocks noGrp="1"/>
+          </p:cNvSpPr>
           <p:nvPr>
             <p:ph type="title"/>
           </p:nvPr>
@@ -5955,7 +6049,6 @@
             </a:lvl1pPr>
           </a:lstStyle>
           <a:p>
-            <a:pPr/>
             <a:r>
               <a:t>Neo4j: Data Model</a:t>
             </a:r>
@@ -5965,7 +6058,9 @@
       <p:sp>
         <p:nvSpPr>
           <p:cNvPr id="195" name="Shape 195"/>
-          <p:cNvSpPr/>
+          <p:cNvSpPr>
+            <a:spLocks noGrp="1"/>
+          </p:cNvSpPr>
           <p:nvPr>
             <p:ph type="body" idx="1"/>
           </p:nvPr>
@@ -6013,11 +6108,6 @@
               </a:rPr>
               <a:t>relationships</a:t>
             </a:r>
-            <a:endParaRPr>
-              <a:solidFill>
-                <a:srgbClr val="0B5394"/>
-              </a:solidFill>
-            </a:endParaRPr>
           </a:p>
           <a:p>
             <a:pPr marL="457200" indent="-419100">
@@ -6039,14 +6129,9 @@
               </a:rPr>
               <a:t>properties</a:t>
             </a:r>
-            <a:endParaRPr>
-              <a:solidFill>
-                <a:srgbClr val="0B5394"/>
-              </a:solidFill>
-            </a:endParaRPr>
-          </a:p>
-          <a:p>
-            <a:pPr lvl="1" marL="914400" indent="-381000">
+          </a:p>
+          <a:p>
+            <a:pPr marL="914400" lvl="1" indent="-381000">
               <a:spcBef>
                 <a:spcPts val="0"/>
               </a:spcBef>
@@ -6076,7 +6161,7 @@
             <a:endParaRPr sz="2800"/>
           </a:p>
           <a:p>
-            <a:pPr lvl="1" marL="914400" indent="-381000">
+            <a:pPr marL="914400" lvl="1" indent="-381000">
               <a:spcBef>
                 <a:spcPts val="0"/>
               </a:spcBef>
@@ -6098,7 +6183,7 @@
             <a:endParaRPr sz="2800"/>
           </a:p>
           <a:p>
-            <a:pPr lvl="1" marL="914400" indent="-381000">
+            <a:pPr marL="914400" lvl="1" indent="-381000">
               <a:spcBef>
                 <a:spcPts val="0"/>
               </a:spcBef>
@@ -6160,7 +6245,7 @@
             <a:endParaRPr sz="2800"/>
           </a:p>
           <a:p>
-            <a:pPr lvl="2" marL="1371600" indent="-342900">
+            <a:pPr marL="1371600" lvl="2" indent="-342900">
               <a:spcBef>
                 <a:spcPts val="0"/>
               </a:spcBef>
@@ -6230,7 +6315,7 @@
           </a:ln>
           <a:extLst>
             <a:ext uri="{C572A759-6A51-4108-AA02-DFA0A04FC94B}">
-              <ma14:wrappingTextBoxFlag xmlns:ma14="http://schemas.microsoft.com/office/mac/drawingml/2011/main" val="1"/>
+              <ma14:wrappingTextBoxFlag xmlns:ma14="http://schemas.microsoft.com/office/mac/drawingml/2011/main" xmlns="" val="1"/>
             </a:ext>
           </a:extLst>
         </p:spPr>
@@ -6253,7 +6338,7 @@
                 <a:ea typeface="+mn-ea"/>
                 <a:cs typeface="+mn-cs"/>
                 <a:sym typeface="Arial"/>
-                <a:hlinkClick r:id="rId3" invalidUrl="" action="" tgtFrame="" tooltip="" history="1" highlightClick="0" endSnd="0"/>
+                <a:hlinkClick r:id="rId3"/>
               </a:defRPr>
             </a:lvl1pPr>
           </a:lstStyle>
@@ -6270,7 +6355,7 @@
                     <a:srgbClr val="0000FF"/>
                   </a:solidFill>
                 </a:uFill>
-                <a:hlinkClick r:id="rId3" invalidUrl="" action="" tgtFrame="" tooltip="" history="1" highlightClick="0" endSnd="0"/>
+                <a:hlinkClick r:id="rId3"/>
               </a:rPr>
               <a:t>http://db-engines.com/en/system/Neo4j</a:t>
             </a:r>
@@ -6282,13 +6367,13 @@
   <p:clrMapOvr>
     <a:masterClrMapping/>
   </p:clrMapOvr>
-  <mc:AlternateContent xmlns:mc="http://schemas.openxmlformats.org/markup-compatibility/2006">
-    <mc:Choice xmlns:p14="http://schemas.microsoft.com/office/powerpoint/2010/main" Requires="p14">
-      <p:transition spd="fast" advClick="1" p14:dur="250">
+  <mc:AlternateContent xmlns:mc="http://schemas.openxmlformats.org/markup-compatibility/2006" xmlns:p14="http://schemas.microsoft.com/office/powerpoint/2010/main">
+    <mc:Choice Requires="p14">
+      <p:transition p14:dur="250">
         <p:dissolve/>
       </p:transition>
     </mc:Choice>
-    <mc:Fallback>
+    <mc:Fallback xmlns="">
       <p:transition spd="fast">
         <p:fade/>
       </p:transition>
@@ -6298,7 +6383,7 @@
 </file>
 
 <file path=ppt/slides/slide2.xml><?xml version="1.0" encoding="utf-8"?>
-<p:sld xmlns:a="http://schemas.openxmlformats.org/drawingml/2006/main" xmlns:r="http://schemas.openxmlformats.org/officeDocument/2006/relationships" xmlns:p="http://schemas.openxmlformats.org/presentationml/2006/main" showMasterSp="1" showMasterPhAnim="1">
+<p:sld xmlns:a="http://schemas.openxmlformats.org/drawingml/2006/main" xmlns:r="http://schemas.openxmlformats.org/officeDocument/2006/relationships" xmlns:p="http://schemas.openxmlformats.org/presentationml/2006/main">
   <p:cSld>
     <p:spTree>
       <p:nvGrpSpPr>
@@ -6317,7 +6402,9 @@
       <p:sp>
         <p:nvSpPr>
           <p:cNvPr id="132" name="Shape 132"/>
-          <p:cNvSpPr/>
+          <p:cNvSpPr>
+            <a:spLocks noGrp="1"/>
+          </p:cNvSpPr>
           <p:nvPr>
             <p:ph type="title"/>
           </p:nvPr>
@@ -6339,7 +6426,6 @@
             </a:lvl1pPr>
           </a:lstStyle>
           <a:p>
-            <a:pPr/>
             <a:r>
               <a:t>Agenda</a:t>
             </a:r>
@@ -6349,7 +6435,9 @@
       <p:sp>
         <p:nvSpPr>
           <p:cNvPr id="133" name="Shape 133"/>
-          <p:cNvSpPr/>
+          <p:cNvSpPr>
+            <a:spLocks noGrp="1"/>
+          </p:cNvSpPr>
           <p:nvPr>
             <p:ph type="body" idx="1"/>
           </p:nvPr>
@@ -6404,14 +6492,9 @@
               </a:rPr>
               <a:t>Graph Theory</a:t>
             </a:r>
-            <a:endParaRPr>
-              <a:solidFill>
-                <a:srgbClr val="990000"/>
-              </a:solidFill>
-            </a:endParaRPr>
-          </a:p>
-          <a:p>
-            <a:pPr lvl="1" marL="914400" indent="-381000">
+          </a:p>
+          <a:p>
+            <a:pPr marL="914400" lvl="1" indent="-381000">
               <a:spcBef>
                 <a:spcPts val="600"/>
               </a:spcBef>
@@ -6437,7 +6520,7 @@
             <a:endParaRPr sz="2800"/>
           </a:p>
           <a:p>
-            <a:pPr lvl="1" marL="914400" indent="-381000">
+            <a:pPr marL="914400" lvl="1" indent="-381000">
               <a:spcBef>
                 <a:spcPts val="600"/>
               </a:spcBef>
@@ -6466,7 +6549,7 @@
             <a:endParaRPr sz="2800"/>
           </a:p>
           <a:p>
-            <a:pPr lvl="1" marL="914400" indent="-381000">
+            <a:pPr marL="914400" lvl="1" indent="-381000">
               <a:spcBef>
                 <a:spcPts val="600"/>
               </a:spcBef>
@@ -6506,7 +6589,7 @@
             <a:endParaRPr sz="2800"/>
           </a:p>
           <a:p>
-            <a:pPr lvl="1" marL="914400" indent="-381000">
+            <a:pPr marL="914400" lvl="1" indent="-381000">
               <a:spcBef>
                 <a:spcPts val="600"/>
               </a:spcBef>
@@ -6562,14 +6645,9 @@
               </a:rPr>
               <a:t> </a:t>
             </a:r>
-            <a:endParaRPr>
-              <a:solidFill>
-                <a:srgbClr val="000000"/>
-              </a:solidFill>
-            </a:endParaRPr>
-          </a:p>
-          <a:p>
-            <a:pPr lvl="1" marL="914400" indent="-381000">
+          </a:p>
+          <a:p>
+            <a:pPr marL="914400" lvl="1" indent="-381000">
               <a:spcBef>
                 <a:spcPts val="600"/>
               </a:spcBef>
@@ -6594,7 +6672,7 @@
             </a:r>
           </a:p>
           <a:p>
-            <a:pPr lvl="1" marL="914400" indent="-381000">
+            <a:pPr marL="914400" lvl="1" indent="-381000">
               <a:spcBef>
                 <a:spcPts val="600"/>
               </a:spcBef>
@@ -6624,7 +6702,7 @@
             <a:endParaRPr sz="2800"/>
           </a:p>
           <a:p>
-            <a:pPr lvl="1" marL="914400" indent="-381000">
+            <a:pPr marL="914400" lvl="1" indent="-381000">
               <a:spcBef>
                 <a:spcPts val="600"/>
               </a:spcBef>
@@ -6662,13 +6740,13 @@
   <p:clrMapOvr>
     <a:masterClrMapping/>
   </p:clrMapOvr>
-  <mc:AlternateContent xmlns:mc="http://schemas.openxmlformats.org/markup-compatibility/2006">
-    <mc:Choice xmlns:p14="http://schemas.microsoft.com/office/powerpoint/2010/main" Requires="p14">
-      <p:transition spd="fast" advClick="1" p14:dur="250">
+  <mc:AlternateContent xmlns:mc="http://schemas.openxmlformats.org/markup-compatibility/2006" xmlns:p14="http://schemas.microsoft.com/office/powerpoint/2010/main">
+    <mc:Choice Requires="p14">
+      <p:transition p14:dur="250">
         <p:dissolve/>
       </p:transition>
     </mc:Choice>
-    <mc:Fallback>
+    <mc:Fallback xmlns="">
       <p:transition spd="fast">
         <p:fade/>
       </p:transition>
@@ -6678,7 +6756,7 @@
 </file>
 
 <file path=ppt/slides/slide20.xml><?xml version="1.0" encoding="utf-8"?>
-<p:sld xmlns:a="http://schemas.openxmlformats.org/drawingml/2006/main" xmlns:r="http://schemas.openxmlformats.org/officeDocument/2006/relationships" xmlns:p="http://schemas.openxmlformats.org/presentationml/2006/main" showMasterSp="1" showMasterPhAnim="1">
+<p:sld xmlns:a="http://schemas.openxmlformats.org/drawingml/2006/main" xmlns:r="http://schemas.openxmlformats.org/officeDocument/2006/relationships" xmlns:p="http://schemas.openxmlformats.org/presentationml/2006/main">
   <p:cSld>
     <p:spTree>
       <p:nvGrpSpPr>
@@ -6726,7 +6804,9 @@
       <p:sp>
         <p:nvSpPr>
           <p:cNvPr id="200" name="Shape 200"/>
-          <p:cNvSpPr/>
+          <p:cNvSpPr>
+            <a:spLocks noGrp="1"/>
+          </p:cNvSpPr>
           <p:nvPr>
             <p:ph type="title"/>
           </p:nvPr>
@@ -6748,7 +6828,6 @@
             </a:lvl1pPr>
           </a:lstStyle>
           <a:p>
-            <a:pPr/>
             <a:r>
               <a:t>Data Model: Relationships</a:t>
             </a:r>
@@ -6758,7 +6837,9 @@
       <p:sp>
         <p:nvSpPr>
           <p:cNvPr id="201" name="Shape 201"/>
-          <p:cNvSpPr/>
+          <p:cNvSpPr>
+            <a:spLocks noGrp="1"/>
+          </p:cNvSpPr>
           <p:nvPr>
             <p:ph type="body" idx="1"/>
           </p:nvPr>
@@ -6799,14 +6880,9 @@
               </a:rPr>
               <a:t> </a:t>
             </a:r>
-            <a:endParaRPr>
-              <a:solidFill>
-                <a:srgbClr val="000000"/>
-              </a:solidFill>
-            </a:endParaRPr>
-          </a:p>
-          <a:p>
-            <a:pPr lvl="1" marL="914400" indent="-381000">
+          </a:p>
+          <a:p>
+            <a:pPr marL="914400" lvl="1" indent="-381000">
               <a:spcBef>
                 <a:spcPts val="0"/>
               </a:spcBef>
@@ -6832,7 +6908,7 @@
             <a:endParaRPr sz="2800"/>
           </a:p>
           <a:p>
-            <a:pPr lvl="2" marL="1371600" indent="-342900">
+            <a:pPr marL="1371600" lvl="2" indent="-342900">
               <a:spcBef>
                 <a:spcPts val="0"/>
               </a:spcBef>
@@ -6860,7 +6936,7 @@
             </a:r>
           </a:p>
           <a:p>
-            <a:pPr lvl="2" marL="1371600" indent="-342900">
+            <a:pPr marL="1371600" lvl="2" indent="-342900">
               <a:spcBef>
                 <a:spcPts val="0"/>
               </a:spcBef>
@@ -6906,7 +6982,7 @@
             </a:r>
           </a:p>
           <a:p>
-            <a:pPr lvl="1" marL="914400" indent="-381000">
+            <a:pPr marL="914400" lvl="1" indent="-381000">
               <a:spcBef>
                 <a:spcPts val="0"/>
               </a:spcBef>
@@ -6928,7 +7004,7 @@
             <a:endParaRPr sz="2800"/>
           </a:p>
           <a:p>
-            <a:pPr lvl="2" marL="1371600" indent="-342900">
+            <a:pPr marL="1371600" lvl="2" indent="-342900">
               <a:spcBef>
                 <a:spcPts val="0"/>
               </a:spcBef>
@@ -6980,13 +7056,13 @@
   <p:clrMapOvr>
     <a:masterClrMapping/>
   </p:clrMapOvr>
-  <mc:AlternateContent xmlns:mc="http://schemas.openxmlformats.org/markup-compatibility/2006">
-    <mc:Choice xmlns:p14="http://schemas.microsoft.com/office/powerpoint/2010/main" Requires="p14">
-      <p:transition spd="fast" advClick="1" p14:dur="250">
+  <mc:AlternateContent xmlns:mc="http://schemas.openxmlformats.org/markup-compatibility/2006" xmlns:p14="http://schemas.microsoft.com/office/powerpoint/2010/main">
+    <mc:Choice Requires="p14">
+      <p:transition p14:dur="250">
         <p:dissolve/>
       </p:transition>
     </mc:Choice>
-    <mc:Fallback>
+    <mc:Fallback xmlns="">
       <p:transition spd="fast">
         <p:fade/>
       </p:transition>
@@ -6996,7 +7072,7 @@
 </file>
 
 <file path=ppt/slides/slide21.xml><?xml version="1.0" encoding="utf-8"?>
-<p:sld xmlns:a="http://schemas.openxmlformats.org/drawingml/2006/main" xmlns:r="http://schemas.openxmlformats.org/officeDocument/2006/relationships" xmlns:p="http://schemas.openxmlformats.org/presentationml/2006/main" showMasterSp="1" showMasterPhAnim="1">
+<p:sld xmlns:a="http://schemas.openxmlformats.org/drawingml/2006/main" xmlns:r="http://schemas.openxmlformats.org/officeDocument/2006/relationships" xmlns:p="http://schemas.openxmlformats.org/presentationml/2006/main">
   <p:cSld>
     <p:spTree>
       <p:nvGrpSpPr>
@@ -7015,7 +7091,9 @@
       <p:sp>
         <p:nvSpPr>
           <p:cNvPr id="204" name="Shape 204"/>
-          <p:cNvSpPr/>
+          <p:cNvSpPr>
+            <a:spLocks noGrp="1"/>
+          </p:cNvSpPr>
           <p:nvPr>
             <p:ph type="title"/>
           </p:nvPr>
@@ -7037,7 +7115,6 @@
             </a:lvl1pPr>
           </a:lstStyle>
           <a:p>
-            <a:pPr/>
             <a:r>
               <a:t>Data Model: Properties</a:t>
             </a:r>
@@ -7054,15 +7131,27 @@
           <a:off x="4756196" y="883226"/>
           <a:ext cx="3701929" cy="4487273"/>
         </p:xfrm>
-        <a:graphic xmlns:a="http://schemas.openxmlformats.org/drawingml/2006/main">
+        <a:graphic>
           <a:graphicData uri="http://schemas.openxmlformats.org/drawingml/2006/table">
             <a:tbl>
-              <a:tblPr firstCol="0" firstRow="0" lastCol="0" lastRow="0" bandCol="0" bandRow="0" rtl="0">
+              <a:tblPr>
                 <a:tableStyleId>{4C3C2611-4C71-4FC5-86AE-919BDF0F9419}</a:tableStyleId>
               </a:tblPr>
               <a:tblGrid>
-                <a:gridCol w="1240847"/>
-                <a:gridCol w="2461080"/>
+                <a:gridCol w="1240847">
+                  <a:extLst>
+                    <a:ext uri="{9D8B030D-6E8A-4147-A177-3AD203B41FA5}">
+                      <a16:colId xmlns:a16="http://schemas.microsoft.com/office/drawing/2014/main" val="20000"/>
+                    </a:ext>
+                  </a:extLst>
+                </a:gridCol>
+                <a:gridCol w="2461080">
+                  <a:extLst>
+                    <a:ext uri="{9D8B030D-6E8A-4147-A177-3AD203B41FA5}">
+                      <a16:colId xmlns:a16="http://schemas.microsoft.com/office/drawing/2014/main" val="20001"/>
+                    </a:ext>
+                  </a:extLst>
+                </a:gridCol>
               </a:tblGrid>
               <a:tr h="355945">
                 <a:tc>
@@ -7074,14 +7163,14 @@
                         <a:defRPr sz="1800"/>
                       </a:pPr>
                       <a:r>
-                        <a:rPr b="1" sz="1200">
+                        <a:rPr sz="1200" b="1">
                           <a:sym typeface="Calibri"/>
                         </a:rPr>
                         <a:t>Type</a:t>
                       </a:r>
                     </a:p>
                   </a:txBody>
-                  <a:tcPr marL="91425" marR="91425" marT="91425" marB="91425" anchor="t" anchorCtr="0" horzOverflow="overflow">
+                  <a:tcPr marL="91425" marR="91425" marT="91425" marB="91425" horzOverflow="overflow">
                     <a:lnL>
                       <a:solidFill>
                         <a:srgbClr val="000000"/>
@@ -7114,14 +7203,14 @@
                         <a:defRPr sz="1800"/>
                       </a:pPr>
                       <a:r>
-                        <a:rPr b="1" sz="1200">
+                        <a:rPr sz="1200" b="1">
                           <a:sym typeface="Calibri"/>
                         </a:rPr>
                         <a:t>Description</a:t>
                       </a:r>
                     </a:p>
                   </a:txBody>
-                  <a:tcPr marL="91425" marR="91425" marT="91425" marB="91425" anchor="t" anchorCtr="0" horzOverflow="overflow">
+                  <a:tcPr marL="91425" marR="91425" marT="91425" marB="91425" horzOverflow="overflow">
                     <a:lnL w="19050">
                       <a:solidFill>
                         <a:srgbClr val="000000"/>
@@ -7145,6 +7234,11 @@
                     <a:noFill/>
                   </a:tcPr>
                 </a:tc>
+                <a:extLst>
+                  <a:ext uri="{0D108BD9-81ED-4DB2-BD59-A6C34878D82A}">
+                    <a16:rowId xmlns:a16="http://schemas.microsoft.com/office/drawing/2014/main" val="10000"/>
+                  </a:ext>
+                </a:extLst>
               </a:tr>
               <a:tr h="355945">
                 <a:tc>
@@ -7163,7 +7257,7 @@
                       </a:r>
                     </a:p>
                   </a:txBody>
-                  <a:tcPr marL="91425" marR="91425" marT="91425" marB="91425" anchor="t" anchorCtr="0" horzOverflow="overflow">
+                  <a:tcPr marL="91425" marR="91425" marT="91425" marB="91425" horzOverflow="overflow">
                     <a:lnL>
                       <a:solidFill>
                         <a:srgbClr val="000000"/>
@@ -7203,7 +7297,7 @@
                       </a:r>
                     </a:p>
                   </a:txBody>
-                  <a:tcPr marL="91425" marR="91425" marT="91425" marB="91425" anchor="t" anchorCtr="0" horzOverflow="overflow">
+                  <a:tcPr marL="91425" marR="91425" marT="91425" marB="91425" horzOverflow="overflow">
                     <a:lnL>
                       <a:solidFill>
                         <a:srgbClr val="000000"/>
@@ -7227,6 +7321,11 @@
                     <a:noFill/>
                   </a:tcPr>
                 </a:tc>
+                <a:extLst>
+                  <a:ext uri="{0D108BD9-81ED-4DB2-BD59-A6C34878D82A}">
+                    <a16:rowId xmlns:a16="http://schemas.microsoft.com/office/drawing/2014/main" val="10001"/>
+                  </a:ext>
+                </a:extLst>
               </a:tr>
               <a:tr h="355945">
                 <a:tc>
@@ -7245,7 +7344,7 @@
                       </a:r>
                     </a:p>
                   </a:txBody>
-                  <a:tcPr marL="91425" marR="91425" marT="91425" marB="91425" anchor="t" anchorCtr="0" horzOverflow="overflow">
+                  <a:tcPr marL="91425" marR="91425" marT="91425" marB="91425" horzOverflow="overflow">
                     <a:lnL>
                       <a:solidFill>
                         <a:srgbClr val="000000"/>
@@ -7285,7 +7384,7 @@
                       </a:r>
                     </a:p>
                   </a:txBody>
-                  <a:tcPr marL="91425" marR="91425" marT="91425" marB="91425" anchor="t" anchorCtr="0" horzOverflow="overflow">
+                  <a:tcPr marL="91425" marR="91425" marT="91425" marB="91425" horzOverflow="overflow">
                     <a:lnL>
                       <a:solidFill>
                         <a:srgbClr val="000000"/>
@@ -7309,6 +7408,11 @@
                     <a:noFill/>
                   </a:tcPr>
                 </a:tc>
+                <a:extLst>
+                  <a:ext uri="{0D108BD9-81ED-4DB2-BD59-A6C34878D82A}">
+                    <a16:rowId xmlns:a16="http://schemas.microsoft.com/office/drawing/2014/main" val="10002"/>
+                  </a:ext>
+                </a:extLst>
               </a:tr>
               <a:tr h="355945">
                 <a:tc>
@@ -7327,7 +7431,7 @@
                       </a:r>
                     </a:p>
                   </a:txBody>
-                  <a:tcPr marL="91425" marR="91425" marT="91425" marB="91425" anchor="t" anchorCtr="0" horzOverflow="overflow">
+                  <a:tcPr marL="91425" marR="91425" marT="91425" marB="91425" horzOverflow="overflow">
                     <a:lnL>
                       <a:solidFill>
                         <a:srgbClr val="000000"/>
@@ -7367,7 +7471,7 @@
                       </a:r>
                     </a:p>
                   </a:txBody>
-                  <a:tcPr marL="91425" marR="91425" marT="91425" marB="91425" anchor="t" anchorCtr="0" horzOverflow="overflow">
+                  <a:tcPr marL="91425" marR="91425" marT="91425" marB="91425" horzOverflow="overflow">
                     <a:lnL>
                       <a:solidFill>
                         <a:srgbClr val="000000"/>
@@ -7391,6 +7495,11 @@
                     <a:noFill/>
                   </a:tcPr>
                 </a:tc>
+                <a:extLst>
+                  <a:ext uri="{0D108BD9-81ED-4DB2-BD59-A6C34878D82A}">
+                    <a16:rowId xmlns:a16="http://schemas.microsoft.com/office/drawing/2014/main" val="10003"/>
+                  </a:ext>
+                </a:extLst>
               </a:tr>
               <a:tr h="355945">
                 <a:tc>
@@ -7409,7 +7518,7 @@
                       </a:r>
                     </a:p>
                   </a:txBody>
-                  <a:tcPr marL="91425" marR="91425" marT="91425" marB="91425" anchor="t" anchorCtr="0" horzOverflow="overflow">
+                  <a:tcPr marL="91425" marR="91425" marT="91425" marB="91425" horzOverflow="overflow">
                     <a:lnL>
                       <a:solidFill>
                         <a:srgbClr val="000000"/>
@@ -7449,7 +7558,7 @@
                       </a:r>
                     </a:p>
                   </a:txBody>
-                  <a:tcPr marL="91425" marR="91425" marT="91425" marB="91425" anchor="t" anchorCtr="0" horzOverflow="overflow">
+                  <a:tcPr marL="91425" marR="91425" marT="91425" marB="91425" horzOverflow="overflow">
                     <a:lnL>
                       <a:solidFill>
                         <a:srgbClr val="000000"/>
@@ -7473,6 +7582,11 @@
                     <a:noFill/>
                   </a:tcPr>
                 </a:tc>
+                <a:extLst>
+                  <a:ext uri="{0D108BD9-81ED-4DB2-BD59-A6C34878D82A}">
+                    <a16:rowId xmlns:a16="http://schemas.microsoft.com/office/drawing/2014/main" val="10004"/>
+                  </a:ext>
+                </a:extLst>
               </a:tr>
               <a:tr h="355945">
                 <a:tc>
@@ -7491,7 +7605,7 @@
                       </a:r>
                     </a:p>
                   </a:txBody>
-                  <a:tcPr marL="91425" marR="91425" marT="91425" marB="91425" anchor="t" anchorCtr="0" horzOverflow="overflow">
+                  <a:tcPr marL="91425" marR="91425" marT="91425" marB="91425" horzOverflow="overflow">
                     <a:lnL>
                       <a:solidFill>
                         <a:srgbClr val="000000"/>
@@ -7531,7 +7645,7 @@
                       </a:r>
                     </a:p>
                   </a:txBody>
-                  <a:tcPr marL="91425" marR="91425" marT="91425" marB="91425" anchor="t" anchorCtr="0" horzOverflow="overflow">
+                  <a:tcPr marL="91425" marR="91425" marT="91425" marB="91425" horzOverflow="overflow">
                     <a:lnL>
                       <a:solidFill>
                         <a:srgbClr val="000000"/>
@@ -7555,6 +7669,11 @@
                     <a:noFill/>
                   </a:tcPr>
                 </a:tc>
+                <a:extLst>
+                  <a:ext uri="{0D108BD9-81ED-4DB2-BD59-A6C34878D82A}">
+                    <a16:rowId xmlns:a16="http://schemas.microsoft.com/office/drawing/2014/main" val="10005"/>
+                  </a:ext>
+                </a:extLst>
               </a:tr>
               <a:tr h="537507">
                 <a:tc>
@@ -7573,7 +7692,7 @@
                       </a:r>
                     </a:p>
                   </a:txBody>
-                  <a:tcPr marL="91425" marR="91425" marT="91425" marB="91425" anchor="t" anchorCtr="0" horzOverflow="overflow">
+                  <a:tcPr marL="91425" marR="91425" marT="91425" marB="91425" horzOverflow="overflow">
                     <a:lnL>
                       <a:solidFill>
                         <a:srgbClr val="000000"/>
@@ -7613,7 +7732,7 @@
                       </a:r>
                     </a:p>
                   </a:txBody>
-                  <a:tcPr marL="91425" marR="91425" marT="91425" marB="91425" anchor="t" anchorCtr="0" horzOverflow="overflow">
+                  <a:tcPr marL="91425" marR="91425" marT="91425" marB="91425" horzOverflow="overflow">
                     <a:lnL>
                       <a:solidFill>
                         <a:srgbClr val="000000"/>
@@ -7637,6 +7756,11 @@
                     <a:noFill/>
                   </a:tcPr>
                 </a:tc>
+                <a:extLst>
+                  <a:ext uri="{0D108BD9-81ED-4DB2-BD59-A6C34878D82A}">
+                    <a16:rowId xmlns:a16="http://schemas.microsoft.com/office/drawing/2014/main" val="10006"/>
+                  </a:ext>
+                </a:extLst>
               </a:tr>
               <a:tr h="537507">
                 <a:tc>
@@ -7655,7 +7779,7 @@
                       </a:r>
                     </a:p>
                   </a:txBody>
-                  <a:tcPr marL="91425" marR="91425" marT="91425" marB="91425" anchor="t" anchorCtr="0" horzOverflow="overflow">
+                  <a:tcPr marL="91425" marR="91425" marT="91425" marB="91425" horzOverflow="overflow">
                     <a:lnL>
                       <a:solidFill>
                         <a:srgbClr val="000000"/>
@@ -7695,7 +7819,7 @@
                       </a:r>
                     </a:p>
                   </a:txBody>
-                  <a:tcPr marL="91425" marR="91425" marT="91425" marB="91425" anchor="t" anchorCtr="0" horzOverflow="overflow">
+                  <a:tcPr marL="91425" marR="91425" marT="91425" marB="91425" horzOverflow="overflow">
                     <a:lnL>
                       <a:solidFill>
                         <a:srgbClr val="000000"/>
@@ -7719,6 +7843,11 @@
                     <a:noFill/>
                   </a:tcPr>
                 </a:tc>
+                <a:extLst>
+                  <a:ext uri="{0D108BD9-81ED-4DB2-BD59-A6C34878D82A}">
+                    <a16:rowId xmlns:a16="http://schemas.microsoft.com/office/drawing/2014/main" val="10007"/>
+                  </a:ext>
+                </a:extLst>
               </a:tr>
               <a:tr h="739081">
                 <a:tc>
@@ -7737,7 +7866,7 @@
                       </a:r>
                     </a:p>
                   </a:txBody>
-                  <a:tcPr marL="91425" marR="91425" marT="91425" marB="91425" anchor="t" anchorCtr="0" horzOverflow="overflow">
+                  <a:tcPr marL="91425" marR="91425" marT="91425" marB="91425" horzOverflow="overflow">
                     <a:lnL>
                       <a:solidFill>
                         <a:srgbClr val="000000"/>
@@ -7777,7 +7906,7 @@
                       </a:r>
                     </a:p>
                   </a:txBody>
-                  <a:tcPr marL="91425" marR="91425" marT="91425" marB="91425" anchor="t" anchorCtr="0" horzOverflow="overflow">
+                  <a:tcPr marL="91425" marR="91425" marT="91425" marB="91425" horzOverflow="overflow">
                     <a:lnL>
                       <a:solidFill>
                         <a:srgbClr val="000000"/>
@@ -7801,6 +7930,11 @@
                     <a:noFill/>
                   </a:tcPr>
                 </a:tc>
+                <a:extLst>
+                  <a:ext uri="{0D108BD9-81ED-4DB2-BD59-A6C34878D82A}">
+                    <a16:rowId xmlns:a16="http://schemas.microsoft.com/office/drawing/2014/main" val="10008"/>
+                  </a:ext>
+                </a:extLst>
               </a:tr>
               <a:tr h="537507">
                 <a:tc>
@@ -7819,7 +7953,7 @@
                       </a:r>
                     </a:p>
                   </a:txBody>
-                  <a:tcPr marL="91425" marR="91425" marT="91425" marB="91425" anchor="t" anchorCtr="0" horzOverflow="overflow">
+                  <a:tcPr marL="91425" marR="91425" marT="91425" marB="91425" horzOverflow="overflow">
                     <a:lnL>
                       <a:solidFill>
                         <a:srgbClr val="000000"/>
@@ -7859,7 +7993,7 @@
                       </a:r>
                     </a:p>
                   </a:txBody>
-                  <a:tcPr marL="91425" marR="91425" marT="91425" marB="91425" anchor="t" anchorCtr="0" horzOverflow="overflow">
+                  <a:tcPr marL="91425" marR="91425" marT="91425" marB="91425" horzOverflow="overflow">
                     <a:lnL>
                       <a:solidFill>
                         <a:srgbClr val="000000"/>
@@ -7883,6 +8017,11 @@
                     <a:noFill/>
                   </a:tcPr>
                 </a:tc>
+                <a:extLst>
+                  <a:ext uri="{0D108BD9-81ED-4DB2-BD59-A6C34878D82A}">
+                    <a16:rowId xmlns:a16="http://schemas.microsoft.com/office/drawing/2014/main" val="10009"/>
+                  </a:ext>
+                </a:extLst>
               </a:tr>
             </a:tbl>
           </a:graphicData>
@@ -7922,13 +8061,13 @@
   <p:clrMapOvr>
     <a:masterClrMapping/>
   </p:clrMapOvr>
-  <mc:AlternateContent xmlns:mc="http://schemas.openxmlformats.org/markup-compatibility/2006">
-    <mc:Choice xmlns:p14="http://schemas.microsoft.com/office/powerpoint/2010/main" Requires="p14">
-      <p:transition spd="fast" advClick="1" p14:dur="250">
+  <mc:AlternateContent xmlns:mc="http://schemas.openxmlformats.org/markup-compatibility/2006" xmlns:p14="http://schemas.microsoft.com/office/powerpoint/2010/main">
+    <mc:Choice Requires="p14">
+      <p:transition p14:dur="250">
         <p:dissolve/>
       </p:transition>
     </mc:Choice>
-    <mc:Fallback>
+    <mc:Fallback xmlns="">
       <p:transition spd="fast">
         <p:fade/>
       </p:transition>
@@ -7938,7 +8077,7 @@
 </file>
 
 <file path=ppt/slides/slide22.xml><?xml version="1.0" encoding="utf-8"?>
-<p:sld xmlns:a="http://schemas.openxmlformats.org/drawingml/2006/main" xmlns:r="http://schemas.openxmlformats.org/officeDocument/2006/relationships" xmlns:p="http://schemas.openxmlformats.org/presentationml/2006/main" showMasterSp="1" showMasterPhAnim="1">
+<p:sld xmlns:a="http://schemas.openxmlformats.org/drawingml/2006/main" xmlns:r="http://schemas.openxmlformats.org/officeDocument/2006/relationships" xmlns:p="http://schemas.openxmlformats.org/presentationml/2006/main">
   <p:cSld>
     <p:spTree>
       <p:nvGrpSpPr>
@@ -7957,7 +8096,9 @@
       <p:sp>
         <p:nvSpPr>
           <p:cNvPr id="208" name="Shape 208"/>
-          <p:cNvSpPr/>
+          <p:cNvSpPr>
+            <a:spLocks noGrp="1"/>
+          </p:cNvSpPr>
           <p:nvPr>
             <p:ph type="title"/>
           </p:nvPr>
@@ -7979,7 +8120,6 @@
             </a:lvl1pPr>
           </a:lstStyle>
           <a:p>
-            <a:pPr/>
             <a:r>
               <a:t>Graphs (Neo4j) vs. RDBMS</a:t>
             </a:r>
@@ -7989,7 +8129,9 @@
       <p:sp>
         <p:nvSpPr>
           <p:cNvPr id="209" name="Shape 209"/>
-          <p:cNvSpPr/>
+          <p:cNvSpPr>
+            <a:spLocks noGrp="1"/>
+          </p:cNvSpPr>
           <p:nvPr>
             <p:ph type="body" idx="1"/>
           </p:nvPr>
@@ -8046,7 +8188,7 @@
             </a:r>
           </a:p>
           <a:p>
-            <a:pPr lvl="1" marL="914400" indent="-381000">
+            <a:pPr marL="914400" lvl="1" indent="-381000">
               <a:spcBef>
                 <a:spcPts val="0"/>
               </a:spcBef>
@@ -8138,7 +8280,7 @@
             </a:r>
           </a:p>
           <a:p>
-            <a:pPr lvl="1" marL="914400" indent="-381000">
+            <a:pPr marL="914400" lvl="1" indent="-381000">
               <a:spcBef>
                 <a:spcPts val="0"/>
               </a:spcBef>
@@ -8156,7 +8298,7 @@
             <a:endParaRPr sz="2800"/>
           </a:p>
           <a:p>
-            <a:pPr lvl="1" marL="914400" indent="-381000">
+            <a:pPr marL="914400" lvl="1" indent="-381000">
               <a:spcBef>
                 <a:spcPts val="0"/>
               </a:spcBef>
@@ -8191,13 +8333,13 @@
   <p:clrMapOvr>
     <a:masterClrMapping/>
   </p:clrMapOvr>
-  <mc:AlternateContent xmlns:mc="http://schemas.openxmlformats.org/markup-compatibility/2006">
-    <mc:Choice xmlns:p14="http://schemas.microsoft.com/office/powerpoint/2010/main" Requires="p14">
-      <p:transition spd="fast" advClick="1" p14:dur="250">
+  <mc:AlternateContent xmlns:mc="http://schemas.openxmlformats.org/markup-compatibility/2006" xmlns:p14="http://schemas.microsoft.com/office/powerpoint/2010/main">
+    <mc:Choice Requires="p14">
+      <p:transition p14:dur="250">
         <p:dissolve/>
       </p:transition>
     </mc:Choice>
-    <mc:Fallback>
+    <mc:Fallback xmlns="">
       <p:transition spd="fast">
         <p:fade/>
       </p:transition>
@@ -8207,7 +8349,7 @@
 </file>
 
 <file path=ppt/slides/slide23.xml><?xml version="1.0" encoding="utf-8"?>
-<p:sld xmlns:a="http://schemas.openxmlformats.org/drawingml/2006/main" xmlns:r="http://schemas.openxmlformats.org/officeDocument/2006/relationships" xmlns:p="http://schemas.openxmlformats.org/presentationml/2006/main" showMasterSp="1" showMasterPhAnim="1">
+<p:sld xmlns:a="http://schemas.openxmlformats.org/drawingml/2006/main" xmlns:r="http://schemas.openxmlformats.org/officeDocument/2006/relationships" xmlns:p="http://schemas.openxmlformats.org/presentationml/2006/main">
   <p:cSld>
     <p:spTree>
       <p:nvGrpSpPr>
@@ -8226,7 +8368,9 @@
       <p:sp>
         <p:nvSpPr>
           <p:cNvPr id="211" name="Shape 211"/>
-          <p:cNvSpPr/>
+          <p:cNvSpPr>
+            <a:spLocks noGrp="1"/>
+          </p:cNvSpPr>
           <p:nvPr>
             <p:ph type="title"/>
           </p:nvPr>
@@ -8248,7 +8392,6 @@
             </a:lvl1pPr>
           </a:lstStyle>
           <a:p>
-            <a:pPr/>
             <a:r>
               <a:t>Graphs (Neo4j) vs. RDBMS (2)</a:t>
             </a:r>
@@ -8258,7 +8401,9 @@
       <p:sp>
         <p:nvSpPr>
           <p:cNvPr id="212" name="Shape 212"/>
-          <p:cNvSpPr/>
+          <p:cNvSpPr>
+            <a:spLocks noGrp="1"/>
+          </p:cNvSpPr>
           <p:nvPr>
             <p:ph type="body" idx="1"/>
           </p:nvPr>
@@ -8315,11 +8460,6 @@
               </a:rPr>
               <a:t> data</a:t>
             </a:r>
-            <a:endParaRPr>
-              <a:solidFill>
-                <a:srgbClr val="000000"/>
-              </a:solidFill>
-            </a:endParaRPr>
           </a:p>
           <a:p>
             <a:pPr marL="457200" indent="-419100">
@@ -8363,7 +8503,7 @@
             </a:r>
           </a:p>
           <a:p>
-            <a:pPr lvl="1" marL="857250" indent="-419100">
+            <a:pPr marL="857250" lvl="1" indent="-419100">
               <a:spcBef>
                 <a:spcPts val="0"/>
               </a:spcBef>
@@ -8456,7 +8596,7 @@
           </a:ln>
           <a:extLst>
             <a:ext uri="{C572A759-6A51-4108-AA02-DFA0A04FC94B}">
-              <ma14:wrappingTextBoxFlag xmlns:ma14="http://schemas.microsoft.com/office/mac/drawingml/2011/main" val="1"/>
+              <ma14:wrappingTextBoxFlag xmlns:ma14="http://schemas.microsoft.com/office/mac/drawingml/2011/main" xmlns="" val="1"/>
             </a:ext>
           </a:extLst>
         </p:spPr>
@@ -8478,7 +8618,6 @@
             </a:lvl1pPr>
           </a:lstStyle>
           <a:p>
-            <a:pPr/>
             <a:r>
               <a:t>source: http://neo4j.com/docs/stable/</a:t>
             </a:r>
@@ -8504,7 +8643,7 @@
           </a:ln>
           <a:extLst>
             <a:ext uri="{C572A759-6A51-4108-AA02-DFA0A04FC94B}">
-              <ma14:wrappingTextBoxFlag xmlns:ma14="http://schemas.microsoft.com/office/mac/drawingml/2011/main" val="1"/>
+              <ma14:wrappingTextBoxFlag xmlns:ma14="http://schemas.microsoft.com/office/mac/drawingml/2011/main" xmlns="" val="1"/>
             </a:ext>
           </a:extLst>
         </p:spPr>
@@ -8523,7 +8662,6 @@
             </a:lvl1pPr>
           </a:lstStyle>
           <a:p>
-            <a:pPr/>
             <a:r>
               <a:t>Relational data</a:t>
             </a:r>
@@ -8549,7 +8687,7 @@
           </a:ln>
           <a:extLst>
             <a:ext uri="{C572A759-6A51-4108-AA02-DFA0A04FC94B}">
-              <ma14:wrappingTextBoxFlag xmlns:ma14="http://schemas.microsoft.com/office/mac/drawingml/2011/main" val="1"/>
+              <ma14:wrappingTextBoxFlag xmlns:ma14="http://schemas.microsoft.com/office/mac/drawingml/2011/main" xmlns="" val="1"/>
             </a:ext>
           </a:extLst>
         </p:spPr>
@@ -8568,7 +8706,6 @@
             </a:lvl1pPr>
           </a:lstStyle>
           <a:p>
-            <a:pPr/>
             <a:r>
               <a:t>Graph data </a:t>
             </a:r>
@@ -8580,13 +8717,13 @@
   <p:clrMapOvr>
     <a:masterClrMapping/>
   </p:clrMapOvr>
-  <mc:AlternateContent xmlns:mc="http://schemas.openxmlformats.org/markup-compatibility/2006">
-    <mc:Choice xmlns:p14="http://schemas.microsoft.com/office/powerpoint/2010/main" Requires="p14">
-      <p:transition spd="fast" advClick="1" p14:dur="250">
+  <mc:AlternateContent xmlns:mc="http://schemas.openxmlformats.org/markup-compatibility/2006" xmlns:p14="http://schemas.microsoft.com/office/powerpoint/2010/main">
+    <mc:Choice Requires="p14">
+      <p:transition p14:dur="250">
         <p:dissolve/>
       </p:transition>
     </mc:Choice>
-    <mc:Fallback>
+    <mc:Fallback xmlns="">
       <p:transition spd="fast">
         <p:fade/>
       </p:transition>
@@ -8596,7 +8733,7 @@
 </file>
 
 <file path=ppt/slides/slide24.xml><?xml version="1.0" encoding="utf-8"?>
-<p:sld xmlns:a="http://schemas.openxmlformats.org/drawingml/2006/main" xmlns:r="http://schemas.openxmlformats.org/officeDocument/2006/relationships" xmlns:p="http://schemas.openxmlformats.org/presentationml/2006/main" showMasterSp="1" showMasterPhAnim="1">
+<p:sld xmlns:a="http://schemas.openxmlformats.org/drawingml/2006/main" xmlns:r="http://schemas.openxmlformats.org/officeDocument/2006/relationships" xmlns:p="http://schemas.openxmlformats.org/presentationml/2006/main">
   <p:cSld>
     <p:spTree>
       <p:nvGrpSpPr>
@@ -8615,7 +8752,9 @@
       <p:sp>
         <p:nvSpPr>
           <p:cNvPr id="219" name="Shape 219"/>
-          <p:cNvSpPr/>
+          <p:cNvSpPr>
+            <a:spLocks noGrp="1"/>
+          </p:cNvSpPr>
           <p:nvPr>
             <p:ph type="title"/>
           </p:nvPr>
@@ -8637,7 +8776,6 @@
             </a:lvl1pPr>
           </a:lstStyle>
           <a:p>
-            <a:pPr/>
             <a:r>
               <a:t>Graph DBs: Suitable Use Cases</a:t>
             </a:r>
@@ -8647,7 +8785,9 @@
       <p:sp>
         <p:nvSpPr>
           <p:cNvPr id="220" name="Shape 220"/>
-          <p:cNvSpPr/>
+          <p:cNvSpPr>
+            <a:spLocks noGrp="1"/>
+          </p:cNvSpPr>
           <p:nvPr>
             <p:ph type="body" idx="1"/>
           </p:nvPr>
@@ -8678,7 +8818,7 @@
             </a:r>
           </a:p>
           <a:p>
-            <a:pPr lvl="1" marL="868680" indent="-361950" defTabSz="434340">
+            <a:pPr marL="868680" lvl="1" indent="-361950" defTabSz="434340">
               <a:spcBef>
                 <a:spcPts val="0"/>
               </a:spcBef>
@@ -8708,7 +8848,7 @@
             <a:endParaRPr sz="2660"/>
           </a:p>
           <a:p>
-            <a:pPr lvl="1" marL="868680" indent="-361950" defTabSz="434340">
+            <a:pPr marL="868680" lvl="1" indent="-361950" defTabSz="434340">
               <a:lnSpc>
                 <a:spcPct val="150000"/>
               </a:lnSpc>
@@ -8742,7 +8882,7 @@
             </a:r>
           </a:p>
           <a:p>
-            <a:pPr lvl="1" marL="868680" indent="-361950" defTabSz="434340">
+            <a:pPr marL="868680" lvl="1" indent="-361950" defTabSz="434340">
               <a:spcBef>
                 <a:spcPts val="0"/>
               </a:spcBef>
@@ -8788,7 +8928,7 @@
             <a:endParaRPr sz="2660"/>
           </a:p>
           <a:p>
-            <a:pPr lvl="1" marL="868680" indent="-361950" defTabSz="434340">
+            <a:pPr marL="868680" lvl="1" indent="-361950" defTabSz="434340">
               <a:spcBef>
                 <a:spcPts val="0"/>
               </a:spcBef>
@@ -8834,7 +8974,7 @@
             <a:endParaRPr sz="2660"/>
           </a:p>
           <a:p>
-            <a:pPr lvl="1" marL="868680" indent="-361950" defTabSz="434340">
+            <a:pPr marL="868680" lvl="1" indent="-361950" defTabSz="434340">
               <a:lnSpc>
                 <a:spcPct val="150000"/>
               </a:lnSpc>
@@ -8898,14 +9038,9 @@
               </a:rPr>
               <a:t> Engines</a:t>
             </a:r>
-            <a:endParaRPr>
-              <a:solidFill>
-                <a:srgbClr val="000000"/>
-              </a:solidFill>
-            </a:endParaRPr>
-          </a:p>
-          <a:p>
-            <a:pPr lvl="1" marL="868680" indent="-361950" defTabSz="434340">
+          </a:p>
+          <a:p>
+            <a:pPr marL="868680" lvl="1" indent="-361950" defTabSz="434340">
               <a:spcBef>
                 <a:spcPts val="0"/>
               </a:spcBef>
@@ -8923,7 +9058,7 @@
             <a:endParaRPr sz="2660"/>
           </a:p>
           <a:p>
-            <a:pPr lvl="1" marL="868680" indent="-361950" defTabSz="434340">
+            <a:pPr marL="868680" lvl="1" indent="-361950" defTabSz="434340">
               <a:spcBef>
                 <a:spcPts val="0"/>
               </a:spcBef>
@@ -8960,13 +9095,13 @@
   <p:clrMapOvr>
     <a:masterClrMapping/>
   </p:clrMapOvr>
-  <mc:AlternateContent xmlns:mc="http://schemas.openxmlformats.org/markup-compatibility/2006">
-    <mc:Choice xmlns:p14="http://schemas.microsoft.com/office/powerpoint/2010/main" Requires="p14">
-      <p:transition spd="fast" advClick="1" p14:dur="250">
+  <mc:AlternateContent xmlns:mc="http://schemas.openxmlformats.org/markup-compatibility/2006" xmlns:p14="http://schemas.microsoft.com/office/powerpoint/2010/main">
+    <mc:Choice Requires="p14">
+      <p:transition p14:dur="250">
         <p:dissolve/>
       </p:transition>
     </mc:Choice>
-    <mc:Fallback>
+    <mc:Fallback xmlns="">
       <p:transition spd="fast">
         <p:fade/>
       </p:transition>
@@ -8976,7 +9111,7 @@
 </file>
 
 <file path=ppt/slides/slide25.xml><?xml version="1.0" encoding="utf-8"?>
-<p:sld xmlns:a="http://schemas.openxmlformats.org/drawingml/2006/main" xmlns:r="http://schemas.openxmlformats.org/officeDocument/2006/relationships" xmlns:p="http://schemas.openxmlformats.org/presentationml/2006/main" showMasterSp="1" showMasterPhAnim="1">
+<p:sld xmlns:a="http://schemas.openxmlformats.org/drawingml/2006/main" xmlns:r="http://schemas.openxmlformats.org/officeDocument/2006/relationships" xmlns:p="http://schemas.openxmlformats.org/presentationml/2006/main">
   <p:cSld>
     <p:spTree>
       <p:nvGrpSpPr>
@@ -8995,7 +9130,9 @@
       <p:sp>
         <p:nvSpPr>
           <p:cNvPr id="222" name="Shape 222"/>
-          <p:cNvSpPr/>
+          <p:cNvSpPr>
+            <a:spLocks noGrp="1"/>
+          </p:cNvSpPr>
           <p:nvPr>
             <p:ph type="title"/>
           </p:nvPr>
@@ -9017,7 +9154,6 @@
             </a:lvl1pPr>
           </a:lstStyle>
           <a:p>
-            <a:pPr/>
             <a:r>
               <a:t>Graph DBs: When Not to Use</a:t>
             </a:r>
@@ -9027,7 +9163,9 @@
       <p:sp>
         <p:nvSpPr>
           <p:cNvPr id="223" name="Shape 223"/>
-          <p:cNvSpPr/>
+          <p:cNvSpPr>
+            <a:spLocks noGrp="1"/>
+          </p:cNvSpPr>
           <p:nvPr>
             <p:ph type="body" idx="1"/>
           </p:nvPr>
@@ -9080,7 +9218,7 @@
             </a:r>
           </a:p>
           <a:p>
-            <a:pPr lvl="1" marL="914400" indent="-381000">
+            <a:pPr marL="914400" lvl="1" indent="-381000">
               <a:spcBef>
                 <a:spcPts val="0"/>
               </a:spcBef>
@@ -9098,7 +9236,7 @@
             <a:endParaRPr sz="2800"/>
           </a:p>
           <a:p>
-            <a:pPr lvl="2" marL="1371600" indent="-342900">
+            <a:pPr marL="1371600" lvl="2" indent="-342900">
               <a:spcBef>
                 <a:spcPts val="0"/>
               </a:spcBef>
@@ -9114,6 +9252,7 @@
               <a:t>e.g., analytics solution where all entities may need to be updated with a changed property</a:t>
             </a:r>
             <a:br/>
+            <a:endParaRPr/>
           </a:p>
           <a:p>
             <a:pPr marL="457200" indent="-419100">
@@ -9161,14 +9300,9 @@
               </a:rPr>
               <a:t> of data</a:t>
             </a:r>
-            <a:endParaRPr>
-              <a:solidFill>
-                <a:srgbClr val="000000"/>
-              </a:solidFill>
-            </a:endParaRPr>
-          </a:p>
-          <a:p>
-            <a:pPr lvl="1" marL="914400" indent="-381000">
+          </a:p>
+          <a:p>
+            <a:pPr marL="914400" lvl="1" indent="-381000">
               <a:spcBef>
                 <a:spcPts val="0"/>
               </a:spcBef>
@@ -9206,13 +9340,13 @@
   <p:clrMapOvr>
     <a:masterClrMapping/>
   </p:clrMapOvr>
-  <mc:AlternateContent xmlns:mc="http://schemas.openxmlformats.org/markup-compatibility/2006">
-    <mc:Choice xmlns:p14="http://schemas.microsoft.com/office/powerpoint/2010/main" Requires="p14">
-      <p:transition spd="fast" advClick="1" p14:dur="250">
+  <mc:AlternateContent xmlns:mc="http://schemas.openxmlformats.org/markup-compatibility/2006" xmlns:p14="http://schemas.microsoft.com/office/powerpoint/2010/main">
+    <mc:Choice Requires="p14">
+      <p:transition p14:dur="250">
         <p:dissolve/>
       </p:transition>
     </mc:Choice>
-    <mc:Fallback>
+    <mc:Fallback xmlns="">
       <p:transition spd="fast">
         <p:fade/>
       </p:transition>
@@ -9222,7 +9356,7 @@
 </file>
 
 <file path=ppt/slides/slide26.xml><?xml version="1.0" encoding="utf-8"?>
-<p:sld xmlns:a="http://schemas.openxmlformats.org/drawingml/2006/main" xmlns:r="http://schemas.openxmlformats.org/officeDocument/2006/relationships" xmlns:p="http://schemas.openxmlformats.org/presentationml/2006/main" showMasterSp="1" showMasterPhAnim="1">
+<p:sld xmlns:a="http://schemas.openxmlformats.org/drawingml/2006/main" xmlns:r="http://schemas.openxmlformats.org/officeDocument/2006/relationships" xmlns:p="http://schemas.openxmlformats.org/presentationml/2006/main">
   <p:cSld>
     <p:spTree>
       <p:nvGrpSpPr>
@@ -9241,7 +9375,9 @@
       <p:sp>
         <p:nvSpPr>
           <p:cNvPr id="225" name="Shape 225"/>
-          <p:cNvSpPr/>
+          <p:cNvSpPr>
+            <a:spLocks noGrp="1"/>
+          </p:cNvSpPr>
           <p:nvPr>
             <p:ph type="title"/>
           </p:nvPr>
@@ -9263,7 +9399,6 @@
             </a:lvl1pPr>
           </a:lstStyle>
           <a:p>
-            <a:pPr/>
             <a:r>
               <a:t>Neo4j: Basic Info</a:t>
             </a:r>
@@ -9273,7 +9408,9 @@
       <p:sp>
         <p:nvSpPr>
           <p:cNvPr id="226" name="Shape 226"/>
-          <p:cNvSpPr/>
+          <p:cNvSpPr>
+            <a:spLocks noGrp="1"/>
+          </p:cNvSpPr>
           <p:nvPr>
             <p:ph type="body" idx="1"/>
           </p:nvPr>
@@ -9314,11 +9451,6 @@
               </a:rPr>
               <a:t> graph database</a:t>
             </a:r>
-            <a:endParaRPr>
-              <a:solidFill>
-                <a:srgbClr val="000000"/>
-              </a:solidFill>
-            </a:endParaRPr>
           </a:p>
           <a:p>
             <a:pPr marL="457200" indent="-419100">
@@ -9353,11 +9485,6 @@
               </a:rPr>
               <a:t>Java</a:t>
             </a:r>
-            <a:endParaRPr>
-              <a:solidFill>
-                <a:srgbClr val="990000"/>
-              </a:solidFill>
-            </a:endParaRPr>
           </a:p>
           <a:p>
             <a:pPr marL="457200" indent="-419100">
@@ -9433,14 +9560,9 @@
               </a:rPr>
               <a:t>: Master-slave</a:t>
             </a:r>
-            <a:endParaRPr>
-              <a:solidFill>
-                <a:srgbClr val="000000"/>
-              </a:solidFill>
-            </a:endParaRPr>
-          </a:p>
-          <a:p>
-            <a:pPr lvl="1" marL="914400" indent="-381000">
+          </a:p>
+          <a:p>
+            <a:pPr marL="914400" lvl="1" indent="-381000">
               <a:spcBef>
                 <a:spcPts val="0"/>
               </a:spcBef>
@@ -9463,13 +9585,13 @@
   <p:clrMapOvr>
     <a:masterClrMapping/>
   </p:clrMapOvr>
-  <mc:AlternateContent xmlns:mc="http://schemas.openxmlformats.org/markup-compatibility/2006">
-    <mc:Choice xmlns:p14="http://schemas.microsoft.com/office/powerpoint/2010/main" Requires="p14">
-      <p:transition spd="fast" advClick="1" p14:dur="250">
+  <mc:AlternateContent xmlns:mc="http://schemas.openxmlformats.org/markup-compatibility/2006" xmlns:p14="http://schemas.microsoft.com/office/powerpoint/2010/main">
+    <mc:Choice Requires="p14">
+      <p:transition p14:dur="250">
         <p:dissolve/>
       </p:transition>
     </mc:Choice>
-    <mc:Fallback>
+    <mc:Fallback xmlns="">
       <p:transition spd="fast">
         <p:fade/>
       </p:transition>
@@ -9479,7 +9601,7 @@
 </file>
 
 <file path=ppt/slides/slide27.xml><?xml version="1.0" encoding="utf-8"?>
-<p:sld xmlns:a="http://schemas.openxmlformats.org/drawingml/2006/main" xmlns:r="http://schemas.openxmlformats.org/officeDocument/2006/relationships" xmlns:p="http://schemas.openxmlformats.org/presentationml/2006/main" showMasterSp="1" showMasterPhAnim="1">
+<p:sld xmlns:a="http://schemas.openxmlformats.org/drawingml/2006/main" xmlns:r="http://schemas.openxmlformats.org/officeDocument/2006/relationships" xmlns:p="http://schemas.openxmlformats.org/presentationml/2006/main">
   <p:cSld>
     <p:spTree>
       <p:nvGrpSpPr>
@@ -9498,7 +9620,9 @@
       <p:sp>
         <p:nvSpPr>
           <p:cNvPr id="228" name="Shape 228"/>
-          <p:cNvSpPr/>
+          <p:cNvSpPr>
+            <a:spLocks noGrp="1"/>
+          </p:cNvSpPr>
           <p:nvPr>
             <p:ph type="title"/>
           </p:nvPr>
@@ -9520,7 +9644,6 @@
             </a:lvl1pPr>
           </a:lstStyle>
           <a:p>
-            <a:pPr/>
             <a:r>
               <a:t>Neo4j in Server mode</a:t>
             </a:r>
@@ -9530,7 +9653,9 @@
       <p:sp>
         <p:nvSpPr>
           <p:cNvPr id="229" name="Shape 229"/>
-          <p:cNvSpPr/>
+          <p:cNvSpPr>
+            <a:spLocks noGrp="1"/>
+          </p:cNvSpPr>
           <p:nvPr>
             <p:ph type="body" idx="1"/>
           </p:nvPr>
@@ -9582,14 +9707,9 @@
               </a:rPr>
               <a:t> Neo4j:</a:t>
             </a:r>
-            <a:endParaRPr>
-              <a:solidFill>
-                <a:srgbClr val="000000"/>
-              </a:solidFill>
-            </a:endParaRPr>
-          </a:p>
-          <a:p>
-            <a:pPr lvl="1" marL="914400" indent="-381000">
+          </a:p>
+          <a:p>
+            <a:pPr marL="914400" lvl="1" indent="-381000">
               <a:spcBef>
                 <a:spcPts val="0"/>
               </a:spcBef>
@@ -9619,7 +9739,7 @@
             <a:endParaRPr sz="2800"/>
           </a:p>
           <a:p>
-            <a:pPr lvl="1" marL="914400" indent="-381000">
+            <a:pPr marL="914400" lvl="1" indent="-381000">
               <a:spcBef>
                 <a:spcPts val="0"/>
               </a:spcBef>
@@ -9653,6 +9773,11 @@
                 </a:solidFill>
               </a:rPr>
             </a:br>
+            <a:endParaRPr>
+              <a:solidFill>
+                <a:srgbClr val="000000"/>
+              </a:solidFill>
+            </a:endParaRPr>
           </a:p>
           <a:p>
             <a:pPr marL="457200" indent="-419100">
@@ -9668,7 +9793,7 @@
             </a:r>
           </a:p>
           <a:p>
-            <a:pPr lvl="1" marL="914400" indent="-381000">
+            <a:pPr marL="914400" lvl="1" indent="-381000">
               <a:spcBef>
                 <a:spcPts val="0"/>
               </a:spcBef>
@@ -9705,14 +9830,14 @@
                     <a:srgbClr val="0000FF"/>
                   </a:solidFill>
                 </a:uFill>
-                <a:hlinkClick r:id="rId2" invalidUrl="" action="" tgtFrame="" tooltip="" history="1" highlightClick="0" endSnd="0"/>
+                <a:hlinkClick r:id="rId2"/>
               </a:rPr>
               <a:t>http://neo4j.com/download/</a:t>
             </a:r>
             <a:endParaRPr sz="2800"/>
           </a:p>
           <a:p>
-            <a:pPr lvl="1" marL="914400" indent="-381000">
+            <a:pPr marL="914400" lvl="1" indent="-381000">
               <a:spcBef>
                 <a:spcPts val="0"/>
               </a:spcBef>
@@ -9739,7 +9864,7 @@
             <a:endParaRPr sz="2800"/>
           </a:p>
           <a:p>
-            <a:pPr lvl="1" marL="914400" indent="-381000">
+            <a:pPr marL="914400" lvl="1" indent="-381000">
               <a:spcBef>
                 <a:spcPts val="0"/>
               </a:spcBef>
@@ -9762,7 +9887,7 @@
             <a:endParaRPr sz="2800"/>
           </a:p>
           <a:p>
-            <a:pPr lvl="1" marL="914400" indent="-381000">
+            <a:pPr marL="914400" lvl="1" indent="-381000">
               <a:spcBef>
                 <a:spcPts val="0"/>
               </a:spcBef>
@@ -9787,23 +9912,9 @@
                     <a:srgbClr val="0000FF"/>
                   </a:solidFill>
                 </a:uFill>
-                <a:hlinkClick r:id="rId3" invalidUrl="" action="" tgtFrame="" tooltip="" history="1" highlightClick="0" endSnd="0"/>
-              </a:rPr>
-              <a:t>http://localhost:7474</a:t>
-            </a:r>
-            <a:r>
-              <a:rPr u="sng">
-                <a:solidFill>
-                  <a:srgbClr val="0000FF"/>
-                </a:solidFill>
-                <a:uFill>
-                  <a:solidFill>
-                    <a:srgbClr val="0000FF"/>
-                  </a:solidFill>
-                </a:uFill>
-                <a:hlinkClick r:id="rId3" invalidUrl="" action="" tgtFrame="" tooltip="" history="1" highlightClick="0" endSnd="0"/>
-              </a:rPr>
-              <a:t>/</a:t>
+                <a:hlinkClick r:id="rId3"/>
+              </a:rPr>
+              <a:t>http://localhost:7474/</a:t>
             </a:r>
           </a:p>
         </p:txBody>
@@ -9813,13 +9924,13 @@
   <p:clrMapOvr>
     <a:masterClrMapping/>
   </p:clrMapOvr>
-  <mc:AlternateContent xmlns:mc="http://schemas.openxmlformats.org/markup-compatibility/2006">
-    <mc:Choice xmlns:p14="http://schemas.microsoft.com/office/powerpoint/2010/main" Requires="p14">
-      <p:transition spd="fast" advClick="1" p14:dur="250">
+  <mc:AlternateContent xmlns:mc="http://schemas.openxmlformats.org/markup-compatibility/2006" xmlns:p14="http://schemas.microsoft.com/office/powerpoint/2010/main">
+    <mc:Choice Requires="p14">
+      <p:transition p14:dur="250">
         <p:dissolve/>
       </p:transition>
     </mc:Choice>
-    <mc:Fallback>
+    <mc:Fallback xmlns="">
       <p:transition spd="fast">
         <p:fade/>
       </p:transition>
@@ -9829,7 +9940,7 @@
 </file>
 
 <file path=ppt/slides/slide28.xml><?xml version="1.0" encoding="utf-8"?>
-<p:sld xmlns:a="http://schemas.openxmlformats.org/drawingml/2006/main" xmlns:r="http://schemas.openxmlformats.org/officeDocument/2006/relationships" xmlns:p="http://schemas.openxmlformats.org/presentationml/2006/main" showMasterSp="1" showMasterPhAnim="1">
+<p:sld xmlns:a="http://schemas.openxmlformats.org/drawingml/2006/main" xmlns:r="http://schemas.openxmlformats.org/officeDocument/2006/relationships" xmlns:p="http://schemas.openxmlformats.org/presentationml/2006/main">
   <p:cSld>
     <p:spTree>
       <p:nvGrpSpPr>
@@ -9848,7 +9959,9 @@
       <p:sp>
         <p:nvSpPr>
           <p:cNvPr id="231" name="Shape 231"/>
-          <p:cNvSpPr/>
+          <p:cNvSpPr>
+            <a:spLocks noGrp="1"/>
+          </p:cNvSpPr>
           <p:nvPr>
             <p:ph type="title"/>
           </p:nvPr>
@@ -9870,7 +9983,6 @@
             </a:lvl1pPr>
           </a:lstStyle>
           <a:p>
-            <a:pPr/>
             <a:r>
               <a:t>Cypher: Clauses</a:t>
             </a:r>
@@ -9880,7 +9992,9 @@
       <p:sp>
         <p:nvSpPr>
           <p:cNvPr id="232" name="Shape 232"/>
-          <p:cNvSpPr/>
+          <p:cNvSpPr>
+            <a:spLocks noGrp="1"/>
+          </p:cNvSpPr>
           <p:nvPr>
             <p:ph type="body" idx="1"/>
           </p:nvPr>
@@ -9904,7 +10018,7 @@
               </a:spcBef>
               <a:buFont typeface="Arial"/>
               <a:buChar char="●"/>
-              <a:defRPr b="1" sz="1800"/>
+              <a:defRPr sz="1800" b="1"/>
             </a:pPr>
             <a:r>
               <a:t>MATCH</a:t>
@@ -9925,7 +10039,6 @@
               <a:rPr b="0"/>
               <a:t> to match</a:t>
             </a:r>
-            <a:endParaRPr b="0"/>
           </a:p>
           <a:p>
             <a:pPr marL="457200" indent="-419100">
@@ -9934,7 +10047,7 @@
               </a:spcBef>
               <a:buFont typeface="Arial"/>
               <a:buChar char="●"/>
-              <a:defRPr b="1" sz="1800"/>
+              <a:defRPr sz="1800" b="1"/>
             </a:pPr>
             <a:r>
               <a:t>WHERE</a:t>
@@ -9955,7 +10068,6 @@
               <a:rPr b="0"/>
               <a:t> criteria</a:t>
             </a:r>
-            <a:endParaRPr b="0"/>
           </a:p>
           <a:p>
             <a:pPr marL="457200" indent="-419100">
@@ -9964,7 +10076,7 @@
               </a:spcBef>
               <a:buFont typeface="Arial"/>
               <a:buChar char="●"/>
-              <a:defRPr b="1" sz="1800"/>
+              <a:defRPr sz="1800" b="1"/>
             </a:pPr>
             <a:r>
               <a:t>RETURN</a:t>
@@ -9973,7 +10085,6 @@
               <a:rPr b="0"/>
               <a:t>: What to return </a:t>
             </a:r>
-            <a:endParaRPr b="0"/>
           </a:p>
           <a:p>
             <a:pPr marL="457200" indent="-419100">
@@ -9982,7 +10093,7 @@
               </a:spcBef>
               <a:buFont typeface="Arial"/>
               <a:buChar char="●"/>
-              <a:defRPr b="1" sz="1800"/>
+              <a:defRPr sz="1800" b="1"/>
             </a:pPr>
             <a:r>
               <a:t>CREATE</a:t>
@@ -9991,7 +10102,6 @@
               <a:rPr b="0"/>
               <a:t>: Creates nodes and relationships. </a:t>
             </a:r>
-            <a:endParaRPr b="0"/>
           </a:p>
           <a:p>
             <a:pPr marL="457200" indent="-419100">
@@ -10000,7 +10110,7 @@
               </a:spcBef>
               <a:buFont typeface="Arial"/>
               <a:buChar char="●"/>
-              <a:defRPr b="1" sz="1800"/>
+              <a:defRPr sz="1800" b="1"/>
             </a:pPr>
             <a:r>
               <a:t>DELETE</a:t>
@@ -10009,7 +10119,6 @@
               <a:rPr b="0"/>
               <a:t>: Remove nodes, relationships, properties</a:t>
             </a:r>
-            <a:endParaRPr b="0"/>
           </a:p>
           <a:p>
             <a:pPr marL="457200" indent="-419100">
@@ -10018,7 +10127,7 @@
               </a:spcBef>
               <a:buFont typeface="Arial"/>
               <a:buChar char="●"/>
-              <a:defRPr b="1" sz="1800"/>
+              <a:defRPr sz="1800" b="1"/>
             </a:pPr>
             <a:r>
               <a:t>SET</a:t>
@@ -10035,11 +10144,6 @@
               </a:rPr>
               <a:t>properties</a:t>
             </a:r>
-            <a:endParaRPr b="0">
-              <a:solidFill>
-                <a:srgbClr val="990000"/>
-              </a:solidFill>
-            </a:endParaRPr>
           </a:p>
           <a:p>
             <a:pPr marL="457200" indent="-419100">
@@ -10051,7 +10155,7 @@
               </a:spcBef>
               <a:buFont typeface="Arial"/>
               <a:buChar char="●"/>
-              <a:defRPr b="1" sz="1800"/>
+              <a:defRPr sz="1800" b="1"/>
             </a:pPr>
             <a:r>
               <a:t>WITH</a:t>
@@ -10060,7 +10164,6 @@
               <a:rPr b="0"/>
               <a:t>: Divides a query into multiple parts</a:t>
             </a:r>
-            <a:endParaRPr b="0"/>
           </a:p>
           <a:p>
             <a:pPr marL="457200" indent="-419100">
@@ -10069,7 +10172,7 @@
               </a:spcBef>
               <a:buFont typeface="Arial"/>
               <a:buChar char="●"/>
-              <a:defRPr b="1" sz="1800"/>
+              <a:defRPr sz="1800" b="1"/>
             </a:pPr>
             <a:r>
               <a:t>START</a:t>
@@ -10090,10 +10193,9 @@
               <a:rPr b="0"/>
               <a:t> in the graph</a:t>
             </a:r>
-            <a:endParaRPr b="0"/>
-          </a:p>
-          <a:p>
-            <a:pPr lvl="1" marL="914400" indent="-381000">
+          </a:p>
+          <a:p>
+            <a:pPr marL="914400" lvl="1" indent="-381000">
               <a:spcBef>
                 <a:spcPts val="0"/>
               </a:spcBef>
@@ -10127,13 +10229,13 @@
   <p:clrMapOvr>
     <a:masterClrMapping/>
   </p:clrMapOvr>
-  <mc:AlternateContent xmlns:mc="http://schemas.openxmlformats.org/markup-compatibility/2006">
-    <mc:Choice xmlns:p14="http://schemas.microsoft.com/office/powerpoint/2010/main" Requires="p14">
-      <p:transition spd="fast" advClick="1" p14:dur="250">
+  <mc:AlternateContent xmlns:mc="http://schemas.openxmlformats.org/markup-compatibility/2006" xmlns:p14="http://schemas.microsoft.com/office/powerpoint/2010/main">
+    <mc:Choice Requires="p14">
+      <p:transition p14:dur="250">
         <p:dissolve/>
       </p:transition>
     </mc:Choice>
-    <mc:Fallback>
+    <mc:Fallback xmlns="">
       <p:transition spd="fast">
         <p:fade/>
       </p:transition>
@@ -10143,7 +10245,7 @@
 </file>
 
 <file path=ppt/slides/slide29.xml><?xml version="1.0" encoding="utf-8"?>
-<p:sld xmlns:a="http://schemas.openxmlformats.org/drawingml/2006/main" xmlns:r="http://schemas.openxmlformats.org/officeDocument/2006/relationships" xmlns:p="http://schemas.openxmlformats.org/presentationml/2006/main" showMasterSp="1" showMasterPhAnim="1">
+<p:sld xmlns:a="http://schemas.openxmlformats.org/drawingml/2006/main" xmlns:r="http://schemas.openxmlformats.org/officeDocument/2006/relationships" xmlns:p="http://schemas.openxmlformats.org/presentationml/2006/main">
   <p:cSld>
     <p:spTree>
       <p:nvGrpSpPr>
@@ -10162,7 +10264,9 @@
       <p:sp>
         <p:nvSpPr>
           <p:cNvPr id="234" name="Shape 234"/>
-          <p:cNvSpPr/>
+          <p:cNvSpPr>
+            <a:spLocks noGrp="1"/>
+          </p:cNvSpPr>
           <p:nvPr>
             <p:ph type="title"/>
           </p:nvPr>
@@ -10184,7 +10288,6 @@
             </a:lvl1pPr>
           </a:lstStyle>
           <a:p>
-            <a:pPr/>
             <a:r>
               <a:t>Cypher: Creating Nodes (Examples)</a:t>
             </a:r>
@@ -10194,7 +10297,9 @@
       <p:sp>
         <p:nvSpPr>
           <p:cNvPr id="235" name="Shape 235"/>
-          <p:cNvSpPr/>
+          <p:cNvSpPr>
+            <a:spLocks noGrp="1"/>
+          </p:cNvSpPr>
           <p:nvPr>
             <p:ph type="body" sz="quarter" idx="1"/>
           </p:nvPr>
@@ -10224,7 +10329,7 @@
               </a:spcBef>
               <a:buSzTx/>
               <a:buNone/>
-              <a:defRPr b="1" sz="1800"/>
+              <a:defRPr sz="1800" b="1"/>
             </a:pPr>
             <a:r>
               <a:t>CREATE</a:t>
@@ -10233,7 +10338,6 @@
               <a:rPr b="0"/>
               <a:t> n;</a:t>
             </a:r>
-            <a:endParaRPr b="0"/>
           </a:p>
           <a:p>
             <a:pPr>
@@ -10242,7 +10346,7 @@
               </a:spcBef>
               <a:buSzTx/>
               <a:buNone/>
-              <a:defRPr i="1" sz="1800"/>
+              <a:defRPr sz="1800" i="1"/>
             </a:pPr>
             <a:r>
               <a:t>(create a node, assign to var </a:t>
@@ -10299,18 +10403,18 @@
           </a:ln>
           <a:extLst>
             <a:ext uri="{C572A759-6A51-4108-AA02-DFA0A04FC94B}">
-              <ma14:wrappingTextBoxFlag xmlns:ma14="http://schemas.microsoft.com/office/mac/drawingml/2011/main" val="1"/>
+              <ma14:wrappingTextBoxFlag xmlns:ma14="http://schemas.microsoft.com/office/mac/drawingml/2011/main" xmlns="" val="1"/>
             </a:ext>
           </a:extLst>
         </p:spPr>
         <p:txBody>
           <a:bodyPr lIns="91424" tIns="91424" rIns="91424" bIns="91424">
-            <a:normAutofit fontScale="100000" lnSpcReduction="0"/>
+            <a:normAutofit/>
           </a:bodyPr>
           <a:lstStyle/>
           <a:p>
             <a:pPr marL="342900" indent="-342900" defTabSz="457200">
-              <a:defRPr b="1" sz="1800"/>
+              <a:defRPr sz="1800" b="1"/>
             </a:pPr>
             <a:r>
               <a:t>CREATE </a:t>
@@ -10323,7 +10427,7 @@
           </a:p>
           <a:p>
             <a:pPr marL="342900" indent="-342900" defTabSz="457200">
-              <a:defRPr b="1" sz="1800"/>
+              <a:defRPr sz="1800" b="1"/>
             </a:pPr>
             <a:r>
               <a:t>RETURN </a:t>
@@ -10336,7 +10440,7 @@
           </a:p>
           <a:p>
             <a:pPr marL="342900" indent="-342900" defTabSz="457200">
-              <a:defRPr i="1" sz="1800"/>
+              <a:defRPr sz="1800" i="1"/>
             </a:pPr>
             <a:r>
               <a:t>(create a node with label ‘Person’ and  ‘name’ property ‘David’)</a:t>
@@ -10366,13 +10470,13 @@
   <p:clrMapOvr>
     <a:masterClrMapping/>
   </p:clrMapOvr>
-  <mc:AlternateContent xmlns:mc="http://schemas.openxmlformats.org/markup-compatibility/2006">
-    <mc:Choice xmlns:p14="http://schemas.microsoft.com/office/powerpoint/2010/main" Requires="p14">
-      <p:transition spd="fast" advClick="1" p14:dur="250">
+  <mc:AlternateContent xmlns:mc="http://schemas.openxmlformats.org/markup-compatibility/2006" xmlns:p14="http://schemas.microsoft.com/office/powerpoint/2010/main">
+    <mc:Choice Requires="p14">
+      <p:transition p14:dur="250">
         <p:dissolve/>
       </p:transition>
     </mc:Choice>
-    <mc:Fallback>
+    <mc:Fallback xmlns="">
       <p:transition spd="fast">
         <p:fade/>
       </p:transition>
@@ -10381,10 +10485,10 @@
   <p:timing>
     <p:tnLst>
       <p:par>
-        <p:cTn id="1" nodeType="tmRoot" restart="never" dur="indefinite" fill="hold">
+        <p:cTn id="1" dur="indefinite" restart="never" fill="hold" nodeType="tmRoot">
           <p:childTnLst>
             <p:seq concurrent="1" prevAc="none" nextAc="seek">
-              <p:cTn id="2" nodeType="mainSeq" dur="indefinite" fill="hold">
+              <p:cTn id="2" dur="indefinite" fill="hold" nodeType="mainSeq">
                 <p:childTnLst>
                   <p:par>
                     <p:cTn id="3" fill="hold">
@@ -10399,11 +10503,11 @@
                             </p:stCondLst>
                             <p:childTnLst>
                               <p:par>
-                                <p:cTn id="5" presetClass="entr" nodeType="clickEffect" presetID="9" grpId="1" fill="hold">
+                                <p:cTn id="5" presetID="9" presetClass="entr" fill="hold" grpId="1" nodeType="clickEffect">
                                   <p:stCondLst>
                                     <p:cond delay="0"/>
                                   </p:stCondLst>
-                                  <p:iterate type="el" backwards="0">
+                                  <p:iterate>
                                     <p:tmAbs val="0"/>
                                   </p:iterate>
                                   <p:childTnLst>
@@ -10421,7 +10525,7 @@
                                         <p:strVal val="visible"/>
                                       </p:to>
                                     </p:set>
-                                    <p:animEffect filter="dissolve" transition="in">
+                                    <p:animEffect transition="in" filter="dissolve">
                                       <p:cBhvr>
                                         <p:cTn id="7" dur="1000"/>
                                         <p:tgtEl>
@@ -10441,14 +10545,14 @@
                 </p:childTnLst>
               </p:cTn>
               <p:prevCondLst>
-                <p:cond evt="onPrev">
+                <p:cond evt="onPrev" delay="0">
                   <p:tgtEl>
                     <p:sldTgt/>
                   </p:tgtEl>
                 </p:cond>
               </p:prevCondLst>
               <p:nextCondLst>
-                <p:cond evt="onNext">
+                <p:cond evt="onNext" delay="0">
                   <p:tgtEl>
                     <p:sldTgt/>
                   </p:tgtEl>
@@ -10460,14 +10564,14 @@
       </p:par>
     </p:tnLst>
     <p:bldLst>
-      <p:bldP build="whole" bldLvl="1" animBg="1" rev="0" advAuto="0" spid="236" grpId="1"/>
+      <p:bldP spid="236" grpId="1" animBg="1" advAuto="0"/>
     </p:bldLst>
   </p:timing>
 </p:sld>
 </file>
 
 <file path=ppt/slides/slide3.xml><?xml version="1.0" encoding="utf-8"?>
-<p:sld xmlns:a="http://schemas.openxmlformats.org/drawingml/2006/main" xmlns:r="http://schemas.openxmlformats.org/officeDocument/2006/relationships" xmlns:p="http://schemas.openxmlformats.org/presentationml/2006/main" showMasterSp="1" showMasterPhAnim="1">
+<p:sld xmlns:a="http://schemas.openxmlformats.org/drawingml/2006/main" xmlns:r="http://schemas.openxmlformats.org/officeDocument/2006/relationships" xmlns:p="http://schemas.openxmlformats.org/presentationml/2006/main">
   <p:cSld>
     <p:spTree>
       <p:nvGrpSpPr>
@@ -10486,7 +10590,9 @@
       <p:sp>
         <p:nvSpPr>
           <p:cNvPr id="135" name="Shape 135"/>
-          <p:cNvSpPr/>
+          <p:cNvSpPr>
+            <a:spLocks noGrp="1"/>
+          </p:cNvSpPr>
           <p:nvPr>
             <p:ph type="title"/>
           </p:nvPr>
@@ -10508,7 +10614,6 @@
             </a:lvl1pPr>
           </a:lstStyle>
           <a:p>
-            <a:pPr/>
             <a:r>
               <a:t>RDBMS recap</a:t>
             </a:r>
@@ -10518,7 +10623,9 @@
       <p:sp>
         <p:nvSpPr>
           <p:cNvPr id="136" name="Shape 136"/>
-          <p:cNvSpPr/>
+          <p:cNvSpPr>
+            <a:spLocks noGrp="1"/>
+          </p:cNvSpPr>
           <p:nvPr>
             <p:ph type="body" idx="1"/>
           </p:nvPr>
@@ -10560,7 +10667,7 @@
             </a:r>
           </a:p>
           <a:p>
-            <a:pPr lvl="1" marL="914400" indent="-381000">
+            <a:pPr marL="914400" lvl="1" indent="-381000">
               <a:spcBef>
                 <a:spcPts val="0"/>
               </a:spcBef>
@@ -10577,7 +10684,7 @@
             </a:r>
           </a:p>
           <a:p>
-            <a:pPr lvl="1" marL="914400" indent="-381000">
+            <a:pPr marL="914400" lvl="1" indent="-381000">
               <a:spcBef>
                 <a:spcPts val="0"/>
               </a:spcBef>
@@ -10589,6 +10696,7 @@
               <a:buChar char="o"/>
               <a:defRPr sz="2400"/>
             </a:pPr>
+            <a:endParaRPr/>
           </a:p>
           <a:p>
             <a:pPr marL="457200" indent="-419100">
@@ -10615,7 +10723,7 @@
             </a:r>
           </a:p>
           <a:p>
-            <a:pPr lvl="1" marL="914400" indent="-381000">
+            <a:pPr marL="914400" lvl="1" indent="-381000">
               <a:spcBef>
                 <a:spcPts val="0"/>
               </a:spcBef>
@@ -10644,7 +10752,7 @@
             <a:endParaRPr sz="2800"/>
           </a:p>
           <a:p>
-            <a:pPr lvl="1" marL="914400" indent="-381000">
+            <a:pPr marL="914400" lvl="1" indent="-381000">
               <a:spcBef>
                 <a:spcPts val="0"/>
               </a:spcBef>
@@ -10677,7 +10785,7 @@
             <a:endParaRPr sz="2800"/>
           </a:p>
           <a:p>
-            <a:pPr lvl="1" marL="914400" indent="-381000">
+            <a:pPr marL="914400" lvl="1" indent="-381000">
               <a:spcBef>
                 <a:spcPts val="0"/>
               </a:spcBef>
@@ -10707,6 +10815,11 @@
                 </a:solidFill>
               </a:rPr>
             </a:br>
+            <a:endParaRPr>
+              <a:solidFill>
+                <a:srgbClr val="990000"/>
+              </a:solidFill>
+            </a:endParaRPr>
           </a:p>
           <a:p>
             <a:pPr marL="457200" indent="-419100">
@@ -10739,13 +10852,13 @@
   <p:clrMapOvr>
     <a:masterClrMapping/>
   </p:clrMapOvr>
-  <mc:AlternateContent xmlns:mc="http://schemas.openxmlformats.org/markup-compatibility/2006">
-    <mc:Choice xmlns:p14="http://schemas.microsoft.com/office/powerpoint/2010/main" Requires="p14">
-      <p:transition spd="fast" advClick="1" p14:dur="250">
+  <mc:AlternateContent xmlns:mc="http://schemas.openxmlformats.org/markup-compatibility/2006" xmlns:p14="http://schemas.microsoft.com/office/powerpoint/2010/main">
+    <mc:Choice Requires="p14">
+      <p:transition p14:dur="250">
         <p:dissolve/>
       </p:transition>
     </mc:Choice>
-    <mc:Fallback>
+    <mc:Fallback xmlns="">
       <p:transition spd="fast">
         <p:fade/>
       </p:transition>
@@ -10755,7 +10868,7 @@
 </file>
 
 <file path=ppt/slides/slide30.xml><?xml version="1.0" encoding="utf-8"?>
-<p:sld xmlns:a="http://schemas.openxmlformats.org/drawingml/2006/main" xmlns:r="http://schemas.openxmlformats.org/officeDocument/2006/relationships" xmlns:p="http://schemas.openxmlformats.org/presentationml/2006/main" showMasterSp="1" showMasterPhAnim="1">
+<p:sld xmlns:a="http://schemas.openxmlformats.org/drawingml/2006/main" xmlns:r="http://schemas.openxmlformats.org/officeDocument/2006/relationships" xmlns:p="http://schemas.openxmlformats.org/presentationml/2006/main">
   <p:cSld>
     <p:spTree>
       <p:nvGrpSpPr>
@@ -10774,7 +10887,9 @@
       <p:sp>
         <p:nvSpPr>
           <p:cNvPr id="238" name="Shape 238"/>
-          <p:cNvSpPr/>
+          <p:cNvSpPr>
+            <a:spLocks noGrp="1"/>
+          </p:cNvSpPr>
           <p:nvPr>
             <p:ph type="title"/>
           </p:nvPr>
@@ -10796,7 +10911,6 @@
             </a:lvl1pPr>
           </a:lstStyle>
           <a:p>
-            <a:pPr/>
             <a:r>
               <a:t>Cypher: Changing Properties</a:t>
             </a:r>
@@ -10806,7 +10920,9 @@
       <p:sp>
         <p:nvSpPr>
           <p:cNvPr id="239" name="Shape 239"/>
-          <p:cNvSpPr/>
+          <p:cNvSpPr>
+            <a:spLocks noGrp="1"/>
+          </p:cNvSpPr>
           <p:nvPr>
             <p:ph type="body" idx="1"/>
           </p:nvPr>
@@ -10836,7 +10952,7 @@
               </a:spcBef>
               <a:buSzTx/>
               <a:buNone/>
-              <a:defRPr b="1" sz="1800"/>
+              <a:defRPr sz="1800" b="1"/>
             </a:pPr>
             <a:r>
               <a:t>MATCH </a:t>
@@ -10845,7 +10961,6 @@
               <a:rPr b="0"/>
               <a:t>(n: Person {name: 'Andres'}) </a:t>
             </a:r>
-            <a:endParaRPr b="0"/>
           </a:p>
           <a:p>
             <a:pPr>
@@ -10854,7 +10969,7 @@
               </a:spcBef>
               <a:buSzTx/>
               <a:buNone/>
-              <a:defRPr b="1" sz="1800"/>
+              <a:defRPr sz="1800" b="1"/>
             </a:pPr>
             <a:r>
               <a:t>SET</a:t>
@@ -10863,7 +10978,6 @@
               <a:rPr b="0"/>
               <a:t> n.surname = 'Taylor' </a:t>
             </a:r>
-            <a:endParaRPr b="0"/>
           </a:p>
           <a:p>
             <a:pPr>
@@ -10872,7 +10986,7 @@
               </a:spcBef>
               <a:buSzTx/>
               <a:buNone/>
-              <a:defRPr b="1" sz="1800"/>
+              <a:defRPr sz="1800" b="1"/>
             </a:pPr>
             <a:r>
               <a:t>RETURN </a:t>
@@ -10881,7 +10995,6 @@
               <a:rPr b="0"/>
               <a:t>n</a:t>
             </a:r>
-            <a:endParaRPr b="0"/>
           </a:p>
           <a:p>
             <a:pPr>
@@ -10890,7 +11003,7 @@
               </a:spcBef>
               <a:buSzTx/>
               <a:buNone/>
-              <a:defRPr i="1" sz="1800"/>
+              <a:defRPr sz="1800" i="1"/>
             </a:pPr>
             <a:r>
               <a:t>(find a node with name ‘Andres’ and set it surname ‘Taylor’)</a:t>
@@ -10970,13 +11083,13 @@
   <p:clrMapOvr>
     <a:masterClrMapping/>
   </p:clrMapOvr>
-  <mc:AlternateContent xmlns:mc="http://schemas.openxmlformats.org/markup-compatibility/2006">
-    <mc:Choice xmlns:p14="http://schemas.microsoft.com/office/powerpoint/2010/main" Requires="p14">
-      <p:transition spd="fast" advClick="1" p14:dur="250">
+  <mc:AlternateContent xmlns:mc="http://schemas.openxmlformats.org/markup-compatibility/2006" xmlns:p14="http://schemas.microsoft.com/office/powerpoint/2010/main">
+    <mc:Choice Requires="p14">
+      <p:transition p14:dur="250">
         <p:dissolve/>
       </p:transition>
     </mc:Choice>
-    <mc:Fallback>
+    <mc:Fallback xmlns="">
       <p:transition spd="fast">
         <p:fade/>
       </p:transition>
@@ -10986,7 +11099,7 @@
 </file>
 
 <file path=ppt/slides/slide31.xml><?xml version="1.0" encoding="utf-8"?>
-<p:sld xmlns:a="http://schemas.openxmlformats.org/drawingml/2006/main" xmlns:r="http://schemas.openxmlformats.org/officeDocument/2006/relationships" xmlns:p="http://schemas.openxmlformats.org/presentationml/2006/main" showMasterSp="1" showMasterPhAnim="1">
+<p:sld xmlns:a="http://schemas.openxmlformats.org/drawingml/2006/main" xmlns:r="http://schemas.openxmlformats.org/officeDocument/2006/relationships" xmlns:p="http://schemas.openxmlformats.org/presentationml/2006/main">
   <p:cSld>
     <p:spTree>
       <p:nvGrpSpPr>
@@ -11005,7 +11118,9 @@
       <p:sp>
         <p:nvSpPr>
           <p:cNvPr id="241" name="Shape 241"/>
-          <p:cNvSpPr/>
+          <p:cNvSpPr>
+            <a:spLocks noGrp="1"/>
+          </p:cNvSpPr>
           <p:nvPr>
             <p:ph type="title"/>
           </p:nvPr>
@@ -11027,7 +11142,6 @@
             </a:lvl1pPr>
           </a:lstStyle>
           <a:p>
-            <a:pPr/>
             <a:r>
               <a:t>Cypher: Delete</a:t>
             </a:r>
@@ -11037,7 +11151,9 @@
       <p:sp>
         <p:nvSpPr>
           <p:cNvPr id="242" name="Shape 242"/>
-          <p:cNvSpPr/>
+          <p:cNvSpPr>
+            <a:spLocks noGrp="1"/>
+          </p:cNvSpPr>
           <p:nvPr>
             <p:ph type="body" sz="half" idx="1"/>
           </p:nvPr>
@@ -11067,7 +11183,7 @@
               </a:spcBef>
               <a:buSzTx/>
               <a:buNone/>
-              <a:defRPr b="1" sz="1800"/>
+              <a:defRPr sz="1800" b="1"/>
             </a:pPr>
             <a:r>
               <a:t>MATCH </a:t>
@@ -11076,7 +11192,6 @@
               <a:rPr b="0"/>
               <a:t>(n: Person {name: 'Andres'}) </a:t>
             </a:r>
-            <a:endParaRPr b="0"/>
           </a:p>
           <a:p>
             <a:pPr>
@@ -11085,7 +11200,7 @@
               </a:spcBef>
               <a:buSzTx/>
               <a:buNone/>
-              <a:defRPr b="1" sz="1800"/>
+              <a:defRPr sz="1800" b="1"/>
             </a:pPr>
             <a:r>
               <a:t>DELETE </a:t>
@@ -11094,7 +11209,6 @@
               <a:rPr b="0"/>
               <a:t>n</a:t>
             </a:r>
-            <a:endParaRPr b="0"/>
           </a:p>
           <a:p>
             <a:pPr>
@@ -11103,7 +11217,7 @@
               </a:spcBef>
               <a:buSzTx/>
               <a:buNone/>
-              <a:defRPr i="1" sz="1800"/>
+              <a:defRPr sz="1800" i="1"/>
             </a:pPr>
             <a:r>
               <a:t>(delete all Persons with name ‘Andres’)	</a:t>
@@ -11174,18 +11288,18 @@
           </a:ln>
           <a:extLst>
             <a:ext uri="{C572A759-6A51-4108-AA02-DFA0A04FC94B}">
-              <ma14:wrappingTextBoxFlag xmlns:ma14="http://schemas.microsoft.com/office/mac/drawingml/2011/main" val="1"/>
+              <ma14:wrappingTextBoxFlag xmlns:ma14="http://schemas.microsoft.com/office/mac/drawingml/2011/main" xmlns="" val="1"/>
             </a:ext>
           </a:extLst>
         </p:spPr>
         <p:txBody>
           <a:bodyPr lIns="91424" tIns="91424" rIns="91424" bIns="91424">
-            <a:normAutofit fontScale="100000" lnSpcReduction="0"/>
+            <a:normAutofit/>
           </a:bodyPr>
           <a:lstStyle/>
           <a:p>
             <a:pPr marL="342900" indent="-342900" defTabSz="457200">
-              <a:defRPr b="1" sz="1800"/>
+              <a:defRPr sz="1800" b="1"/>
             </a:pPr>
             <a:r>
               <a:t>MATCH </a:t>
@@ -11198,7 +11312,7 @@
           </a:p>
           <a:p>
             <a:pPr marL="342900" indent="-342900" defTabSz="457200">
-              <a:defRPr b="1" sz="1800"/>
+              <a:defRPr sz="1800" b="1"/>
             </a:pPr>
             <a:r>
               <a:t>DELETE </a:t>
@@ -11214,7 +11328,7 @@
               <a:lnSpc>
                 <a:spcPct val="115000"/>
               </a:lnSpc>
-              <a:defRPr i="1" sz="1800"/>
+              <a:defRPr sz="1800" i="1"/>
             </a:pPr>
             <a:r>
               <a:t>(first, we must delete all relationships of node with name ‘Andres’)</a:t>
@@ -11261,13 +11375,13 @@
   <p:clrMapOvr>
     <a:masterClrMapping/>
   </p:clrMapOvr>
-  <mc:AlternateContent xmlns:mc="http://schemas.openxmlformats.org/markup-compatibility/2006">
-    <mc:Choice xmlns:p14="http://schemas.microsoft.com/office/powerpoint/2010/main" Requires="p14">
-      <p:transition spd="fast" advClick="1" p14:dur="250">
+  <mc:AlternateContent xmlns:mc="http://schemas.openxmlformats.org/markup-compatibility/2006" xmlns:p14="http://schemas.microsoft.com/office/powerpoint/2010/main">
+    <mc:Choice Requires="p14">
+      <p:transition p14:dur="250">
         <p:dissolve/>
       </p:transition>
     </mc:Choice>
-    <mc:Fallback>
+    <mc:Fallback xmlns="">
       <p:transition spd="fast">
         <p:fade/>
       </p:transition>
@@ -11276,10 +11390,10 @@
   <p:timing>
     <p:tnLst>
       <p:par>
-        <p:cTn id="1" nodeType="tmRoot" restart="never" dur="indefinite" fill="hold">
+        <p:cTn id="1" dur="indefinite" restart="never" fill="hold" nodeType="tmRoot">
           <p:childTnLst>
             <p:seq concurrent="1" prevAc="none" nextAc="seek">
-              <p:cTn id="2" nodeType="mainSeq" dur="indefinite" fill="hold">
+              <p:cTn id="2" dur="indefinite" fill="hold" nodeType="mainSeq">
                 <p:childTnLst>
                   <p:par>
                     <p:cTn id="3" fill="hold">
@@ -11294,11 +11408,11 @@
                             </p:stCondLst>
                             <p:childTnLst>
                               <p:par>
-                                <p:cTn id="5" presetClass="entr" nodeType="clickEffect" presetID="9" grpId="1" fill="hold">
+                                <p:cTn id="5" presetID="9" presetClass="entr" fill="hold" grpId="1" nodeType="clickEffect">
                                   <p:stCondLst>
                                     <p:cond delay="0"/>
                                   </p:stCondLst>
-                                  <p:iterate type="el" backwards="0">
+                                  <p:iterate>
                                     <p:tmAbs val="0"/>
                                   </p:iterate>
                                   <p:childTnLst>
@@ -11316,7 +11430,7 @@
                                         <p:strVal val="visible"/>
                                       </p:to>
                                     </p:set>
-                                    <p:animEffect filter="dissolve" transition="in">
+                                    <p:animEffect transition="in" filter="dissolve">
                                       <p:cBhvr>
                                         <p:cTn id="7" dur="1000"/>
                                         <p:tgtEl>
@@ -11336,14 +11450,14 @@
                 </p:childTnLst>
               </p:cTn>
               <p:prevCondLst>
-                <p:cond evt="onPrev">
+                <p:cond evt="onPrev" delay="0">
                   <p:tgtEl>
                     <p:sldTgt/>
                   </p:tgtEl>
                 </p:cond>
               </p:prevCondLst>
               <p:nextCondLst>
-                <p:cond evt="onNext">
+                <p:cond evt="onNext" delay="0">
                   <p:tgtEl>
                     <p:sldTgt/>
                   </p:tgtEl>
@@ -11355,14 +11469,14 @@
       </p:par>
     </p:tnLst>
     <p:bldLst>
-      <p:bldP build="whole" bldLvl="1" animBg="1" rev="0" advAuto="0" spid="243" grpId="1"/>
+      <p:bldP spid="243" grpId="1" animBg="1" advAuto="0"/>
     </p:bldLst>
   </p:timing>
 </p:sld>
 </file>
 
 <file path=ppt/slides/slide32.xml><?xml version="1.0" encoding="utf-8"?>
-<p:sld xmlns:a="http://schemas.openxmlformats.org/drawingml/2006/main" xmlns:r="http://schemas.openxmlformats.org/officeDocument/2006/relationships" xmlns:p="http://schemas.openxmlformats.org/presentationml/2006/main" showMasterSp="1" showMasterPhAnim="1">
+<p:sld xmlns:a="http://schemas.openxmlformats.org/drawingml/2006/main" xmlns:r="http://schemas.openxmlformats.org/officeDocument/2006/relationships" xmlns:p="http://schemas.openxmlformats.org/presentationml/2006/main">
   <p:cSld>
     <p:spTree>
       <p:nvGrpSpPr>
@@ -11381,7 +11495,9 @@
       <p:sp>
         <p:nvSpPr>
           <p:cNvPr id="245" name="Shape 245"/>
-          <p:cNvSpPr/>
+          <p:cNvSpPr>
+            <a:spLocks noGrp="1"/>
+          </p:cNvSpPr>
           <p:nvPr>
             <p:ph type="title"/>
           </p:nvPr>
@@ -11403,7 +11519,6 @@
             </a:lvl1pPr>
           </a:lstStyle>
           <a:p>
-            <a:pPr/>
             <a:r>
               <a:t>Cypher: Queries</a:t>
             </a:r>
@@ -11413,7 +11528,9 @@
       <p:sp>
         <p:nvSpPr>
           <p:cNvPr id="246" name="Shape 246"/>
-          <p:cNvSpPr/>
+          <p:cNvSpPr>
+            <a:spLocks noGrp="1"/>
+          </p:cNvSpPr>
           <p:nvPr>
             <p:ph type="body" sz="half" idx="1"/>
           </p:nvPr>
@@ -11443,7 +11560,7 @@
               </a:spcBef>
               <a:buSzTx/>
               <a:buNone/>
-              <a:defRPr b="1" sz="1800"/>
+              <a:defRPr sz="1800" b="1"/>
             </a:pPr>
             <a:r>
               <a:t>MATCH (</a:t>
@@ -11452,7 +11569,6 @@
               <a:rPr b="0"/>
               <a:t>user: Person {name: 'Andres'})-[:friend]-&gt;(follower)</a:t>
             </a:r>
-            <a:endParaRPr b="0"/>
           </a:p>
           <a:p>
             <a:pPr>
@@ -11461,7 +11577,7 @@
               </a:spcBef>
               <a:buSzTx/>
               <a:buNone/>
-              <a:defRPr b="1" sz="1800"/>
+              <a:defRPr sz="1800" b="1"/>
             </a:pPr>
             <a:r>
               <a:t>RETURN </a:t>
@@ -11470,7 +11586,6 @@
               <a:rPr b="0"/>
               <a:t>user.name, follower.name</a:t>
             </a:r>
-            <a:endParaRPr b="0"/>
           </a:p>
           <a:p>
             <a:pPr>
@@ -11479,7 +11594,7 @@
               </a:spcBef>
               <a:buSzTx/>
               <a:buNone/>
-              <a:defRPr i="1" sz="1800"/>
+              <a:defRPr sz="1800" i="1"/>
             </a:pPr>
             <a:r>
               <a:t>(find all ‘friends’ of 'Andres')</a:t>
@@ -11508,18 +11623,18 @@
           </a:ln>
           <a:extLst>
             <a:ext uri="{C572A759-6A51-4108-AA02-DFA0A04FC94B}">
-              <ma14:wrappingTextBoxFlag xmlns:ma14="http://schemas.microsoft.com/office/mac/drawingml/2011/main" val="1"/>
+              <ma14:wrappingTextBoxFlag xmlns:ma14="http://schemas.microsoft.com/office/mac/drawingml/2011/main" xmlns="" val="1"/>
             </a:ext>
           </a:extLst>
         </p:spPr>
         <p:txBody>
           <a:bodyPr lIns="91424" tIns="91424" rIns="91424" bIns="91424">
-            <a:normAutofit fontScale="100000" lnSpcReduction="0"/>
+            <a:normAutofit/>
           </a:bodyPr>
           <a:lstStyle/>
           <a:p>
             <a:pPr marL="342900" indent="-342900" defTabSz="457200">
-              <a:defRPr b="1" sz="1800"/>
+              <a:defRPr sz="1800" b="1"/>
             </a:pPr>
             <a:r>
               <a:t>MATCH (</a:t>
@@ -11532,7 +11647,7 @@
           </a:p>
           <a:p>
             <a:pPr marL="342900" indent="-342900" defTabSz="457200">
-              <a:defRPr b="1" sz="1800"/>
+              <a:defRPr sz="1800" b="1"/>
             </a:pPr>
             <a:r>
               <a:t>WHERE</a:t>
@@ -11552,7 +11667,7 @@
           </a:p>
           <a:p>
             <a:pPr marL="342900" indent="-342900" defTabSz="457200">
-              <a:defRPr b="1" sz="1800"/>
+              <a:defRPr sz="1800" b="1"/>
             </a:pPr>
             <a:r>
               <a:t>RETURN </a:t>
@@ -11568,7 +11683,7 @@
               <a:lnSpc>
                 <a:spcPct val="115000"/>
               </a:lnSpc>
-              <a:defRPr i="1" sz="1800"/>
+              <a:defRPr sz="1800" i="1"/>
             </a:pPr>
             <a:r>
               <a:t>(return names of all adult people under 30)</a:t>
@@ -11581,13 +11696,13 @@
   <p:clrMapOvr>
     <a:masterClrMapping/>
   </p:clrMapOvr>
-  <mc:AlternateContent xmlns:mc="http://schemas.openxmlformats.org/markup-compatibility/2006">
-    <mc:Choice xmlns:p14="http://schemas.microsoft.com/office/powerpoint/2010/main" Requires="p14">
-      <p:transition spd="fast" advClick="1" p14:dur="250">
+  <mc:AlternateContent xmlns:mc="http://schemas.openxmlformats.org/markup-compatibility/2006" xmlns:p14="http://schemas.microsoft.com/office/powerpoint/2010/main">
+    <mc:Choice Requires="p14">
+      <p:transition p14:dur="250">
         <p:dissolve/>
       </p:transition>
     </mc:Choice>
-    <mc:Fallback>
+    <mc:Fallback xmlns="">
       <p:transition spd="fast">
         <p:fade/>
       </p:transition>
@@ -11596,10 +11711,10 @@
   <p:timing>
     <p:tnLst>
       <p:par>
-        <p:cTn id="1" nodeType="tmRoot" restart="never" dur="indefinite" fill="hold">
+        <p:cTn id="1" dur="indefinite" restart="never" fill="hold" nodeType="tmRoot">
           <p:childTnLst>
             <p:seq concurrent="1" prevAc="none" nextAc="seek">
-              <p:cTn id="2" nodeType="mainSeq" dur="indefinite" fill="hold">
+              <p:cTn id="2" dur="indefinite" fill="hold" nodeType="mainSeq">
                 <p:childTnLst>
                   <p:par>
                     <p:cTn id="3" fill="hold">
@@ -11614,11 +11729,11 @@
                             </p:stCondLst>
                             <p:childTnLst>
                               <p:par>
-                                <p:cTn id="5" presetClass="entr" nodeType="clickEffect" presetID="9" grpId="1" fill="hold">
+                                <p:cTn id="5" presetID="9" presetClass="entr" fill="hold" grpId="1" nodeType="clickEffect">
                                   <p:stCondLst>
                                     <p:cond delay="0"/>
                                   </p:stCondLst>
-                                  <p:iterate type="el" backwards="0">
+                                  <p:iterate>
                                     <p:tmAbs val="0"/>
                                   </p:iterate>
                                   <p:childTnLst>
@@ -11636,7 +11751,7 @@
                                         <p:strVal val="visible"/>
                                       </p:to>
                                     </p:set>
-                                    <p:animEffect filter="dissolve" transition="in">
+                                    <p:animEffect transition="in" filter="dissolve">
                                       <p:cBhvr>
                                         <p:cTn id="7" dur="1000"/>
                                         <p:tgtEl>
@@ -11656,14 +11771,14 @@
                 </p:childTnLst>
               </p:cTn>
               <p:prevCondLst>
-                <p:cond evt="onPrev">
+                <p:cond evt="onPrev" delay="0">
                   <p:tgtEl>
                     <p:sldTgt/>
                   </p:tgtEl>
                 </p:cond>
               </p:prevCondLst>
               <p:nextCondLst>
-                <p:cond evt="onNext">
+                <p:cond evt="onNext" delay="0">
                   <p:tgtEl>
                     <p:sldTgt/>
                   </p:tgtEl>
@@ -11675,14 +11790,14 @@
       </p:par>
     </p:tnLst>
     <p:bldLst>
-      <p:bldP build="whole" bldLvl="1" animBg="1" rev="0" advAuto="0" spid="246" grpId="1"/>
+      <p:bldP spid="246" grpId="1" animBg="1" advAuto="0"/>
     </p:bldLst>
   </p:timing>
 </p:sld>
 </file>
 
 <file path=ppt/slides/slide33.xml><?xml version="1.0" encoding="utf-8"?>
-<p:sld xmlns:a="http://schemas.openxmlformats.org/drawingml/2006/main" xmlns:r="http://schemas.openxmlformats.org/officeDocument/2006/relationships" xmlns:p="http://schemas.openxmlformats.org/presentationml/2006/main" showMasterSp="1" showMasterPhAnim="1">
+<p:sld xmlns:a="http://schemas.openxmlformats.org/drawingml/2006/main" xmlns:r="http://schemas.openxmlformats.org/officeDocument/2006/relationships" xmlns:p="http://schemas.openxmlformats.org/presentationml/2006/main">
   <p:cSld>
     <p:spTree>
       <p:nvGrpSpPr>
@@ -11701,7 +11816,9 @@
       <p:sp>
         <p:nvSpPr>
           <p:cNvPr id="249" name="Shape 249"/>
-          <p:cNvSpPr/>
+          <p:cNvSpPr>
+            <a:spLocks noGrp="1"/>
+          </p:cNvSpPr>
           <p:nvPr>
             <p:ph type="title"/>
           </p:nvPr>
@@ -11723,7 +11840,6 @@
             </a:lvl1pPr>
           </a:lstStyle>
           <a:p>
-            <a:pPr/>
             <a:r>
               <a:t>Cypher: Queries (2)</a:t>
             </a:r>
@@ -11733,7 +11849,9 @@
       <p:sp>
         <p:nvSpPr>
           <p:cNvPr id="250" name="Shape 250"/>
-          <p:cNvSpPr/>
+          <p:cNvSpPr>
+            <a:spLocks noGrp="1"/>
+          </p:cNvSpPr>
           <p:nvPr>
             <p:ph type="body" sz="half" idx="1"/>
           </p:nvPr>
@@ -11763,7 +11881,7 @@
               </a:spcBef>
               <a:buSzTx/>
               <a:buNone/>
-              <a:defRPr b="1" sz="1800"/>
+              <a:defRPr sz="1800" b="1"/>
             </a:pPr>
             <a:r>
               <a:t>MATCH (</a:t>
@@ -11772,7 +11890,6 @@
               <a:rPr b="0"/>
               <a:t>andres: Person {name: 'Andres'})-[*1..3]-(node)</a:t>
             </a:r>
-            <a:endParaRPr b="0"/>
           </a:p>
           <a:p>
             <a:pPr>
@@ -11781,7 +11898,7 @@
               </a:spcBef>
               <a:buSzTx/>
               <a:buNone/>
-              <a:defRPr b="1" sz="1800"/>
+              <a:defRPr sz="1800" b="1"/>
             </a:pPr>
             <a:r>
               <a:t>RETURN </a:t>
@@ -11790,7 +11907,6 @@
               <a:rPr b="0"/>
               <a:t>andres, node ;</a:t>
             </a:r>
-            <a:endParaRPr b="0"/>
           </a:p>
           <a:p>
             <a:pPr>
@@ -11799,7 +11915,7 @@
               </a:spcBef>
               <a:buSzTx/>
               <a:buNone/>
-              <a:defRPr i="1" sz="1800"/>
+              <a:defRPr sz="1800" i="1"/>
             </a:pPr>
             <a:r>
               <a:t>(find all ‘nodes’ within three hops from ‘Andres’)</a:t>
@@ -11828,18 +11944,18 @@
           </a:ln>
           <a:extLst>
             <a:ext uri="{C572A759-6A51-4108-AA02-DFA0A04FC94B}">
-              <ma14:wrappingTextBoxFlag xmlns:ma14="http://schemas.microsoft.com/office/mac/drawingml/2011/main" val="1"/>
+              <ma14:wrappingTextBoxFlag xmlns:ma14="http://schemas.microsoft.com/office/mac/drawingml/2011/main" xmlns="" val="1"/>
             </a:ext>
           </a:extLst>
         </p:spPr>
         <p:txBody>
           <a:bodyPr lIns="91424" tIns="91424" rIns="91424" bIns="91424">
-            <a:normAutofit fontScale="100000" lnSpcReduction="0"/>
+            <a:normAutofit/>
           </a:bodyPr>
           <a:lstStyle/>
           <a:p>
             <a:pPr marL="342900" indent="-342900" defTabSz="457200">
-              <a:defRPr b="1" sz="1800"/>
+              <a:defRPr sz="1800" b="1"/>
             </a:pPr>
             <a:r>
               <a:t>MATCH </a:t>
@@ -11870,7 +11986,7 @@
           </a:p>
           <a:p>
             <a:pPr marL="342900" indent="-342900" defTabSz="457200">
-              <a:defRPr b="1" sz="1800"/>
+              <a:defRPr sz="1800" b="1"/>
             </a:pPr>
             <a:r>
               <a:t>RETURN </a:t>
@@ -11886,7 +12002,7 @@
               <a:lnSpc>
                 <a:spcPct val="115000"/>
               </a:lnSpc>
-              <a:defRPr i="1" sz="1800"/>
+              <a:defRPr sz="1800" i="1"/>
             </a:pPr>
             <a:r>
               <a:t>(find the shortest connection between ‘Andres’ and ‘David’)</a:t>
@@ -11899,13 +12015,13 @@
   <p:clrMapOvr>
     <a:masterClrMapping/>
   </p:clrMapOvr>
-  <mc:AlternateContent xmlns:mc="http://schemas.openxmlformats.org/markup-compatibility/2006">
-    <mc:Choice xmlns:p14="http://schemas.microsoft.com/office/powerpoint/2010/main" Requires="p14">
-      <p:transition spd="fast" advClick="1" p14:dur="250">
+  <mc:AlternateContent xmlns:mc="http://schemas.openxmlformats.org/markup-compatibility/2006" xmlns:p14="http://schemas.microsoft.com/office/powerpoint/2010/main">
+    <mc:Choice Requires="p14">
+      <p:transition p14:dur="250">
         <p:dissolve/>
       </p:transition>
     </mc:Choice>
-    <mc:Fallback>
+    <mc:Fallback xmlns="">
       <p:transition spd="fast">
         <p:fade/>
       </p:transition>
@@ -11914,10 +12030,10 @@
   <p:timing>
     <p:tnLst>
       <p:par>
-        <p:cTn id="1" nodeType="tmRoot" restart="never" dur="indefinite" fill="hold">
+        <p:cTn id="1" dur="indefinite" restart="never" fill="hold" nodeType="tmRoot">
           <p:childTnLst>
             <p:seq concurrent="1" prevAc="none" nextAc="seek">
-              <p:cTn id="2" nodeType="mainSeq" dur="indefinite" fill="hold">
+              <p:cTn id="2" dur="indefinite" fill="hold" nodeType="mainSeq">
                 <p:childTnLst>
                   <p:par>
                     <p:cTn id="3" fill="hold">
@@ -11932,11 +12048,11 @@
                             </p:stCondLst>
                             <p:childTnLst>
                               <p:par>
-                                <p:cTn id="5" presetClass="entr" nodeType="clickEffect" presetID="9" grpId="1" fill="hold">
+                                <p:cTn id="5" presetID="9" presetClass="entr" fill="hold" grpId="1" nodeType="clickEffect">
                                   <p:stCondLst>
                                     <p:cond delay="0"/>
                                   </p:stCondLst>
-                                  <p:iterate type="el" backwards="0">
+                                  <p:iterate>
                                     <p:tmAbs val="0"/>
                                   </p:iterate>
                                   <p:childTnLst>
@@ -11954,7 +12070,7 @@
                                         <p:strVal val="visible"/>
                                       </p:to>
                                     </p:set>
-                                    <p:animEffect filter="dissolve" transition="in">
+                                    <p:animEffect transition="in" filter="dissolve">
                                       <p:cBhvr>
                                         <p:cTn id="7" dur="1000"/>
                                         <p:tgtEl>
@@ -11974,14 +12090,14 @@
                 </p:childTnLst>
               </p:cTn>
               <p:prevCondLst>
-                <p:cond evt="onPrev">
+                <p:cond evt="onPrev" delay="0">
                   <p:tgtEl>
                     <p:sldTgt/>
                   </p:tgtEl>
                 </p:cond>
               </p:prevCondLst>
               <p:nextCondLst>
-                <p:cond evt="onNext">
+                <p:cond evt="onNext" delay="0">
                   <p:tgtEl>
                     <p:sldTgt/>
                   </p:tgtEl>
@@ -11993,14 +12109,14 @@
       </p:par>
     </p:tnLst>
     <p:bldLst>
-      <p:bldP build="whole" bldLvl="1" animBg="1" rev="0" advAuto="0" spid="251" grpId="1"/>
+      <p:bldP spid="251" grpId="1" animBg="1" advAuto="0"/>
     </p:bldLst>
   </p:timing>
 </p:sld>
 </file>
 
 <file path=ppt/slides/slide34.xml><?xml version="1.0" encoding="utf-8"?>
-<p:sld xmlns:a="http://schemas.openxmlformats.org/drawingml/2006/main" xmlns:r="http://schemas.openxmlformats.org/officeDocument/2006/relationships" xmlns:p="http://schemas.openxmlformats.org/presentationml/2006/main" showMasterSp="1" showMasterPhAnim="1">
+<p:sld xmlns:a="http://schemas.openxmlformats.org/drawingml/2006/main" xmlns:r="http://schemas.openxmlformats.org/officeDocument/2006/relationships" xmlns:p="http://schemas.openxmlformats.org/presentationml/2006/main">
   <p:cSld>
     <p:spTree>
       <p:nvGrpSpPr>
@@ -12019,7 +12135,9 @@
       <p:sp>
         <p:nvSpPr>
           <p:cNvPr id="253" name="Shape 253"/>
-          <p:cNvSpPr/>
+          <p:cNvSpPr>
+            <a:spLocks noGrp="1"/>
+          </p:cNvSpPr>
           <p:nvPr>
             <p:ph type="title"/>
           </p:nvPr>
@@ -12037,11 +12155,10 @@
           <a:bodyPr/>
           <a:lstStyle>
             <a:lvl1pPr>
-              <a:defRPr b="1" sz="1600"/>
+              <a:defRPr sz="1600" b="1"/>
             </a:lvl1pPr>
           </a:lstStyle>
           <a:p>
-            <a:pPr/>
             <a:r>
               <a:t>Guidelines on Data model Transformation (Relational -&gt; graph )</a:t>
             </a:r>
@@ -12051,7 +12168,9 @@
       <p:sp>
         <p:nvSpPr>
           <p:cNvPr id="254" name="Shape 254"/>
-          <p:cNvSpPr/>
+          <p:cNvSpPr>
+            <a:spLocks noGrp="1"/>
+          </p:cNvSpPr>
           <p:nvPr>
             <p:ph type="body" idx="1"/>
           </p:nvPr>
@@ -12138,12 +12257,12 @@
   <p:clrMapOvr>
     <a:masterClrMapping/>
   </p:clrMapOvr>
-  <p:transition xmlns:p14="http://schemas.microsoft.com/office/powerpoint/2010/main" spd="med" advClick="1" p14:dur="1000"/>
+  <p:transition spd="slow"/>
 </p:sld>
 </file>
 
 <file path=ppt/slides/slide35.xml><?xml version="1.0" encoding="utf-8"?>
-<p:sld xmlns:a="http://schemas.openxmlformats.org/drawingml/2006/main" xmlns:r="http://schemas.openxmlformats.org/officeDocument/2006/relationships" xmlns:p="http://schemas.openxmlformats.org/presentationml/2006/main" showMasterSp="1" showMasterPhAnim="1">
+<p:sld xmlns:a="http://schemas.openxmlformats.org/drawingml/2006/main" xmlns:r="http://schemas.openxmlformats.org/officeDocument/2006/relationships" xmlns:p="http://schemas.openxmlformats.org/presentationml/2006/main">
   <p:cSld>
     <p:spTree>
       <p:nvGrpSpPr>
@@ -12162,7 +12281,9 @@
       <p:sp>
         <p:nvSpPr>
           <p:cNvPr id="256" name="Shape 256"/>
-          <p:cNvSpPr/>
+          <p:cNvSpPr>
+            <a:spLocks noGrp="1"/>
+          </p:cNvSpPr>
           <p:nvPr>
             <p:ph type="body" idx="1"/>
           </p:nvPr>
@@ -12183,7 +12304,7 @@
             <a:pPr marL="0" indent="0" algn="ctr">
               <a:buSzTx/>
               <a:buNone/>
-              <a:defRPr b="1" sz="2000"/>
+              <a:defRPr sz="2000" b="1"/>
             </a:pPr>
             <a:r>
               <a:t>Table translation</a:t>
@@ -12195,6 +12316,7 @@
               <a:buNone/>
               <a:defRPr sz="2000"/>
             </a:pPr>
+            <a:endParaRPr/>
           </a:p>
           <a:p>
             <a:pPr>
@@ -12224,22 +12346,24 @@
               <a:rPr u="sng"/>
               <a:t>type</a:t>
             </a:r>
-            <a:endParaRPr u="sng"/>
           </a:p>
           <a:p>
             <a:pPr>
               <a:defRPr sz="2000" u="sng"/>
             </a:pPr>
+            <a:endParaRPr u="sng"/>
           </a:p>
           <a:p>
             <a:pPr>
               <a:defRPr sz="2000" u="sng"/>
             </a:pPr>
+            <a:endParaRPr u="sng"/>
           </a:p>
           <a:p>
             <a:pPr>
               <a:defRPr sz="2000" u="sng"/>
             </a:pPr>
+            <a:endParaRPr u="sng"/>
           </a:p>
           <a:p>
             <a:pPr>
@@ -12289,12 +12413,12 @@
   <p:clrMapOvr>
     <a:masterClrMapping/>
   </p:clrMapOvr>
-  <p:transition xmlns:p14="http://schemas.microsoft.com/office/powerpoint/2010/main" spd="med" advClick="1" p14:dur="1000"/>
+  <p:transition spd="slow"/>
 </p:sld>
 </file>
 
 <file path=ppt/slides/slide36.xml><?xml version="1.0" encoding="utf-8"?>
-<p:sld xmlns:a="http://schemas.openxmlformats.org/drawingml/2006/main" xmlns:r="http://schemas.openxmlformats.org/officeDocument/2006/relationships" xmlns:p="http://schemas.openxmlformats.org/presentationml/2006/main" showMasterSp="1" showMasterPhAnim="1">
+<p:sld xmlns:a="http://schemas.openxmlformats.org/drawingml/2006/main" xmlns:r="http://schemas.openxmlformats.org/officeDocument/2006/relationships" xmlns:p="http://schemas.openxmlformats.org/presentationml/2006/main">
   <p:cSld>
     <p:spTree>
       <p:nvGrpSpPr>
@@ -12313,7 +12437,9 @@
       <p:sp>
         <p:nvSpPr>
           <p:cNvPr id="259" name="Shape 259"/>
-          <p:cNvSpPr/>
+          <p:cNvSpPr>
+            <a:spLocks noGrp="1"/>
+          </p:cNvSpPr>
           <p:nvPr>
             <p:ph type="body" idx="1"/>
           </p:nvPr>
@@ -12334,7 +12460,7 @@
             <a:pPr marL="0" indent="0" algn="ctr">
               <a:buSzTx/>
               <a:buNone/>
-              <a:defRPr b="1" sz="2000"/>
+              <a:defRPr sz="2000" b="1"/>
             </a:pPr>
             <a:r>
               <a:t>Join table translation</a:t>
@@ -12346,6 +12472,7 @@
               <a:buNone/>
               <a:defRPr sz="2000"/>
             </a:pPr>
+            <a:endParaRPr/>
           </a:p>
           <a:p>
             <a:pPr>
@@ -12418,7 +12545,7 @@
               </a:cxnLst>
               <a:rect l="0" t="0" r="r" b="b"/>
               <a:pathLst>
-                <a:path w="21600" h="21600" fill="norm" stroke="1" extrusionOk="0">
+                <a:path w="21600" h="21600" extrusionOk="0">
                   <a:moveTo>
                     <a:pt x="0" y="10800"/>
                   </a:moveTo>
@@ -12446,7 +12573,7 @@
               <a:round/>
             </a:ln>
             <a:effectLst>
-              <a:outerShdw sx="100000" sy="100000" kx="0" ky="0" algn="b" rotWithShape="0" blurRad="38100" dist="23000" dir="5400000">
+              <a:outerShdw blurRad="38100" dist="23000" dir="5400000" rotWithShape="0">
                 <a:srgbClr val="000000">
                   <a:alpha val="35000"/>
                 </a:srgbClr>
@@ -12466,6 +12593,7 @@
                   </a:solidFill>
                 </a:defRPr>
               </a:pPr>
+              <a:endParaRPr/>
             </a:p>
           </p:txBody>
         </p:sp>
@@ -12491,7 +12619,7 @@
             <a:effectLst/>
             <a:extLst>
               <a:ext uri="{C572A759-6A51-4108-AA02-DFA0A04FC94B}">
-                <ma14:wrappingTextBoxFlag xmlns:ma14="http://schemas.microsoft.com/office/mac/drawingml/2011/main" val="1"/>
+                <ma14:wrappingTextBoxFlag xmlns:ma14="http://schemas.microsoft.com/office/mac/drawingml/2011/main" xmlns="" val="1"/>
               </a:ext>
             </a:extLst>
           </p:spPr>
@@ -12503,7 +12631,6 @@
               <a:lvl1pPr algn="ctr"/>
             </a:lstStyle>
             <a:p>
-              <a:pPr/>
               <a:r>
                 <a:t>Works for</a:t>
               </a:r>
@@ -12550,7 +12677,7 @@
               <a:round/>
             </a:ln>
             <a:effectLst>
-              <a:outerShdw sx="100000" sy="100000" kx="0" ky="0" algn="b" rotWithShape="0" blurRad="38100" dist="23000" dir="5400000">
+              <a:outerShdw blurRad="38100" dist="23000" dir="5400000" rotWithShape="0">
                 <a:srgbClr val="000000">
                   <a:alpha val="35000"/>
                 </a:srgbClr>
@@ -12564,6 +12691,7 @@
             <a:lstStyle/>
             <a:p>
               <a:pPr algn="ctr"/>
+              <a:endParaRPr/>
             </a:p>
           </p:txBody>
         </p:sp>
@@ -12589,7 +12717,7 @@
             <a:effectLst/>
             <a:extLst>
               <a:ext uri="{C572A759-6A51-4108-AA02-DFA0A04FC94B}">
-                <ma14:wrappingTextBoxFlag xmlns:ma14="http://schemas.microsoft.com/office/mac/drawingml/2011/main" val="1"/>
+                <ma14:wrappingTextBoxFlag xmlns:ma14="http://schemas.microsoft.com/office/mac/drawingml/2011/main" xmlns="" val="1"/>
               </a:ext>
             </a:extLst>
           </p:spPr>
@@ -12601,7 +12729,6 @@
               <a:lvl1pPr algn="ctr"/>
             </a:lstStyle>
             <a:p>
-              <a:pPr/>
               <a:r>
                 <a:t>Person</a:t>
               </a:r>
@@ -12648,7 +12775,7 @@
               <a:round/>
             </a:ln>
             <a:effectLst>
-              <a:outerShdw sx="100000" sy="100000" kx="0" ky="0" algn="b" rotWithShape="0" blurRad="38100" dist="23000" dir="5400000">
+              <a:outerShdw blurRad="38100" dist="23000" dir="5400000" rotWithShape="0">
                 <a:srgbClr val="000000">
                   <a:alpha val="35000"/>
                 </a:srgbClr>
@@ -12662,6 +12789,7 @@
             <a:lstStyle/>
             <a:p>
               <a:pPr algn="ctr"/>
+              <a:endParaRPr/>
             </a:p>
           </p:txBody>
         </p:sp>
@@ -12687,7 +12815,7 @@
             <a:effectLst/>
             <a:extLst>
               <a:ext uri="{C572A759-6A51-4108-AA02-DFA0A04FC94B}">
-                <ma14:wrappingTextBoxFlag xmlns:ma14="http://schemas.microsoft.com/office/mac/drawingml/2011/main" val="1"/>
+                <ma14:wrappingTextBoxFlag xmlns:ma14="http://schemas.microsoft.com/office/mac/drawingml/2011/main" xmlns="" val="1"/>
               </a:ext>
             </a:extLst>
           </p:spPr>
@@ -12699,7 +12827,6 @@
               <a:lvl1pPr algn="ctr"/>
             </a:lstStyle>
             <a:p>
-              <a:pPr/>
               <a:r>
                 <a:t>Employer</a:t>
               </a:r>
@@ -12738,7 +12865,7 @@
             </a:cxnLst>
             <a:rect l="0" t="0" r="r" b="b"/>
             <a:pathLst>
-              <a:path w="21600" h="21600" fill="norm" stroke="1" extrusionOk="0">
+              <a:path w="21600" h="21600" extrusionOk="0">
                 <a:moveTo>
                   <a:pt x="0" y="0"/>
                 </a:moveTo>
@@ -12756,7 +12883,7 @@
             </a:solidFill>
           </a:ln>
           <a:effectLst>
-            <a:outerShdw sx="100000" sy="100000" kx="0" ky="0" algn="b" rotWithShape="0" blurRad="38100" dist="20000" dir="5400000">
+            <a:outerShdw blurRad="38100" dist="20000" dir="5400000" rotWithShape="0">
               <a:srgbClr val="000000">
                 <a:alpha val="38000"/>
               </a:srgbClr>
@@ -12767,7 +12894,7 @@
           <a:bodyPr/>
           <a:lstStyle/>
           <a:p>
-            <a:pPr/>
+            <a:endParaRPr/>
           </a:p>
         </p:txBody>
       </p:sp>
@@ -12802,7 +12929,7 @@
             </a:cxnLst>
             <a:rect l="0" t="0" r="r" b="b"/>
             <a:pathLst>
-              <a:path w="21600" h="21600" fill="norm" stroke="1" extrusionOk="0">
+              <a:path w="21600" h="21600" extrusionOk="0">
                 <a:moveTo>
                   <a:pt x="0" y="21600"/>
                 </a:moveTo>
@@ -12820,7 +12947,7 @@
             </a:solidFill>
           </a:ln>
           <a:effectLst>
-            <a:outerShdw sx="100000" sy="100000" kx="0" ky="0" algn="b" rotWithShape="0" blurRad="38100" dist="20000" dir="5400000">
+            <a:outerShdw blurRad="38100" dist="20000" dir="5400000" rotWithShape="0">
               <a:srgbClr val="000000">
                 <a:alpha val="38000"/>
               </a:srgbClr>
@@ -12831,7 +12958,7 @@
           <a:bodyPr/>
           <a:lstStyle/>
           <a:p>
-            <a:pPr/>
+            <a:endParaRPr/>
           </a:p>
         </p:txBody>
       </p:sp>
@@ -12854,7 +12981,7 @@
           </a:ln>
           <a:extLst>
             <a:ext uri="{C572A759-6A51-4108-AA02-DFA0A04FC94B}">
-              <ma14:wrappingTextBoxFlag xmlns:ma14="http://schemas.microsoft.com/office/mac/drawingml/2011/main" val="1"/>
+              <ma14:wrappingTextBoxFlag xmlns:ma14="http://schemas.microsoft.com/office/mac/drawingml/2011/main" xmlns="" val="1"/>
             </a:ext>
           </a:extLst>
         </p:spPr>
@@ -12873,7 +13000,6 @@
             </a:lvl1pPr>
           </a:lstStyle>
           <a:p>
-            <a:pPr/>
             <a:r>
               <a:t>*</a:t>
             </a:r>
@@ -12899,7 +13025,7 @@
           </a:ln>
           <a:extLst>
             <a:ext uri="{C572A759-6A51-4108-AA02-DFA0A04FC94B}">
-              <ma14:wrappingTextBoxFlag xmlns:ma14="http://schemas.microsoft.com/office/mac/drawingml/2011/main" val="1"/>
+              <ma14:wrappingTextBoxFlag xmlns:ma14="http://schemas.microsoft.com/office/mac/drawingml/2011/main" xmlns="" val="1"/>
             </a:ext>
           </a:extLst>
         </p:spPr>
@@ -12918,7 +13044,6 @@
             </a:lvl1pPr>
           </a:lstStyle>
           <a:p>
-            <a:pPr/>
             <a:r>
               <a:t>*</a:t>
             </a:r>
@@ -12964,7 +13089,7 @@
               <a:round/>
             </a:ln>
             <a:effectLst>
-              <a:outerShdw sx="100000" sy="100000" kx="0" ky="0" algn="b" rotWithShape="0" blurRad="38100" dist="23000" dir="5400000">
+              <a:outerShdw blurRad="38100" dist="23000" dir="5400000" rotWithShape="0">
                 <a:srgbClr val="000000">
                   <a:alpha val="35000"/>
                 </a:srgbClr>
@@ -12978,6 +13103,7 @@
             <a:lstStyle/>
             <a:p>
               <a:pPr algn="ctr"/>
+              <a:endParaRPr/>
             </a:p>
           </p:txBody>
         </p:sp>
@@ -13003,7 +13129,7 @@
             <a:effectLst/>
             <a:extLst>
               <a:ext uri="{C572A759-6A51-4108-AA02-DFA0A04FC94B}">
-                <ma14:wrappingTextBoxFlag xmlns:ma14="http://schemas.microsoft.com/office/mac/drawingml/2011/main" val="1"/>
+                <ma14:wrappingTextBoxFlag xmlns:ma14="http://schemas.microsoft.com/office/mac/drawingml/2011/main" xmlns="" val="1"/>
               </a:ext>
             </a:extLst>
           </p:spPr>
@@ -13015,7 +13141,6 @@
               <a:lvl1pPr algn="ctr"/>
             </a:lstStyle>
             <a:p>
-              <a:pPr/>
               <a:r>
                 <a:t>Full-time</a:t>
               </a:r>
@@ -13054,7 +13179,7 @@
             </a:cxnLst>
             <a:rect l="0" t="0" r="r" b="b"/>
             <a:pathLst>
-              <a:path w="21600" h="21600" fill="norm" stroke="1" extrusionOk="0">
+              <a:path w="21600" h="21600" extrusionOk="0">
                 <a:moveTo>
                   <a:pt x="0" y="0"/>
                 </a:moveTo>
@@ -13072,7 +13197,7 @@
             </a:solidFill>
           </a:ln>
           <a:effectLst>
-            <a:outerShdw sx="100000" sy="100000" kx="0" ky="0" algn="b" rotWithShape="0" blurRad="38100" dist="20000" dir="5400000">
+            <a:outerShdw blurRad="38100" dist="20000" dir="5400000" rotWithShape="0">
               <a:srgbClr val="000000">
                 <a:alpha val="38000"/>
               </a:srgbClr>
@@ -13083,7 +13208,7 @@
           <a:bodyPr/>
           <a:lstStyle/>
           <a:p>
-            <a:pPr/>
+            <a:endParaRPr/>
           </a:p>
         </p:txBody>
       </p:sp>
@@ -13092,12 +13217,12 @@
   <p:clrMapOvr>
     <a:masterClrMapping/>
   </p:clrMapOvr>
-  <p:transition xmlns:p14="http://schemas.microsoft.com/office/powerpoint/2010/main" spd="med" advClick="1" p14:dur="1000"/>
+  <p:transition spd="slow"/>
 </p:sld>
 </file>
 
 <file path=ppt/slides/slide37.xml><?xml version="1.0" encoding="utf-8"?>
-<p:sld xmlns:a="http://schemas.openxmlformats.org/drawingml/2006/main" xmlns:r="http://schemas.openxmlformats.org/officeDocument/2006/relationships" xmlns:p="http://schemas.openxmlformats.org/presentationml/2006/main" showMasterSp="1" showMasterPhAnim="1">
+<p:sld xmlns:a="http://schemas.openxmlformats.org/drawingml/2006/main" xmlns:r="http://schemas.openxmlformats.org/officeDocument/2006/relationships" xmlns:p="http://schemas.openxmlformats.org/presentationml/2006/main">
   <p:cSld>
     <p:spTree>
       <p:nvGrpSpPr>
@@ -13116,7 +13241,9 @@
       <p:sp>
         <p:nvSpPr>
           <p:cNvPr id="281" name="Shape 281"/>
-          <p:cNvSpPr/>
+          <p:cNvSpPr>
+            <a:spLocks noGrp="1"/>
+          </p:cNvSpPr>
           <p:nvPr>
             <p:ph type="title"/>
           </p:nvPr>
@@ -13131,24 +13258,29 @@
           </a:prstGeom>
         </p:spPr>
         <p:txBody>
-          <a:bodyPr/>
+          <a:bodyPr>
+            <a:normAutofit fontScale="90000"/>
+          </a:bodyPr>
           <a:lstStyle>
             <a:lvl1pPr defTabSz="438911">
               <a:defRPr sz="3743"/>
             </a:lvl1pPr>
           </a:lstStyle>
           <a:p>
-            <a:pPr/>
-            <a:r>
-              <a:t>End</a:t>
-            </a:r>
+            <a:r>
+              <a:rPr lang="it-IT" dirty="0"/>
+              <a:t>ERD implementation in Graph DB</a:t>
+            </a:r>
+            <a:endParaRPr dirty="0"/>
           </a:p>
         </p:txBody>
       </p:sp>
       <p:sp>
         <p:nvSpPr>
           <p:cNvPr id="282" name="Shape 282"/>
-          <p:cNvSpPr/>
+          <p:cNvSpPr>
+            <a:spLocks noGrp="1"/>
+          </p:cNvSpPr>
           <p:nvPr>
             <p:ph type="body" idx="1"/>
           </p:nvPr>
@@ -13163,13 +13295,40 @@
           </a:prstGeom>
         </p:spPr>
         <p:txBody>
-          <a:bodyPr/>
+          <a:bodyPr>
+            <a:normAutofit/>
+          </a:bodyPr>
           <a:lstStyle/>
           <a:p>
-            <a:pPr/>
-            <a:r>
-              <a:t>Questions</a:t>
-            </a:r>
+            <a:r>
+              <a:rPr lang="it-IT" sz="2500" dirty="0"/>
+              <a:t>Each entity in an entity set becomes a node. The attributes become fields of the node.</a:t>
+            </a:r>
+          </a:p>
+          <a:p>
+            <a:r>
+              <a:rPr lang="it-IT" sz="2500" dirty="0"/>
+              <a:t>Each </a:t>
+            </a:r>
+            <a:r>
+              <a:rPr lang="it-IT" sz="2500" u="sng" dirty="0"/>
+              <a:t>binary</a:t>
+            </a:r>
+            <a:r>
+              <a:rPr lang="it-IT" sz="2500" dirty="0"/>
+              <a:t> relationship in a relationship set becomes a link in the graph. Each relationship attribute becomes a field in the link.</a:t>
+            </a:r>
+          </a:p>
+          <a:p>
+            <a:r>
+              <a:rPr lang="it-IT" sz="2500" dirty="0"/>
+              <a:t>Each relationship which is not binary (ternary, quaternary, …) becomes a node in the graph. All the attributes of the relationship are stored in the node. </a:t>
+            </a:r>
+            <a:r>
+              <a:rPr lang="it-IT" sz="2500"/>
+              <a:t>All entities participating in the relationship are linked to this node.</a:t>
+            </a:r>
+            <a:endParaRPr sz="2500" dirty="0"/>
           </a:p>
         </p:txBody>
       </p:sp>
@@ -13178,12 +13337,12 @@
   <p:clrMapOvr>
     <a:masterClrMapping/>
   </p:clrMapOvr>
-  <p:transition xmlns:p14="http://schemas.microsoft.com/office/powerpoint/2010/main" spd="med" advClick="1" p14:dur="1000"/>
+  <p:transition spd="slow"/>
 </p:sld>
 </file>
 
 <file path=ppt/slides/slide4.xml><?xml version="1.0" encoding="utf-8"?>
-<p:sld xmlns:a="http://schemas.openxmlformats.org/drawingml/2006/main" xmlns:r="http://schemas.openxmlformats.org/officeDocument/2006/relationships" xmlns:p="http://schemas.openxmlformats.org/presentationml/2006/main" showMasterSp="1" showMasterPhAnim="1">
+<p:sld xmlns:a="http://schemas.openxmlformats.org/drawingml/2006/main" xmlns:r="http://schemas.openxmlformats.org/officeDocument/2006/relationships" xmlns:p="http://schemas.openxmlformats.org/presentationml/2006/main">
   <p:cSld>
     <p:spTree>
       <p:nvGrpSpPr>
@@ -13202,7 +13361,9 @@
       <p:sp>
         <p:nvSpPr>
           <p:cNvPr id="138" name="Shape 138"/>
-          <p:cNvSpPr/>
+          <p:cNvSpPr>
+            <a:spLocks noGrp="1"/>
+          </p:cNvSpPr>
           <p:nvPr>
             <p:ph type="title"/>
           </p:nvPr>
@@ -13224,7 +13385,6 @@
             </a:lvl1pPr>
           </a:lstStyle>
           <a:p>
-            <a:pPr/>
             <a:r>
               <a:t>Advantages of Relational Databases</a:t>
             </a:r>
@@ -13234,7 +13394,9 @@
       <p:sp>
         <p:nvSpPr>
           <p:cNvPr id="139" name="Shape 139"/>
-          <p:cNvSpPr/>
+          <p:cNvSpPr>
+            <a:spLocks noGrp="1"/>
+          </p:cNvSpPr>
           <p:nvPr>
             <p:ph type="body" idx="1"/>
           </p:nvPr>
@@ -13310,7 +13472,7 @@
             </a:r>
           </a:p>
           <a:p>
-            <a:pPr lvl="1" marL="914400" indent="-381000">
+            <a:pPr marL="914400" lvl="1" indent="-381000">
               <a:spcBef>
                 <a:spcPts val="0"/>
               </a:spcBef>
@@ -13333,7 +13495,7 @@
             <a:endParaRPr sz="2800"/>
           </a:p>
           <a:p>
-            <a:pPr lvl="1" marL="914400" indent="-381000">
+            <a:pPr marL="914400" lvl="1" indent="-381000">
               <a:spcBef>
                 <a:spcPts val="0"/>
               </a:spcBef>
@@ -13363,7 +13525,7 @@
             <a:endParaRPr sz="2800"/>
           </a:p>
           <a:p>
-            <a:pPr lvl="1" marL="914400" indent="-381000">
+            <a:pPr marL="914400" lvl="1" indent="-381000">
               <a:spcBef>
                 <a:spcPts val="0"/>
               </a:spcBef>
@@ -13415,7 +13577,7 @@
             </a:r>
           </a:p>
           <a:p>
-            <a:pPr lvl="1" marL="914400" indent="-381000">
+            <a:pPr marL="914400" lvl="1" indent="-381000">
               <a:spcBef>
                 <a:spcPts val="0"/>
               </a:spcBef>
@@ -13478,7 +13640,7 @@
             </a:r>
           </a:p>
           <a:p>
-            <a:pPr lvl="1" marL="914400" indent="-381000">
+            <a:pPr marL="914400" lvl="1" indent="-381000">
               <a:spcBef>
                 <a:spcPts val="0"/>
               </a:spcBef>
@@ -13506,13 +13668,13 @@
   <p:clrMapOvr>
     <a:masterClrMapping/>
   </p:clrMapOvr>
-  <mc:AlternateContent xmlns:mc="http://schemas.openxmlformats.org/markup-compatibility/2006">
-    <mc:Choice xmlns:p14="http://schemas.microsoft.com/office/powerpoint/2010/main" Requires="p14">
-      <p:transition spd="fast" advClick="1" p14:dur="250">
+  <mc:AlternateContent xmlns:mc="http://schemas.openxmlformats.org/markup-compatibility/2006" xmlns:p14="http://schemas.microsoft.com/office/powerpoint/2010/main">
+    <mc:Choice Requires="p14">
+      <p:transition p14:dur="250">
         <p:dissolve/>
       </p:transition>
     </mc:Choice>
-    <mc:Fallback>
+    <mc:Fallback xmlns="">
       <p:transition spd="fast">
         <p:fade/>
       </p:transition>
@@ -13522,7 +13684,7 @@
 </file>
 
 <file path=ppt/slides/slide5.xml><?xml version="1.0" encoding="utf-8"?>
-<p:sld xmlns:a="http://schemas.openxmlformats.org/drawingml/2006/main" xmlns:r="http://schemas.openxmlformats.org/officeDocument/2006/relationships" xmlns:p="http://schemas.openxmlformats.org/presentationml/2006/main" showMasterSp="1" showMasterPhAnim="1">
+<p:sld xmlns:a="http://schemas.openxmlformats.org/drawingml/2006/main" xmlns:r="http://schemas.openxmlformats.org/officeDocument/2006/relationships" xmlns:p="http://schemas.openxmlformats.org/presentationml/2006/main">
   <p:cSld>
     <p:spTree>
       <p:nvGrpSpPr>
@@ -13541,7 +13703,9 @@
       <p:sp>
         <p:nvSpPr>
           <p:cNvPr id="141" name="Shape 141"/>
-          <p:cNvSpPr/>
+          <p:cNvSpPr>
+            <a:spLocks noGrp="1"/>
+          </p:cNvSpPr>
           <p:nvPr>
             <p:ph type="title"/>
           </p:nvPr>
@@ -13563,7 +13727,6 @@
             </a:lvl1pPr>
           </a:lstStyle>
           <a:p>
-            <a:pPr/>
             <a:r>
               <a:t>NoSQL Databases</a:t>
             </a:r>
@@ -13573,7 +13736,9 @@
       <p:sp>
         <p:nvSpPr>
           <p:cNvPr id="142" name="Shape 142"/>
-          <p:cNvSpPr/>
+          <p:cNvSpPr>
+            <a:spLocks noGrp="1"/>
+          </p:cNvSpPr>
           <p:nvPr>
             <p:ph type="body" sz="half" idx="1"/>
           </p:nvPr>
@@ -13614,14 +13779,9 @@
               </a:rPr>
               <a:t> “NoSQL”?</a:t>
             </a:r>
-            <a:endParaRPr>
-              <a:solidFill>
-                <a:srgbClr val="000000"/>
-              </a:solidFill>
-            </a:endParaRPr>
-          </a:p>
-          <a:p>
-            <a:pPr lvl="1" marL="786384" indent="-327660" defTabSz="393192">
+          </a:p>
+          <a:p>
+            <a:pPr marL="786384" lvl="1" indent="-327660" defTabSz="393192">
               <a:spcBef>
                 <a:spcPts val="0"/>
               </a:spcBef>
@@ -13646,14 +13806,14 @@
                     <a:srgbClr val="0000FF"/>
                   </a:solidFill>
                 </a:uFill>
-                <a:hlinkClick r:id="rId2" invalidUrl="" action="" tgtFrame="" tooltip="" history="1" highlightClick="0" endSnd="0"/>
+                <a:hlinkClick r:id="rId2"/>
               </a:rPr>
               <a:t>http://www.strozzi.it/cgi-bin/CSA/tw7/I/en_US/NoSQL/</a:t>
             </a:r>
             <a:endParaRPr sz="2408"/>
           </a:p>
           <a:p>
-            <a:pPr lvl="1" marL="786384" indent="-327660" defTabSz="393192">
+            <a:pPr marL="786384" lvl="1" indent="-327660" defTabSz="393192">
               <a:spcBef>
                 <a:spcPts val="0"/>
               </a:spcBef>
@@ -13671,7 +13831,7 @@
             <a:endParaRPr sz="2408"/>
           </a:p>
           <a:p>
-            <a:pPr lvl="2" marL="1179576" indent="-294894" defTabSz="393192">
+            <a:pPr marL="1179576" lvl="2" indent="-294894" defTabSz="393192">
               <a:spcBef>
                 <a:spcPts val="0"/>
               </a:spcBef>
@@ -13708,7 +13868,7 @@
           </a:ln>
           <a:extLst>
             <a:ext uri="{C572A759-6A51-4108-AA02-DFA0A04FC94B}">
-              <ma14:wrappingTextBoxFlag xmlns:ma14="http://schemas.microsoft.com/office/mac/drawingml/2011/main" val="1"/>
+              <ma14:wrappingTextBoxFlag xmlns:ma14="http://schemas.microsoft.com/office/mac/drawingml/2011/main" xmlns="" val="1"/>
             </a:ext>
           </a:extLst>
         </p:spPr>
@@ -13726,7 +13886,6 @@
             </a:lvl1pPr>
           </a:lstStyle>
           <a:p>
-            <a:pPr/>
             <a:r>
               <a:t>[Sadalage &amp; Fowler: NoSQL Distilled, 2012]</a:t>
             </a:r>
@@ -13752,13 +13911,13 @@
           </a:ln>
           <a:extLst>
             <a:ext uri="{C572A759-6A51-4108-AA02-DFA0A04FC94B}">
-              <ma14:wrappingTextBoxFlag xmlns:ma14="http://schemas.microsoft.com/office/mac/drawingml/2011/main" val="1"/>
+              <ma14:wrappingTextBoxFlag xmlns:ma14="http://schemas.microsoft.com/office/mac/drawingml/2011/main" xmlns="" val="1"/>
             </a:ext>
           </a:extLst>
         </p:spPr>
         <p:txBody>
           <a:bodyPr lIns="91424" tIns="91424" rIns="91424" bIns="91424">
-            <a:normAutofit fontScale="100000" lnSpcReduction="0"/>
+            <a:normAutofit/>
           </a:bodyPr>
           <a:lstStyle/>
           <a:p>
@@ -13771,7 +13930,7 @@
             <a:endParaRPr sz="3200"/>
           </a:p>
           <a:p>
-            <a:pPr lvl="1" marL="914400" indent="-381000" defTabSz="457200">
+            <a:pPr marL="914400" lvl="1" indent="-381000" defTabSz="457200">
               <a:buClr>
                 <a:srgbClr val="000000"/>
               </a:buClr>
@@ -13814,13 +13973,13 @@
   <p:clrMapOvr>
     <a:masterClrMapping/>
   </p:clrMapOvr>
-  <mc:AlternateContent xmlns:mc="http://schemas.openxmlformats.org/markup-compatibility/2006">
-    <mc:Choice xmlns:p14="http://schemas.microsoft.com/office/powerpoint/2010/main" Requires="p14">
-      <p:transition spd="fast" advClick="1" p14:dur="250">
+  <mc:AlternateContent xmlns:mc="http://schemas.openxmlformats.org/markup-compatibility/2006" xmlns:p14="http://schemas.microsoft.com/office/powerpoint/2010/main">
+    <mc:Choice Requires="p14">
+      <p:transition p14:dur="250">
         <p:dissolve/>
       </p:transition>
     </mc:Choice>
-    <mc:Fallback>
+    <mc:Fallback xmlns="">
       <p:transition spd="fast">
         <p:fade/>
       </p:transition>
@@ -13829,10 +13988,10 @@
   <p:timing>
     <p:tnLst>
       <p:par>
-        <p:cTn id="1" nodeType="tmRoot" restart="never" dur="indefinite" fill="hold">
+        <p:cTn id="1" dur="indefinite" restart="never" fill="hold" nodeType="tmRoot">
           <p:childTnLst>
             <p:seq concurrent="1" prevAc="none" nextAc="seek">
-              <p:cTn id="2" nodeType="mainSeq" dur="indefinite" fill="hold">
+              <p:cTn id="2" dur="indefinite" fill="hold" nodeType="mainSeq">
                 <p:childTnLst>
                   <p:par>
                     <p:cTn id="3" fill="hold">
@@ -13847,11 +14006,11 @@
                             </p:stCondLst>
                             <p:childTnLst>
                               <p:par>
-                                <p:cTn id="5" presetClass="entr" nodeType="clickEffect" presetID="9" grpId="1" fill="hold">
+                                <p:cTn id="5" presetID="9" presetClass="entr" fill="hold" grpId="1" nodeType="clickEffect">
                                   <p:stCondLst>
                                     <p:cond delay="0"/>
                                   </p:stCondLst>
-                                  <p:iterate type="el" backwards="0">
+                                  <p:iterate>
                                     <p:tmAbs val="0"/>
                                   </p:iterate>
                                   <p:childTnLst>
@@ -13869,7 +14028,7 @@
                                         <p:strVal val="visible"/>
                                       </p:to>
                                     </p:set>
-                                    <p:animEffect filter="dissolve" transition="in">
+                                    <p:animEffect transition="in" filter="dissolve">
                                       <p:cBhvr>
                                         <p:cTn id="7" dur="1000"/>
                                         <p:tgtEl>
@@ -13890,11 +14049,11 @@
                             </p:stCondLst>
                             <p:childTnLst>
                               <p:par>
-                                <p:cTn id="9" presetClass="entr" nodeType="afterEffect" presetID="9" grpId="2" fill="hold">
+                                <p:cTn id="9" presetID="9" presetClass="entr" fill="hold" grpId="2" nodeType="afterEffect">
                                   <p:stCondLst>
                                     <p:cond delay="0"/>
                                   </p:stCondLst>
-                                  <p:iterate type="el" backwards="0">
+                                  <p:iterate>
                                     <p:tmAbs val="0"/>
                                   </p:iterate>
                                   <p:childTnLst>
@@ -13912,7 +14071,7 @@
                                         <p:strVal val="visible"/>
                                       </p:to>
                                     </p:set>
-                                    <p:animEffect filter="dissolve" transition="in">
+                                    <p:animEffect transition="in" filter="dissolve">
                                       <p:cBhvr>
                                         <p:cTn id="11" dur="1000"/>
                                         <p:tgtEl>
@@ -13932,14 +14091,14 @@
                 </p:childTnLst>
               </p:cTn>
               <p:prevCondLst>
-                <p:cond evt="onPrev">
+                <p:cond evt="onPrev" delay="0">
                   <p:tgtEl>
                     <p:sldTgt/>
                   </p:tgtEl>
                 </p:cond>
               </p:prevCondLst>
               <p:nextCondLst>
-                <p:cond evt="onNext">
+                <p:cond evt="onNext" delay="0">
                   <p:tgtEl>
                     <p:sldTgt/>
                   </p:tgtEl>
@@ -13951,15 +14110,15 @@
       </p:par>
     </p:tnLst>
     <p:bldLst>
-      <p:bldP build="whole" bldLvl="1" animBg="1" rev="0" advAuto="0" spid="143" grpId="2"/>
-      <p:bldP build="whole" bldLvl="1" animBg="1" rev="0" advAuto="0" spid="144" grpId="1"/>
+      <p:bldP spid="143" grpId="2" animBg="1" advAuto="0"/>
+      <p:bldP spid="144" grpId="1" animBg="1" advAuto="0"/>
     </p:bldLst>
   </p:timing>
 </p:sld>
 </file>
 
 <file path=ppt/slides/slide6.xml><?xml version="1.0" encoding="utf-8"?>
-<p:sld xmlns:a="http://schemas.openxmlformats.org/drawingml/2006/main" xmlns:r="http://schemas.openxmlformats.org/officeDocument/2006/relationships" xmlns:p="http://schemas.openxmlformats.org/presentationml/2006/main" showMasterSp="1" showMasterPhAnim="1">
+<p:sld xmlns:a="http://schemas.openxmlformats.org/drawingml/2006/main" xmlns:r="http://schemas.openxmlformats.org/officeDocument/2006/relationships" xmlns:p="http://schemas.openxmlformats.org/presentationml/2006/main">
   <p:cSld>
     <p:spTree>
       <p:nvGrpSpPr>
@@ -13978,7 +14137,9 @@
       <p:sp>
         <p:nvSpPr>
           <p:cNvPr id="146" name="Shape 146"/>
-          <p:cNvSpPr/>
+          <p:cNvSpPr>
+            <a:spLocks noGrp="1"/>
+          </p:cNvSpPr>
           <p:nvPr>
             <p:ph type="title"/>
           </p:nvPr>
@@ -14000,7 +14161,6 @@
             </a:lvl1pPr>
           </a:lstStyle>
           <a:p>
-            <a:pPr/>
             <a:r>
               <a:t>NoSQL Databases (cont.)</a:t>
             </a:r>
@@ -14010,7 +14170,9 @@
       <p:sp>
         <p:nvSpPr>
           <p:cNvPr id="147" name="Shape 147"/>
-          <p:cNvSpPr/>
+          <p:cNvSpPr>
+            <a:spLocks noGrp="1"/>
+          </p:cNvSpPr>
           <p:nvPr>
             <p:ph type="body" idx="1"/>
           </p:nvPr>
@@ -14041,7 +14203,7 @@
             </a:r>
           </a:p>
           <a:p>
-            <a:pPr lvl="1" marL="886968" indent="-369570" defTabSz="443484">
+            <a:pPr marL="886968" lvl="1" indent="-369570" defTabSz="443484">
               <a:spcBef>
                 <a:spcPts val="0"/>
               </a:spcBef>
@@ -14082,7 +14244,7 @@
             <a:endParaRPr sz="2716"/>
           </a:p>
           <a:p>
-            <a:pPr lvl="1" marL="886968" indent="-369570" defTabSz="443484">
+            <a:pPr marL="886968" lvl="1" indent="-369570" defTabSz="443484">
               <a:spcBef>
                 <a:spcPts val="0"/>
               </a:spcBef>
@@ -14111,7 +14273,7 @@
             <a:endParaRPr sz="2716"/>
           </a:p>
           <a:p>
-            <a:pPr lvl="1" marL="886968" indent="-369570" defTabSz="443484">
+            <a:pPr marL="886968" lvl="1" indent="-369570" defTabSz="443484">
               <a:spcBef>
                 <a:spcPts val="0"/>
               </a:spcBef>
@@ -14141,7 +14303,7 @@
             <a:endParaRPr sz="2716"/>
           </a:p>
           <a:p>
-            <a:pPr lvl="1" marL="886968" indent="-369570" defTabSz="443484">
+            <a:pPr marL="886968" lvl="1" indent="-369570" defTabSz="443484">
               <a:spcBef>
                 <a:spcPts val="0"/>
               </a:spcBef>
@@ -14159,7 +14321,7 @@
             <a:endParaRPr sz="2716"/>
           </a:p>
           <a:p>
-            <a:pPr lvl="1" marL="886968" indent="-369570" defTabSz="443484">
+            <a:pPr marL="886968" lvl="1" indent="-369570" defTabSz="443484">
               <a:spcBef>
                 <a:spcPts val="0"/>
               </a:spcBef>
@@ -14214,13 +14376,13 @@
           </a:ln>
           <a:extLst>
             <a:ext uri="{C572A759-6A51-4108-AA02-DFA0A04FC94B}">
-              <ma14:wrappingTextBoxFlag xmlns:ma14="http://schemas.microsoft.com/office/mac/drawingml/2011/main" val="1"/>
+              <ma14:wrappingTextBoxFlag xmlns:ma14="http://schemas.microsoft.com/office/mac/drawingml/2011/main" xmlns="" val="1"/>
             </a:ext>
           </a:extLst>
         </p:spPr>
         <p:txBody>
           <a:bodyPr lIns="91424" tIns="91424" rIns="91424" bIns="91424">
-            <a:normAutofit fontScale="100000" lnSpcReduction="0"/>
+            <a:normAutofit/>
           </a:bodyPr>
           <a:lstStyle/>
           <a:p>
@@ -14239,7 +14401,7 @@
             <a:endParaRPr sz="3200"/>
           </a:p>
           <a:p>
-            <a:pPr lvl="1" marL="914400" indent="-381000" defTabSz="457200">
+            <a:pPr marL="914400" lvl="1" indent="-381000" defTabSz="457200">
               <a:buClr>
                 <a:srgbClr val="000000"/>
               </a:buClr>
@@ -14265,7 +14427,7 @@
             <a:endParaRPr sz="2800"/>
           </a:p>
           <a:p>
-            <a:pPr lvl="1" marL="914400" indent="-381000" defTabSz="457200">
+            <a:pPr marL="914400" lvl="1" indent="-381000" defTabSz="457200">
               <a:buClr>
                 <a:srgbClr val="000000"/>
               </a:buClr>
@@ -14292,7 +14454,7 @@
             <a:endParaRPr sz="2800"/>
           </a:p>
           <a:p>
-            <a:pPr lvl="1" marL="914400" indent="-381000" defTabSz="457200">
+            <a:pPr marL="914400" lvl="1" indent="-381000" defTabSz="457200">
               <a:buClr>
                 <a:srgbClr val="000000"/>
               </a:buClr>
@@ -14324,13 +14486,13 @@
   <p:clrMapOvr>
     <a:masterClrMapping/>
   </p:clrMapOvr>
-  <mc:AlternateContent xmlns:mc="http://schemas.openxmlformats.org/markup-compatibility/2006">
-    <mc:Choice xmlns:p14="http://schemas.microsoft.com/office/powerpoint/2010/main" Requires="p14">
-      <p:transition spd="fast" advClick="1" p14:dur="250">
+  <mc:AlternateContent xmlns:mc="http://schemas.openxmlformats.org/markup-compatibility/2006" xmlns:p14="http://schemas.microsoft.com/office/powerpoint/2010/main">
+    <mc:Choice Requires="p14">
+      <p:transition p14:dur="250">
         <p:dissolve/>
       </p:transition>
     </mc:Choice>
-    <mc:Fallback>
+    <mc:Fallback xmlns="">
       <p:transition spd="fast">
         <p:fade/>
       </p:transition>
@@ -14339,10 +14501,10 @@
   <p:timing>
     <p:tnLst>
       <p:par>
-        <p:cTn id="1" nodeType="tmRoot" restart="never" dur="indefinite" fill="hold">
+        <p:cTn id="1" dur="indefinite" restart="never" fill="hold" nodeType="tmRoot">
           <p:childTnLst>
             <p:seq concurrent="1" prevAc="none" nextAc="seek">
-              <p:cTn id="2" nodeType="mainSeq" dur="indefinite" fill="hold">
+              <p:cTn id="2" dur="indefinite" fill="hold" nodeType="mainSeq">
                 <p:childTnLst>
                   <p:par>
                     <p:cTn id="3" fill="hold">
@@ -14357,11 +14519,11 @@
                             </p:stCondLst>
                             <p:childTnLst>
                               <p:par>
-                                <p:cTn id="5" presetClass="entr" nodeType="clickEffect" presetID="9" grpId="1" fill="hold">
+                                <p:cTn id="5" presetID="9" presetClass="entr" fill="hold" grpId="1" nodeType="clickEffect">
                                   <p:stCondLst>
                                     <p:cond delay="0"/>
                                   </p:stCondLst>
-                                  <p:iterate type="el" backwards="0">
+                                  <p:iterate>
                                     <p:tmAbs val="0"/>
                                   </p:iterate>
                                   <p:childTnLst>
@@ -14379,7 +14541,7 @@
                                         <p:strVal val="visible"/>
                                       </p:to>
                                     </p:set>
-                                    <p:animEffect filter="dissolve" transition="in">
+                                    <p:animEffect transition="in" filter="dissolve">
                                       <p:cBhvr>
                                         <p:cTn id="7" dur="1000"/>
                                         <p:tgtEl>
@@ -14399,14 +14561,14 @@
                 </p:childTnLst>
               </p:cTn>
               <p:prevCondLst>
-                <p:cond evt="onPrev">
+                <p:cond evt="onPrev" delay="0">
                   <p:tgtEl>
                     <p:sldTgt/>
                   </p:tgtEl>
                 </p:cond>
               </p:prevCondLst>
               <p:nextCondLst>
-                <p:cond evt="onNext">
+                <p:cond evt="onNext" delay="0">
                   <p:tgtEl>
                     <p:sldTgt/>
                   </p:tgtEl>
@@ -14418,14 +14580,14 @@
       </p:par>
     </p:tnLst>
     <p:bldLst>
-      <p:bldP build="whole" bldLvl="1" animBg="1" rev="0" advAuto="0" spid="148" grpId="1"/>
+      <p:bldP spid="148" grpId="1" animBg="1" advAuto="0"/>
     </p:bldLst>
   </p:timing>
 </p:sld>
 </file>
 
 <file path=ppt/slides/slide7.xml><?xml version="1.0" encoding="utf-8"?>
-<p:sld xmlns:a="http://schemas.openxmlformats.org/drawingml/2006/main" xmlns:r="http://schemas.openxmlformats.org/officeDocument/2006/relationships" xmlns:p="http://schemas.openxmlformats.org/presentationml/2006/main" showMasterSp="1" showMasterPhAnim="1">
+<p:sld xmlns:a="http://schemas.openxmlformats.org/drawingml/2006/main" xmlns:r="http://schemas.openxmlformats.org/officeDocument/2006/relationships" xmlns:p="http://schemas.openxmlformats.org/presentationml/2006/main">
   <p:cSld>
     <p:spTree>
       <p:nvGrpSpPr>
@@ -14444,7 +14606,9 @@
       <p:sp>
         <p:nvSpPr>
           <p:cNvPr id="150" name="Shape 150"/>
-          <p:cNvSpPr/>
+          <p:cNvSpPr>
+            <a:spLocks noGrp="1"/>
+          </p:cNvSpPr>
           <p:nvPr>
             <p:ph type="title"/>
           </p:nvPr>
@@ -14469,7 +14633,6 @@
             </a:lvl1pPr>
           </a:lstStyle>
           <a:p>
-            <a:pPr/>
             <a:r>
               <a:t>Four Basic Types of NoSQL Databases</a:t>
             </a:r>
@@ -14479,7 +14642,9 @@
       <p:sp>
         <p:nvSpPr>
           <p:cNvPr id="151" name="Shape 151"/>
-          <p:cNvSpPr/>
+          <p:cNvSpPr>
+            <a:spLocks noGrp="1"/>
+          </p:cNvSpPr>
           <p:nvPr>
             <p:ph type="body" idx="1"/>
           </p:nvPr>
@@ -14520,111 +14685,96 @@
               </a:rPr>
               <a:t> stores</a:t>
             </a:r>
+          </a:p>
+          <a:p>
+            <a:pPr marL="457200" indent="-419100">
+              <a:spcBef>
+                <a:spcPts val="0"/>
+              </a:spcBef>
+              <a:buFont typeface="Arial"/>
+              <a:buChar char="●"/>
+              <a:defRPr sz="2400">
+                <a:solidFill>
+                  <a:srgbClr val="990000"/>
+                </a:solidFill>
+              </a:defRPr>
+            </a:pPr>
+            <a:r>
+              <a:t>Document</a:t>
+            </a:r>
+            <a:r>
+              <a:rPr>
+                <a:solidFill>
+                  <a:srgbClr val="000000"/>
+                </a:solidFill>
+              </a:rPr>
+              <a:t> databases</a:t>
+            </a:r>
+          </a:p>
+          <a:p>
+            <a:pPr marL="457200" indent="-419100">
+              <a:spcBef>
+                <a:spcPts val="0"/>
+              </a:spcBef>
+              <a:buFont typeface="Arial"/>
+              <a:buChar char="●"/>
+              <a:defRPr sz="2400">
+                <a:solidFill>
+                  <a:srgbClr val="990000"/>
+                </a:solidFill>
+              </a:defRPr>
+            </a:pPr>
+            <a:r>
+              <a:t>Column-family</a:t>
+            </a:r>
+            <a:r>
+              <a:rPr>
+                <a:solidFill>
+                  <a:srgbClr val="000000"/>
+                </a:solidFill>
+              </a:rPr>
+              <a:t> stores</a:t>
+            </a:r>
+          </a:p>
+          <a:p>
+            <a:pPr marL="457200" indent="-419100">
+              <a:spcBef>
+                <a:spcPts val="0"/>
+              </a:spcBef>
+              <a:buFont typeface="Arial"/>
+              <a:buChar char="●"/>
+              <a:defRPr sz="2400">
+                <a:solidFill>
+                  <a:srgbClr val="990000"/>
+                </a:solidFill>
+              </a:defRPr>
+            </a:pPr>
+            <a:r>
+              <a:t>Graph</a:t>
+            </a:r>
+            <a:r>
+              <a:rPr>
+                <a:solidFill>
+                  <a:srgbClr val="000000"/>
+                </a:solidFill>
+              </a:rPr>
+              <a:t> databases</a:t>
+            </a:r>
+          </a:p>
+          <a:p>
+            <a:pPr>
+              <a:spcBef>
+                <a:spcPts val="0"/>
+              </a:spcBef>
+              <a:buSzTx/>
+              <a:buNone/>
+              <a:defRPr sz="2400"/>
+            </a:pPr>
             <a:endParaRPr>
               <a:solidFill>
                 <a:srgbClr val="000000"/>
               </a:solidFill>
             </a:endParaRPr>
-          </a:p>
-          <a:p>
-            <a:pPr marL="457200" indent="-419100">
-              <a:spcBef>
-                <a:spcPts val="0"/>
-              </a:spcBef>
-              <a:buFont typeface="Arial"/>
-              <a:buChar char="●"/>
-              <a:defRPr sz="2400">
-                <a:solidFill>
-                  <a:srgbClr val="990000"/>
-                </a:solidFill>
-              </a:defRPr>
-            </a:pPr>
-            <a:r>
-              <a:t>Document</a:t>
-            </a:r>
-            <a:r>
-              <a:rPr>
-                <a:solidFill>
-                  <a:srgbClr val="000000"/>
-                </a:solidFill>
-              </a:rPr>
-              <a:t> databases</a:t>
-            </a:r>
-            <a:endParaRPr>
-              <a:solidFill>
-                <a:srgbClr val="000000"/>
-              </a:solidFill>
-            </a:endParaRPr>
-          </a:p>
-          <a:p>
-            <a:pPr marL="457200" indent="-419100">
-              <a:spcBef>
-                <a:spcPts val="0"/>
-              </a:spcBef>
-              <a:buFont typeface="Arial"/>
-              <a:buChar char="●"/>
-              <a:defRPr sz="2400">
-                <a:solidFill>
-                  <a:srgbClr val="990000"/>
-                </a:solidFill>
-              </a:defRPr>
-            </a:pPr>
-            <a:r>
-              <a:t>Column-family</a:t>
-            </a:r>
-            <a:r>
-              <a:rPr>
-                <a:solidFill>
-                  <a:srgbClr val="000000"/>
-                </a:solidFill>
-              </a:rPr>
-              <a:t> stores</a:t>
-            </a:r>
-            <a:endParaRPr>
-              <a:solidFill>
-                <a:srgbClr val="000000"/>
-              </a:solidFill>
-            </a:endParaRPr>
-          </a:p>
-          <a:p>
-            <a:pPr marL="457200" indent="-419100">
-              <a:spcBef>
-                <a:spcPts val="0"/>
-              </a:spcBef>
-              <a:buFont typeface="Arial"/>
-              <a:buChar char="●"/>
-              <a:defRPr sz="2400">
-                <a:solidFill>
-                  <a:srgbClr val="990000"/>
-                </a:solidFill>
-              </a:defRPr>
-            </a:pPr>
-            <a:r>
-              <a:t>Graph</a:t>
-            </a:r>
-            <a:r>
-              <a:rPr>
-                <a:solidFill>
-                  <a:srgbClr val="000000"/>
-                </a:solidFill>
-              </a:rPr>
-              <a:t> databases</a:t>
-            </a:r>
-            <a:endParaRPr>
-              <a:solidFill>
-                <a:srgbClr val="000000"/>
-              </a:solidFill>
-            </a:endParaRPr>
-          </a:p>
-          <a:p>
-            <a:pPr>
-              <a:spcBef>
-                <a:spcPts val="0"/>
-              </a:spcBef>
-              <a:buSzTx/>
-              <a:buNone/>
-              <a:defRPr sz="2400"/>
-            </a:pPr>
           </a:p>
           <a:p>
             <a:pPr>
@@ -14646,13 +14796,13 @@
   <p:clrMapOvr>
     <a:masterClrMapping/>
   </p:clrMapOvr>
-  <mc:AlternateContent xmlns:mc="http://schemas.openxmlformats.org/markup-compatibility/2006">
-    <mc:Choice xmlns:p14="http://schemas.microsoft.com/office/powerpoint/2010/main" Requires="p14">
-      <p:transition spd="fast" advClick="1" p14:dur="250">
+  <mc:AlternateContent xmlns:mc="http://schemas.openxmlformats.org/markup-compatibility/2006" xmlns:p14="http://schemas.microsoft.com/office/powerpoint/2010/main">
+    <mc:Choice Requires="p14">
+      <p:transition p14:dur="250">
         <p:dissolve/>
       </p:transition>
     </mc:Choice>
-    <mc:Fallback>
+    <mc:Fallback xmlns="">
       <p:transition spd="fast">
         <p:fade/>
       </p:transition>
@@ -14662,7 +14812,7 @@
 </file>
 
 <file path=ppt/slides/slide8.xml><?xml version="1.0" encoding="utf-8"?>
-<p:sld xmlns:a="http://schemas.openxmlformats.org/drawingml/2006/main" xmlns:r="http://schemas.openxmlformats.org/officeDocument/2006/relationships" xmlns:p="http://schemas.openxmlformats.org/presentationml/2006/main" showMasterSp="1" showMasterPhAnim="1">
+<p:sld xmlns:a="http://schemas.openxmlformats.org/drawingml/2006/main" xmlns:r="http://schemas.openxmlformats.org/officeDocument/2006/relationships" xmlns:p="http://schemas.openxmlformats.org/presentationml/2006/main">
   <p:cSld>
     <p:spTree>
       <p:nvGrpSpPr>
@@ -14681,7 +14831,9 @@
       <p:sp>
         <p:nvSpPr>
           <p:cNvPr id="153" name="Shape 153"/>
-          <p:cNvSpPr/>
+          <p:cNvSpPr>
+            <a:spLocks noGrp="1"/>
+          </p:cNvSpPr>
           <p:nvPr>
             <p:ph type="title"/>
           </p:nvPr>
@@ -14703,7 +14855,6 @@
             </a:lvl1pPr>
           </a:lstStyle>
           <a:p>
-            <a:pPr/>
             <a:r>
               <a:t>Graph Databases: Example</a:t>
             </a:r>
@@ -14758,7 +14909,7 @@
           </a:ln>
           <a:extLst>
             <a:ext uri="{C572A759-6A51-4108-AA02-DFA0A04FC94B}">
-              <ma14:wrappingTextBoxFlag xmlns:ma14="http://schemas.microsoft.com/office/mac/drawingml/2011/main" val="1"/>
+              <ma14:wrappingTextBoxFlag xmlns:ma14="http://schemas.microsoft.com/office/mac/drawingml/2011/main" xmlns="" val="1"/>
             </a:ext>
           </a:extLst>
         </p:spPr>
@@ -14780,7 +14931,6 @@
             </a:lvl1pPr>
           </a:lstStyle>
           <a:p>
-            <a:pPr/>
             <a:r>
               <a:t>source: Sadalage &amp; Fowler: NoSQL Distilled, 2012</a:t>
             </a:r>
@@ -14792,13 +14942,13 @@
   <p:clrMapOvr>
     <a:masterClrMapping/>
   </p:clrMapOvr>
-  <mc:AlternateContent xmlns:mc="http://schemas.openxmlformats.org/markup-compatibility/2006">
-    <mc:Choice xmlns:p14="http://schemas.microsoft.com/office/powerpoint/2010/main" Requires="p14">
-      <p:transition spd="fast" advClick="1" p14:dur="250">
+  <mc:AlternateContent xmlns:mc="http://schemas.openxmlformats.org/markup-compatibility/2006" xmlns:p14="http://schemas.microsoft.com/office/powerpoint/2010/main">
+    <mc:Choice Requires="p14">
+      <p:transition p14:dur="250">
         <p:dissolve/>
       </p:transition>
     </mc:Choice>
-    <mc:Fallback>
+    <mc:Fallback xmlns="">
       <p:transition spd="fast">
         <p:fade/>
       </p:transition>
@@ -14808,7 +14958,7 @@
 </file>
 
 <file path=ppt/slides/slide9.xml><?xml version="1.0" encoding="utf-8"?>
-<p:sld xmlns:a="http://schemas.openxmlformats.org/drawingml/2006/main" xmlns:r="http://schemas.openxmlformats.org/officeDocument/2006/relationships" xmlns:p="http://schemas.openxmlformats.org/presentationml/2006/main" showMasterSp="1" showMasterPhAnim="1">
+<p:sld xmlns:a="http://schemas.openxmlformats.org/drawingml/2006/main" xmlns:r="http://schemas.openxmlformats.org/officeDocument/2006/relationships" xmlns:p="http://schemas.openxmlformats.org/presentationml/2006/main">
   <p:cSld>
     <p:spTree>
       <p:nvGrpSpPr>
@@ -14827,7 +14977,9 @@
       <p:sp>
         <p:nvSpPr>
           <p:cNvPr id="157" name="Shape 157"/>
-          <p:cNvSpPr/>
+          <p:cNvSpPr>
+            <a:spLocks noGrp="1"/>
+          </p:cNvSpPr>
           <p:nvPr>
             <p:ph type="title"/>
           </p:nvPr>
@@ -14849,7 +15001,6 @@
             </a:lvl1pPr>
           </a:lstStyle>
           <a:p>
-            <a:pPr/>
             <a:r>
               <a:t>Graph Databases: Mission</a:t>
             </a:r>
@@ -14859,7 +15010,9 @@
       <p:sp>
         <p:nvSpPr>
           <p:cNvPr id="158" name="Shape 158"/>
-          <p:cNvSpPr/>
+          <p:cNvSpPr>
+            <a:spLocks noGrp="1"/>
+          </p:cNvSpPr>
           <p:nvPr>
             <p:ph type="body" idx="1"/>
           </p:nvPr>
@@ -14909,7 +15062,7 @@
             </a:r>
           </a:p>
           <a:p>
-            <a:pPr lvl="1" marL="914400" indent="-381000">
+            <a:pPr marL="914400" lvl="1" indent="-381000">
               <a:spcBef>
                 <a:spcPts val="600"/>
               </a:spcBef>
@@ -14939,7 +15092,7 @@
             <a:endParaRPr sz="2800"/>
           </a:p>
           <a:p>
-            <a:pPr lvl="1" marL="914400" indent="-381000">
+            <a:pPr marL="914400" lvl="1" indent="-381000">
               <a:spcBef>
                 <a:spcPts val="600"/>
               </a:spcBef>
@@ -14968,7 +15121,7 @@
             <a:endParaRPr sz="2800"/>
           </a:p>
           <a:p>
-            <a:pPr lvl="1" marL="914400" indent="-381000">
+            <a:pPr marL="914400" lvl="1" indent="-381000">
               <a:spcBef>
                 <a:spcPts val="600"/>
               </a:spcBef>
@@ -15009,7 +15162,7 @@
             <a:endParaRPr sz="2800"/>
           </a:p>
           <a:p>
-            <a:pPr lvl="1" marL="914400" indent="-381000">
+            <a:pPr marL="914400" lvl="1" indent="-381000">
               <a:spcBef>
                 <a:spcPts val="600"/>
               </a:spcBef>
@@ -15036,6 +15189,7 @@
               <a:t> e.g., likes, friend, …</a:t>
             </a:r>
             <a:br/>
+            <a:endParaRPr/>
           </a:p>
           <a:p>
             <a:pPr marL="457200" indent="-419100">
@@ -15054,14 +15208,9 @@
               </a:rPr>
               <a:t>relationships</a:t>
             </a:r>
-            <a:endParaRPr>
-              <a:solidFill>
-                <a:srgbClr val="990000"/>
-              </a:solidFill>
-            </a:endParaRPr>
-          </a:p>
-          <a:p>
-            <a:pPr lvl="1" marL="914400" indent="-381000">
+          </a:p>
+          <a:p>
+            <a:pPr marL="914400" lvl="1" indent="-381000">
               <a:spcBef>
                 <a:spcPts val="600"/>
               </a:spcBef>
@@ -15098,7 +15247,7 @@
             <a:endParaRPr sz="2800"/>
           </a:p>
           <a:p>
-            <a:pPr lvl="1" marL="914400" indent="-381000">
+            <a:pPr marL="914400" lvl="1" indent="-381000">
               <a:spcBef>
                 <a:spcPts val="600"/>
               </a:spcBef>
@@ -15108,7 +15257,7 @@
               <a:buSzPct val="80000"/>
               <a:buFont typeface="Courier New"/>
               <a:buChar char="o"/>
-              <a:defRPr b="1" sz="2400"/>
+              <a:defRPr sz="2400" b="1"/>
             </a:pPr>
             <a:r>
               <a:t>example:</a:t>
@@ -15125,13 +15274,13 @@
   <p:clrMapOvr>
     <a:masterClrMapping/>
   </p:clrMapOvr>
-  <mc:AlternateContent xmlns:mc="http://schemas.openxmlformats.org/markup-compatibility/2006">
-    <mc:Choice xmlns:p14="http://schemas.microsoft.com/office/powerpoint/2010/main" Requires="p14">
-      <p:transition spd="fast" advClick="1" p14:dur="250">
+  <mc:AlternateContent xmlns:mc="http://schemas.openxmlformats.org/markup-compatibility/2006" xmlns:p14="http://schemas.microsoft.com/office/powerpoint/2010/main">
+    <mc:Choice Requires="p14">
+      <p:transition p14:dur="250">
         <p:dissolve/>
       </p:transition>
     </mc:Choice>
-    <mc:Fallback>
+    <mc:Fallback xmlns="">
       <p:transition spd="fast">
         <p:fade/>
       </p:transition>
@@ -15141,7 +15290,7 @@
 </file>
 
 <file path=ppt/theme/theme1.xml><?xml version="1.0" encoding="utf-8"?>
-<a:theme xmlns:a="http://schemas.openxmlformats.org/drawingml/2006/main" xmlns:r="http://schemas.openxmlformats.org/officeDocument/2006/relationships" name="Office Theme">
+<a:theme xmlns:a="http://schemas.openxmlformats.org/drawingml/2006/main" name="Office Theme">
   <a:themeElements>
     <a:clrScheme name="Office Theme">
       <a:dk1>
@@ -15267,7 +15416,7 @@
       <a:effectStyleLst>
         <a:effectStyle>
           <a:effectLst>
-            <a:outerShdw sx="100000" sy="100000" kx="0" ky="0" algn="b" rotWithShape="0" blurRad="38100" dist="23000" dir="5400000">
+            <a:outerShdw blurRad="38100" dist="23000" dir="5400000" rotWithShape="0">
               <a:srgbClr val="000000">
                 <a:alpha val="35000"/>
               </a:srgbClr>
@@ -15276,7 +15425,7 @@
         </a:effectStyle>
         <a:effectStyle>
           <a:effectLst>
-            <a:outerShdw sx="100000" sy="100000" kx="0" ky="0" algn="b" rotWithShape="0" blurRad="38100" dist="23000" dir="5400000">
+            <a:outerShdw blurRad="38100" dist="23000" dir="5400000" rotWithShape="0">
               <a:srgbClr val="000000">
                 <a:alpha val="35000"/>
               </a:srgbClr>
@@ -15285,7 +15434,7 @@
         </a:effectStyle>
         <a:effectStyle>
           <a:effectLst>
-            <a:outerShdw sx="100000" sy="100000" kx="0" ky="0" algn="b" rotWithShape="0" blurRad="38100" dist="20000" dir="5400000">
+            <a:outerShdw blurRad="38100" dist="20000" dir="5400000" rotWithShape="0">
               <a:srgbClr val="000000">
                 <a:alpha val="38000"/>
               </a:srgbClr>
@@ -15359,7 +15508,7 @@
           <a:round/>
         </a:ln>
         <a:effectLst>
-          <a:outerShdw sx="100000" sy="100000" kx="0" ky="0" algn="b" rotWithShape="0" blurRad="38100" dist="23000" dir="5400000">
+          <a:outerShdw blurRad="38100" dist="23000" dir="5400000" rotWithShape="0">
             <a:srgbClr val="000000">
               <a:alpha val="35000"/>
             </a:srgbClr>
@@ -15367,7 +15516,7 @@
         </a:effectLst>
         <a:sp3d/>
       </a:spPr>
-      <a:bodyPr rot="0" spcFirstLastPara="1" vertOverflow="overflow" horzOverflow="overflow" vert="horz" wrap="square" lIns="45719" tIns="45719" rIns="45719" bIns="45719" numCol="1" spcCol="38100" rtlCol="0" anchor="ctr" upright="0">
+      <a:bodyPr rot="0" spcFirstLastPara="1" vertOverflow="overflow" horzOverflow="overflow" vert="horz" wrap="square" lIns="45719" tIns="45719" rIns="45719" bIns="45719" numCol="1" spcCol="38100" rtlCol="0" anchor="ctr">
         <a:spAutoFit/>
       </a:bodyPr>
       <a:lstStyle>
@@ -15386,7 +15535,7 @@
           <a:buFontTx/>
           <a:buNone/>
           <a:tabLst/>
-          <a:defRPr b="0" baseline="0" cap="none" i="0" spc="0" strike="noStrike" sz="1400" u="none" kumimoji="0" normalizeH="0">
+          <a:defRPr kumimoji="0" sz="1400" b="0" i="0" u="none" strike="noStrike" cap="none" spc="0" normalizeH="0" baseline="0">
             <a:ln>
               <a:noFill/>
             </a:ln>
@@ -15416,7 +15565,7 @@
           <a:buFontTx/>
           <a:buNone/>
           <a:tabLst/>
-          <a:defRPr b="0" baseline="0" cap="none" i="0" spc="0" strike="noStrike" sz="1800" u="none" kumimoji="0" normalizeH="0">
+          <a:defRPr kumimoji="0" sz="1800" b="0" i="0" u="none" strike="noStrike" cap="none" spc="0" normalizeH="0" baseline="0">
             <a:ln>
               <a:noFill/>
             </a:ln>
@@ -15442,7 +15591,7 @@
           <a:buFontTx/>
           <a:buNone/>
           <a:tabLst/>
-          <a:defRPr b="0" baseline="0" cap="none" i="0" spc="0" strike="noStrike" sz="1800" u="none" kumimoji="0" normalizeH="0">
+          <a:defRPr kumimoji="0" sz="1800" b="0" i="0" u="none" strike="noStrike" cap="none" spc="0" normalizeH="0" baseline="0">
             <a:ln>
               <a:noFill/>
             </a:ln>
@@ -15468,7 +15617,7 @@
           <a:buFontTx/>
           <a:buNone/>
           <a:tabLst/>
-          <a:defRPr b="0" baseline="0" cap="none" i="0" spc="0" strike="noStrike" sz="1800" u="none" kumimoji="0" normalizeH="0">
+          <a:defRPr kumimoji="0" sz="1800" b="0" i="0" u="none" strike="noStrike" cap="none" spc="0" normalizeH="0" baseline="0">
             <a:ln>
               <a:noFill/>
             </a:ln>
@@ -15494,7 +15643,7 @@
           <a:buFontTx/>
           <a:buNone/>
           <a:tabLst/>
-          <a:defRPr b="0" baseline="0" cap="none" i="0" spc="0" strike="noStrike" sz="1800" u="none" kumimoji="0" normalizeH="0">
+          <a:defRPr kumimoji="0" sz="1800" b="0" i="0" u="none" strike="noStrike" cap="none" spc="0" normalizeH="0" baseline="0">
             <a:ln>
               <a:noFill/>
             </a:ln>
@@ -15520,7 +15669,7 @@
           <a:buFontTx/>
           <a:buNone/>
           <a:tabLst/>
-          <a:defRPr b="0" baseline="0" cap="none" i="0" spc="0" strike="noStrike" sz="1800" u="none" kumimoji="0" normalizeH="0">
+          <a:defRPr kumimoji="0" sz="1800" b="0" i="0" u="none" strike="noStrike" cap="none" spc="0" normalizeH="0" baseline="0">
             <a:ln>
               <a:noFill/>
             </a:ln>
@@ -15546,7 +15695,7 @@
           <a:buFontTx/>
           <a:buNone/>
           <a:tabLst/>
-          <a:defRPr b="0" baseline="0" cap="none" i="0" spc="0" strike="noStrike" sz="1800" u="none" kumimoji="0" normalizeH="0">
+          <a:defRPr kumimoji="0" sz="1800" b="0" i="0" u="none" strike="noStrike" cap="none" spc="0" normalizeH="0" baseline="0">
             <a:ln>
               <a:noFill/>
             </a:ln>
@@ -15572,7 +15721,7 @@
           <a:buFontTx/>
           <a:buNone/>
           <a:tabLst/>
-          <a:defRPr b="0" baseline="0" cap="none" i="0" spc="0" strike="noStrike" sz="1800" u="none" kumimoji="0" normalizeH="0">
+          <a:defRPr kumimoji="0" sz="1800" b="0" i="0" u="none" strike="noStrike" cap="none" spc="0" normalizeH="0" baseline="0">
             <a:ln>
               <a:noFill/>
             </a:ln>
@@ -15598,7 +15747,7 @@
           <a:buFontTx/>
           <a:buNone/>
           <a:tabLst/>
-          <a:defRPr b="0" baseline="0" cap="none" i="0" spc="0" strike="noStrike" sz="1800" u="none" kumimoji="0" normalizeH="0">
+          <a:defRPr kumimoji="0" sz="1800" b="0" i="0" u="none" strike="noStrike" cap="none" spc="0" normalizeH="0" baseline="0">
             <a:ln>
               <a:noFill/>
             </a:ln>
@@ -15624,7 +15773,7 @@
           <a:buFontTx/>
           <a:buNone/>
           <a:tabLst/>
-          <a:defRPr b="0" baseline="0" cap="none" i="0" spc="0" strike="noStrike" sz="1800" u="none" kumimoji="0" normalizeH="0">
+          <a:defRPr kumimoji="0" sz="1800" b="0" i="0" u="none" strike="noStrike" cap="none" spc="0" normalizeH="0" baseline="0">
             <a:ln>
               <a:noFill/>
             </a:ln>
@@ -15637,9 +15786,15 @@
         </a:lvl9pPr>
       </a:lstStyle>
       <a:style>
-        <a:lnRef idx="0"/>
-        <a:fillRef idx="0"/>
-        <a:effectRef idx="0"/>
+        <a:lnRef idx="0">
+          <a:scrgbClr r="0" g="0" b="0"/>
+        </a:lnRef>
+        <a:fillRef idx="0">
+          <a:scrgbClr r="0" g="0" b="0"/>
+        </a:fillRef>
+        <a:effectRef idx="0">
+          <a:scrgbClr r="0" g="0" b="0"/>
+        </a:effectRef>
         <a:fontRef idx="none"/>
       </a:style>
     </a:spDef>
@@ -15654,7 +15809,7 @@
           <a:round/>
         </a:ln>
         <a:effectLst>
-          <a:outerShdw sx="100000" sy="100000" kx="0" ky="0" algn="b" rotWithShape="0" blurRad="38100" dist="20000" dir="5400000">
+          <a:outerShdw blurRad="38100" dist="20000" dir="5400000" rotWithShape="0">
             <a:srgbClr val="000000">
               <a:alpha val="38000"/>
             </a:srgbClr>
@@ -15662,7 +15817,7 @@
         </a:effectLst>
         <a:sp3d/>
       </a:spPr>
-      <a:bodyPr rot="0" spcFirstLastPara="1" vertOverflow="overflow" horzOverflow="overflow" vert="horz" wrap="square" lIns="91439" tIns="45719" rIns="91439" bIns="45719" numCol="1" spcCol="38100" rtlCol="0" anchor="t" upright="0">
+      <a:bodyPr rot="0" spcFirstLastPara="1" vertOverflow="overflow" horzOverflow="overflow" vert="horz" wrap="square" lIns="91439" tIns="45719" rIns="91439" bIns="45719" numCol="1" spcCol="38100" rtlCol="0" anchor="t">
         <a:noAutofit/>
       </a:bodyPr>
       <a:lstStyle>
@@ -15681,7 +15836,7 @@
           <a:buFontTx/>
           <a:buNone/>
           <a:tabLst/>
-          <a:defRPr b="0" baseline="0" cap="none" i="0" spc="0" strike="noStrike" sz="1800" u="none" kumimoji="0" normalizeH="0">
+          <a:defRPr kumimoji="0" sz="1800" b="0" i="0" u="none" strike="noStrike" cap="none" spc="0" normalizeH="0" baseline="0">
             <a:ln>
               <a:noFill/>
             </a:ln>
@@ -15707,7 +15862,7 @@
           <a:buFontTx/>
           <a:buNone/>
           <a:tabLst/>
-          <a:defRPr b="0" baseline="0" cap="none" i="0" spc="0" strike="noStrike" sz="1800" u="none" kumimoji="0" normalizeH="0">
+          <a:defRPr kumimoji="0" sz="1800" b="0" i="0" u="none" strike="noStrike" cap="none" spc="0" normalizeH="0" baseline="0">
             <a:ln>
               <a:noFill/>
             </a:ln>
@@ -15733,7 +15888,7 @@
           <a:buFontTx/>
           <a:buNone/>
           <a:tabLst/>
-          <a:defRPr b="0" baseline="0" cap="none" i="0" spc="0" strike="noStrike" sz="1800" u="none" kumimoji="0" normalizeH="0">
+          <a:defRPr kumimoji="0" sz="1800" b="0" i="0" u="none" strike="noStrike" cap="none" spc="0" normalizeH="0" baseline="0">
             <a:ln>
               <a:noFill/>
             </a:ln>
@@ -15759,7 +15914,7 @@
           <a:buFontTx/>
           <a:buNone/>
           <a:tabLst/>
-          <a:defRPr b="0" baseline="0" cap="none" i="0" spc="0" strike="noStrike" sz="1800" u="none" kumimoji="0" normalizeH="0">
+          <a:defRPr kumimoji="0" sz="1800" b="0" i="0" u="none" strike="noStrike" cap="none" spc="0" normalizeH="0" baseline="0">
             <a:ln>
               <a:noFill/>
             </a:ln>
@@ -15785,7 +15940,7 @@
           <a:buFontTx/>
           <a:buNone/>
           <a:tabLst/>
-          <a:defRPr b="0" baseline="0" cap="none" i="0" spc="0" strike="noStrike" sz="1800" u="none" kumimoji="0" normalizeH="0">
+          <a:defRPr kumimoji="0" sz="1800" b="0" i="0" u="none" strike="noStrike" cap="none" spc="0" normalizeH="0" baseline="0">
             <a:ln>
               <a:noFill/>
             </a:ln>
@@ -15811,7 +15966,7 @@
           <a:buFontTx/>
           <a:buNone/>
           <a:tabLst/>
-          <a:defRPr b="0" baseline="0" cap="none" i="0" spc="0" strike="noStrike" sz="1800" u="none" kumimoji="0" normalizeH="0">
+          <a:defRPr kumimoji="0" sz="1800" b="0" i="0" u="none" strike="noStrike" cap="none" spc="0" normalizeH="0" baseline="0">
             <a:ln>
               <a:noFill/>
             </a:ln>
@@ -15837,7 +15992,7 @@
           <a:buFontTx/>
           <a:buNone/>
           <a:tabLst/>
-          <a:defRPr b="0" baseline="0" cap="none" i="0" spc="0" strike="noStrike" sz="1800" u="none" kumimoji="0" normalizeH="0">
+          <a:defRPr kumimoji="0" sz="1800" b="0" i="0" u="none" strike="noStrike" cap="none" spc="0" normalizeH="0" baseline="0">
             <a:ln>
               <a:noFill/>
             </a:ln>
@@ -15863,7 +16018,7 @@
           <a:buFontTx/>
           <a:buNone/>
           <a:tabLst/>
-          <a:defRPr b="0" baseline="0" cap="none" i="0" spc="0" strike="noStrike" sz="1800" u="none" kumimoji="0" normalizeH="0">
+          <a:defRPr kumimoji="0" sz="1800" b="0" i="0" u="none" strike="noStrike" cap="none" spc="0" normalizeH="0" baseline="0">
             <a:ln>
               <a:noFill/>
             </a:ln>
@@ -15889,7 +16044,7 @@
           <a:buFontTx/>
           <a:buNone/>
           <a:tabLst/>
-          <a:defRPr b="0" baseline="0" cap="none" i="0" spc="0" strike="noStrike" sz="1800" u="none" kumimoji="0" normalizeH="0">
+          <a:defRPr kumimoji="0" sz="1800" b="0" i="0" u="none" strike="noStrike" cap="none" spc="0" normalizeH="0" baseline="0">
             <a:ln>
               <a:noFill/>
             </a:ln>
@@ -15915,7 +16070,7 @@
           <a:buFontTx/>
           <a:buNone/>
           <a:tabLst/>
-          <a:defRPr b="0" baseline="0" cap="none" i="0" spc="0" strike="noStrike" sz="1800" u="none" kumimoji="0" normalizeH="0">
+          <a:defRPr kumimoji="0" sz="1800" b="0" i="0" u="none" strike="noStrike" cap="none" spc="0" normalizeH="0" baseline="0">
             <a:ln>
               <a:noFill/>
             </a:ln>
@@ -15928,9 +16083,15 @@
         </a:lvl9pPr>
       </a:lstStyle>
       <a:style>
-        <a:lnRef idx="0"/>
-        <a:fillRef idx="0"/>
-        <a:effectRef idx="0"/>
+        <a:lnRef idx="0">
+          <a:scrgbClr r="0" g="0" b="0"/>
+        </a:lnRef>
+        <a:fillRef idx="0">
+          <a:scrgbClr r="0" g="0" b="0"/>
+        </a:fillRef>
+        <a:effectRef idx="0">
+          <a:scrgbClr r="0" g="0" b="0"/>
+        </a:effectRef>
         <a:fontRef idx="none"/>
       </a:style>
     </a:lnDef>
@@ -15944,7 +16105,7 @@
         <a:effectLst/>
         <a:sp3d/>
       </a:spPr>
-      <a:bodyPr rot="0" spcFirstLastPara="1" vertOverflow="overflow" horzOverflow="overflow" vert="horz" wrap="square" lIns="45719" tIns="45719" rIns="45719" bIns="45719" numCol="1" spcCol="38100" rtlCol="0" anchor="t" upright="0">
+      <a:bodyPr rot="0" spcFirstLastPara="1" vertOverflow="overflow" horzOverflow="overflow" vert="horz" wrap="square" lIns="45719" tIns="45719" rIns="45719" bIns="45719" numCol="1" spcCol="38100" rtlCol="0" anchor="t">
         <a:spAutoFit/>
       </a:bodyPr>
       <a:lstStyle>
@@ -15963,7 +16124,7 @@
           <a:buFontTx/>
           <a:buNone/>
           <a:tabLst/>
-          <a:defRPr b="0" baseline="0" cap="none" i="0" spc="0" strike="noStrike" sz="1400" u="none" kumimoji="0" normalizeH="0">
+          <a:defRPr kumimoji="0" sz="1400" b="0" i="0" u="none" strike="noStrike" cap="none" spc="0" normalizeH="0" baseline="0">
             <a:ln>
               <a:noFill/>
             </a:ln>
@@ -15993,7 +16154,7 @@
           <a:buFontTx/>
           <a:buNone/>
           <a:tabLst/>
-          <a:defRPr b="0" baseline="0" cap="none" i="0" spc="0" strike="noStrike" sz="1800" u="none" kumimoji="0" normalizeH="0">
+          <a:defRPr kumimoji="0" sz="1800" b="0" i="0" u="none" strike="noStrike" cap="none" spc="0" normalizeH="0" baseline="0">
             <a:ln>
               <a:noFill/>
             </a:ln>
@@ -16019,7 +16180,7 @@
           <a:buFontTx/>
           <a:buNone/>
           <a:tabLst/>
-          <a:defRPr b="0" baseline="0" cap="none" i="0" spc="0" strike="noStrike" sz="1800" u="none" kumimoji="0" normalizeH="0">
+          <a:defRPr kumimoji="0" sz="1800" b="0" i="0" u="none" strike="noStrike" cap="none" spc="0" normalizeH="0" baseline="0">
             <a:ln>
               <a:noFill/>
             </a:ln>
@@ -16045,7 +16206,7 @@
           <a:buFontTx/>
           <a:buNone/>
           <a:tabLst/>
-          <a:defRPr b="0" baseline="0" cap="none" i="0" spc="0" strike="noStrike" sz="1800" u="none" kumimoji="0" normalizeH="0">
+          <a:defRPr kumimoji="0" sz="1800" b="0" i="0" u="none" strike="noStrike" cap="none" spc="0" normalizeH="0" baseline="0">
             <a:ln>
               <a:noFill/>
             </a:ln>
@@ -16071,7 +16232,7 @@
           <a:buFontTx/>
           <a:buNone/>
           <a:tabLst/>
-          <a:defRPr b="0" baseline="0" cap="none" i="0" spc="0" strike="noStrike" sz="1800" u="none" kumimoji="0" normalizeH="0">
+          <a:defRPr kumimoji="0" sz="1800" b="0" i="0" u="none" strike="noStrike" cap="none" spc="0" normalizeH="0" baseline="0">
             <a:ln>
               <a:noFill/>
             </a:ln>
@@ -16097,7 +16258,7 @@
           <a:buFontTx/>
           <a:buNone/>
           <a:tabLst/>
-          <a:defRPr b="0" baseline="0" cap="none" i="0" spc="0" strike="noStrike" sz="1800" u="none" kumimoji="0" normalizeH="0">
+          <a:defRPr kumimoji="0" sz="1800" b="0" i="0" u="none" strike="noStrike" cap="none" spc="0" normalizeH="0" baseline="0">
             <a:ln>
               <a:noFill/>
             </a:ln>
@@ -16123,7 +16284,7 @@
           <a:buFontTx/>
           <a:buNone/>
           <a:tabLst/>
-          <a:defRPr b="0" baseline="0" cap="none" i="0" spc="0" strike="noStrike" sz="1800" u="none" kumimoji="0" normalizeH="0">
+          <a:defRPr kumimoji="0" sz="1800" b="0" i="0" u="none" strike="noStrike" cap="none" spc="0" normalizeH="0" baseline="0">
             <a:ln>
               <a:noFill/>
             </a:ln>
@@ -16149,7 +16310,7 @@
           <a:buFontTx/>
           <a:buNone/>
           <a:tabLst/>
-          <a:defRPr b="0" baseline="0" cap="none" i="0" spc="0" strike="noStrike" sz="1800" u="none" kumimoji="0" normalizeH="0">
+          <a:defRPr kumimoji="0" sz="1800" b="0" i="0" u="none" strike="noStrike" cap="none" spc="0" normalizeH="0" baseline="0">
             <a:ln>
               <a:noFill/>
             </a:ln>
@@ -16175,7 +16336,7 @@
           <a:buFontTx/>
           <a:buNone/>
           <a:tabLst/>
-          <a:defRPr b="0" baseline="0" cap="none" i="0" spc="0" strike="noStrike" sz="1800" u="none" kumimoji="0" normalizeH="0">
+          <a:defRPr kumimoji="0" sz="1800" b="0" i="0" u="none" strike="noStrike" cap="none" spc="0" normalizeH="0" baseline="0">
             <a:ln>
               <a:noFill/>
             </a:ln>
@@ -16201,7 +16362,7 @@
           <a:buFontTx/>
           <a:buNone/>
           <a:tabLst/>
-          <a:defRPr b="0" baseline="0" cap="none" i="0" spc="0" strike="noStrike" sz="1800" u="none" kumimoji="0" normalizeH="0">
+          <a:defRPr kumimoji="0" sz="1800" b="0" i="0" u="none" strike="noStrike" cap="none" spc="0" normalizeH="0" baseline="0">
             <a:ln>
               <a:noFill/>
             </a:ln>
@@ -16214,18 +16375,25 @@
         </a:lvl9pPr>
       </a:lstStyle>
       <a:style>
-        <a:lnRef idx="0"/>
-        <a:fillRef idx="0"/>
-        <a:effectRef idx="0"/>
+        <a:lnRef idx="0">
+          <a:scrgbClr r="0" g="0" b="0"/>
+        </a:lnRef>
+        <a:fillRef idx="0">
+          <a:scrgbClr r="0" g="0" b="0"/>
+        </a:fillRef>
+        <a:effectRef idx="0">
+          <a:scrgbClr r="0" g="0" b="0"/>
+        </a:effectRef>
         <a:fontRef idx="none"/>
       </a:style>
     </a:txDef>
   </a:objectDefaults>
+  <a:extraClrSchemeLst/>
 </a:theme>
 </file>
 
 <file path=ppt/theme/theme2.xml><?xml version="1.0" encoding="utf-8"?>
-<a:theme xmlns:a="http://schemas.openxmlformats.org/drawingml/2006/main" xmlns:r="http://schemas.openxmlformats.org/officeDocument/2006/relationships" name="Office Theme">
+<a:theme xmlns:a="http://schemas.openxmlformats.org/drawingml/2006/main" name="Office Theme">
   <a:themeElements>
     <a:clrScheme name="Office Theme">
       <a:dk1>
@@ -16351,7 +16519,7 @@
       <a:effectStyleLst>
         <a:effectStyle>
           <a:effectLst>
-            <a:outerShdw sx="100000" sy="100000" kx="0" ky="0" algn="b" rotWithShape="0" blurRad="38100" dist="23000" dir="5400000">
+            <a:outerShdw blurRad="38100" dist="23000" dir="5400000" rotWithShape="0">
               <a:srgbClr val="000000">
                 <a:alpha val="35000"/>
               </a:srgbClr>
@@ -16360,7 +16528,7 @@
         </a:effectStyle>
         <a:effectStyle>
           <a:effectLst>
-            <a:outerShdw sx="100000" sy="100000" kx="0" ky="0" algn="b" rotWithShape="0" blurRad="38100" dist="23000" dir="5400000">
+            <a:outerShdw blurRad="38100" dist="23000" dir="5400000" rotWithShape="0">
               <a:srgbClr val="000000">
                 <a:alpha val="35000"/>
               </a:srgbClr>
@@ -16369,7 +16537,7 @@
         </a:effectStyle>
         <a:effectStyle>
           <a:effectLst>
-            <a:outerShdw sx="100000" sy="100000" kx="0" ky="0" algn="b" rotWithShape="0" blurRad="38100" dist="20000" dir="5400000">
+            <a:outerShdw blurRad="38100" dist="20000" dir="5400000" rotWithShape="0">
               <a:srgbClr val="000000">
                 <a:alpha val="38000"/>
               </a:srgbClr>
@@ -16443,7 +16611,7 @@
           <a:round/>
         </a:ln>
         <a:effectLst>
-          <a:outerShdw sx="100000" sy="100000" kx="0" ky="0" algn="b" rotWithShape="0" blurRad="38100" dist="23000" dir="5400000">
+          <a:outerShdw blurRad="38100" dist="23000" dir="5400000" rotWithShape="0">
             <a:srgbClr val="000000">
               <a:alpha val="35000"/>
             </a:srgbClr>
@@ -16451,7 +16619,7 @@
         </a:effectLst>
         <a:sp3d/>
       </a:spPr>
-      <a:bodyPr rot="0" spcFirstLastPara="1" vertOverflow="overflow" horzOverflow="overflow" vert="horz" wrap="square" lIns="45719" tIns="45719" rIns="45719" bIns="45719" numCol="1" spcCol="38100" rtlCol="0" anchor="ctr" upright="0">
+      <a:bodyPr rot="0" spcFirstLastPara="1" vertOverflow="overflow" horzOverflow="overflow" vert="horz" wrap="square" lIns="45719" tIns="45719" rIns="45719" bIns="45719" numCol="1" spcCol="38100" rtlCol="0" anchor="ctr">
         <a:spAutoFit/>
       </a:bodyPr>
       <a:lstStyle>
@@ -16470,7 +16638,7 @@
           <a:buFontTx/>
           <a:buNone/>
           <a:tabLst/>
-          <a:defRPr b="0" baseline="0" cap="none" i="0" spc="0" strike="noStrike" sz="1400" u="none" kumimoji="0" normalizeH="0">
+          <a:defRPr kumimoji="0" sz="1400" b="0" i="0" u="none" strike="noStrike" cap="none" spc="0" normalizeH="0" baseline="0">
             <a:ln>
               <a:noFill/>
             </a:ln>
@@ -16500,7 +16668,7 @@
           <a:buFontTx/>
           <a:buNone/>
           <a:tabLst/>
-          <a:defRPr b="0" baseline="0" cap="none" i="0" spc="0" strike="noStrike" sz="1800" u="none" kumimoji="0" normalizeH="0">
+          <a:defRPr kumimoji="0" sz="1800" b="0" i="0" u="none" strike="noStrike" cap="none" spc="0" normalizeH="0" baseline="0">
             <a:ln>
               <a:noFill/>
             </a:ln>
@@ -16526,7 +16694,7 @@
           <a:buFontTx/>
           <a:buNone/>
           <a:tabLst/>
-          <a:defRPr b="0" baseline="0" cap="none" i="0" spc="0" strike="noStrike" sz="1800" u="none" kumimoji="0" normalizeH="0">
+          <a:defRPr kumimoji="0" sz="1800" b="0" i="0" u="none" strike="noStrike" cap="none" spc="0" normalizeH="0" baseline="0">
             <a:ln>
               <a:noFill/>
             </a:ln>
@@ -16552,7 +16720,7 @@
           <a:buFontTx/>
           <a:buNone/>
           <a:tabLst/>
-          <a:defRPr b="0" baseline="0" cap="none" i="0" spc="0" strike="noStrike" sz="1800" u="none" kumimoji="0" normalizeH="0">
+          <a:defRPr kumimoji="0" sz="1800" b="0" i="0" u="none" strike="noStrike" cap="none" spc="0" normalizeH="0" baseline="0">
             <a:ln>
               <a:noFill/>
             </a:ln>
@@ -16578,7 +16746,7 @@
           <a:buFontTx/>
           <a:buNone/>
           <a:tabLst/>
-          <a:defRPr b="0" baseline="0" cap="none" i="0" spc="0" strike="noStrike" sz="1800" u="none" kumimoji="0" normalizeH="0">
+          <a:defRPr kumimoji="0" sz="1800" b="0" i="0" u="none" strike="noStrike" cap="none" spc="0" normalizeH="0" baseline="0">
             <a:ln>
               <a:noFill/>
             </a:ln>
@@ -16604,7 +16772,7 @@
           <a:buFontTx/>
           <a:buNone/>
           <a:tabLst/>
-          <a:defRPr b="0" baseline="0" cap="none" i="0" spc="0" strike="noStrike" sz="1800" u="none" kumimoji="0" normalizeH="0">
+          <a:defRPr kumimoji="0" sz="1800" b="0" i="0" u="none" strike="noStrike" cap="none" spc="0" normalizeH="0" baseline="0">
             <a:ln>
               <a:noFill/>
             </a:ln>
@@ -16630,7 +16798,7 @@
           <a:buFontTx/>
           <a:buNone/>
           <a:tabLst/>
-          <a:defRPr b="0" baseline="0" cap="none" i="0" spc="0" strike="noStrike" sz="1800" u="none" kumimoji="0" normalizeH="0">
+          <a:defRPr kumimoji="0" sz="1800" b="0" i="0" u="none" strike="noStrike" cap="none" spc="0" normalizeH="0" baseline="0">
             <a:ln>
               <a:noFill/>
             </a:ln>
@@ -16656,7 +16824,7 @@
           <a:buFontTx/>
           <a:buNone/>
           <a:tabLst/>
-          <a:defRPr b="0" baseline="0" cap="none" i="0" spc="0" strike="noStrike" sz="1800" u="none" kumimoji="0" normalizeH="0">
+          <a:defRPr kumimoji="0" sz="1800" b="0" i="0" u="none" strike="noStrike" cap="none" spc="0" normalizeH="0" baseline="0">
             <a:ln>
               <a:noFill/>
             </a:ln>
@@ -16682,7 +16850,7 @@
           <a:buFontTx/>
           <a:buNone/>
           <a:tabLst/>
-          <a:defRPr b="0" baseline="0" cap="none" i="0" spc="0" strike="noStrike" sz="1800" u="none" kumimoji="0" normalizeH="0">
+          <a:defRPr kumimoji="0" sz="1800" b="0" i="0" u="none" strike="noStrike" cap="none" spc="0" normalizeH="0" baseline="0">
             <a:ln>
               <a:noFill/>
             </a:ln>
@@ -16708,7 +16876,7 @@
           <a:buFontTx/>
           <a:buNone/>
           <a:tabLst/>
-          <a:defRPr b="0" baseline="0" cap="none" i="0" spc="0" strike="noStrike" sz="1800" u="none" kumimoji="0" normalizeH="0">
+          <a:defRPr kumimoji="0" sz="1800" b="0" i="0" u="none" strike="noStrike" cap="none" spc="0" normalizeH="0" baseline="0">
             <a:ln>
               <a:noFill/>
             </a:ln>
@@ -16721,9 +16889,15 @@
         </a:lvl9pPr>
       </a:lstStyle>
       <a:style>
-        <a:lnRef idx="0"/>
-        <a:fillRef idx="0"/>
-        <a:effectRef idx="0"/>
+        <a:lnRef idx="0">
+          <a:scrgbClr r="0" g="0" b="0"/>
+        </a:lnRef>
+        <a:fillRef idx="0">
+          <a:scrgbClr r="0" g="0" b="0"/>
+        </a:fillRef>
+        <a:effectRef idx="0">
+          <a:scrgbClr r="0" g="0" b="0"/>
+        </a:effectRef>
         <a:fontRef idx="none"/>
       </a:style>
     </a:spDef>
@@ -16738,7 +16912,7 @@
           <a:round/>
         </a:ln>
         <a:effectLst>
-          <a:outerShdw sx="100000" sy="100000" kx="0" ky="0" algn="b" rotWithShape="0" blurRad="38100" dist="20000" dir="5400000">
+          <a:outerShdw blurRad="38100" dist="20000" dir="5400000" rotWithShape="0">
             <a:srgbClr val="000000">
               <a:alpha val="38000"/>
             </a:srgbClr>
@@ -16746,7 +16920,7 @@
         </a:effectLst>
         <a:sp3d/>
       </a:spPr>
-      <a:bodyPr rot="0" spcFirstLastPara="1" vertOverflow="overflow" horzOverflow="overflow" vert="horz" wrap="square" lIns="91439" tIns="45719" rIns="91439" bIns="45719" numCol="1" spcCol="38100" rtlCol="0" anchor="t" upright="0">
+      <a:bodyPr rot="0" spcFirstLastPara="1" vertOverflow="overflow" horzOverflow="overflow" vert="horz" wrap="square" lIns="91439" tIns="45719" rIns="91439" bIns="45719" numCol="1" spcCol="38100" rtlCol="0" anchor="t">
         <a:noAutofit/>
       </a:bodyPr>
       <a:lstStyle>
@@ -16765,7 +16939,7 @@
           <a:buFontTx/>
           <a:buNone/>
           <a:tabLst/>
-          <a:defRPr b="0" baseline="0" cap="none" i="0" spc="0" strike="noStrike" sz="1800" u="none" kumimoji="0" normalizeH="0">
+          <a:defRPr kumimoji="0" sz="1800" b="0" i="0" u="none" strike="noStrike" cap="none" spc="0" normalizeH="0" baseline="0">
             <a:ln>
               <a:noFill/>
             </a:ln>
@@ -16791,7 +16965,7 @@
           <a:buFontTx/>
           <a:buNone/>
           <a:tabLst/>
-          <a:defRPr b="0" baseline="0" cap="none" i="0" spc="0" strike="noStrike" sz="1800" u="none" kumimoji="0" normalizeH="0">
+          <a:defRPr kumimoji="0" sz="1800" b="0" i="0" u="none" strike="noStrike" cap="none" spc="0" normalizeH="0" baseline="0">
             <a:ln>
               <a:noFill/>
             </a:ln>
@@ -16817,7 +16991,7 @@
           <a:buFontTx/>
           <a:buNone/>
           <a:tabLst/>
-          <a:defRPr b="0" baseline="0" cap="none" i="0" spc="0" strike="noStrike" sz="1800" u="none" kumimoji="0" normalizeH="0">
+          <a:defRPr kumimoji="0" sz="1800" b="0" i="0" u="none" strike="noStrike" cap="none" spc="0" normalizeH="0" baseline="0">
             <a:ln>
               <a:noFill/>
             </a:ln>
@@ -16843,7 +17017,7 @@
           <a:buFontTx/>
           <a:buNone/>
           <a:tabLst/>
-          <a:defRPr b="0" baseline="0" cap="none" i="0" spc="0" strike="noStrike" sz="1800" u="none" kumimoji="0" normalizeH="0">
+          <a:defRPr kumimoji="0" sz="1800" b="0" i="0" u="none" strike="noStrike" cap="none" spc="0" normalizeH="0" baseline="0">
             <a:ln>
               <a:noFill/>
             </a:ln>
@@ -16869,7 +17043,7 @@
           <a:buFontTx/>
           <a:buNone/>
           <a:tabLst/>
-          <a:defRPr b="0" baseline="0" cap="none" i="0" spc="0" strike="noStrike" sz="1800" u="none" kumimoji="0" normalizeH="0">
+          <a:defRPr kumimoji="0" sz="1800" b="0" i="0" u="none" strike="noStrike" cap="none" spc="0" normalizeH="0" baseline="0">
             <a:ln>
               <a:noFill/>
             </a:ln>
@@ -16895,7 +17069,7 @@
           <a:buFontTx/>
           <a:buNone/>
           <a:tabLst/>
-          <a:defRPr b="0" baseline="0" cap="none" i="0" spc="0" strike="noStrike" sz="1800" u="none" kumimoji="0" normalizeH="0">
+          <a:defRPr kumimoji="0" sz="1800" b="0" i="0" u="none" strike="noStrike" cap="none" spc="0" normalizeH="0" baseline="0">
             <a:ln>
               <a:noFill/>
             </a:ln>
@@ -16921,7 +17095,7 @@
           <a:buFontTx/>
           <a:buNone/>
           <a:tabLst/>
-          <a:defRPr b="0" baseline="0" cap="none" i="0" spc="0" strike="noStrike" sz="1800" u="none" kumimoji="0" normalizeH="0">
+          <a:defRPr kumimoji="0" sz="1800" b="0" i="0" u="none" strike="noStrike" cap="none" spc="0" normalizeH="0" baseline="0">
             <a:ln>
               <a:noFill/>
             </a:ln>
@@ -16947,7 +17121,7 @@
           <a:buFontTx/>
           <a:buNone/>
           <a:tabLst/>
-          <a:defRPr b="0" baseline="0" cap="none" i="0" spc="0" strike="noStrike" sz="1800" u="none" kumimoji="0" normalizeH="0">
+          <a:defRPr kumimoji="0" sz="1800" b="0" i="0" u="none" strike="noStrike" cap="none" spc="0" normalizeH="0" baseline="0">
             <a:ln>
               <a:noFill/>
             </a:ln>
@@ -16973,7 +17147,7 @@
           <a:buFontTx/>
           <a:buNone/>
           <a:tabLst/>
-          <a:defRPr b="0" baseline="0" cap="none" i="0" spc="0" strike="noStrike" sz="1800" u="none" kumimoji="0" normalizeH="0">
+          <a:defRPr kumimoji="0" sz="1800" b="0" i="0" u="none" strike="noStrike" cap="none" spc="0" normalizeH="0" baseline="0">
             <a:ln>
               <a:noFill/>
             </a:ln>
@@ -16999,7 +17173,7 @@
           <a:buFontTx/>
           <a:buNone/>
           <a:tabLst/>
-          <a:defRPr b="0" baseline="0" cap="none" i="0" spc="0" strike="noStrike" sz="1800" u="none" kumimoji="0" normalizeH="0">
+          <a:defRPr kumimoji="0" sz="1800" b="0" i="0" u="none" strike="noStrike" cap="none" spc="0" normalizeH="0" baseline="0">
             <a:ln>
               <a:noFill/>
             </a:ln>
@@ -17012,9 +17186,15 @@
         </a:lvl9pPr>
       </a:lstStyle>
       <a:style>
-        <a:lnRef idx="0"/>
-        <a:fillRef idx="0"/>
-        <a:effectRef idx="0"/>
+        <a:lnRef idx="0">
+          <a:scrgbClr r="0" g="0" b="0"/>
+        </a:lnRef>
+        <a:fillRef idx="0">
+          <a:scrgbClr r="0" g="0" b="0"/>
+        </a:fillRef>
+        <a:effectRef idx="0">
+          <a:scrgbClr r="0" g="0" b="0"/>
+        </a:effectRef>
         <a:fontRef idx="none"/>
       </a:style>
     </a:lnDef>
@@ -17028,7 +17208,7 @@
         <a:effectLst/>
         <a:sp3d/>
       </a:spPr>
-      <a:bodyPr rot="0" spcFirstLastPara="1" vertOverflow="overflow" horzOverflow="overflow" vert="horz" wrap="square" lIns="45719" tIns="45719" rIns="45719" bIns="45719" numCol="1" spcCol="38100" rtlCol="0" anchor="t" upright="0">
+      <a:bodyPr rot="0" spcFirstLastPara="1" vertOverflow="overflow" horzOverflow="overflow" vert="horz" wrap="square" lIns="45719" tIns="45719" rIns="45719" bIns="45719" numCol="1" spcCol="38100" rtlCol="0" anchor="t">
         <a:spAutoFit/>
       </a:bodyPr>
       <a:lstStyle>
@@ -17047,7 +17227,7 @@
           <a:buFontTx/>
           <a:buNone/>
           <a:tabLst/>
-          <a:defRPr b="0" baseline="0" cap="none" i="0" spc="0" strike="noStrike" sz="1400" u="none" kumimoji="0" normalizeH="0">
+          <a:defRPr kumimoji="0" sz="1400" b="0" i="0" u="none" strike="noStrike" cap="none" spc="0" normalizeH="0" baseline="0">
             <a:ln>
               <a:noFill/>
             </a:ln>
@@ -17077,7 +17257,7 @@
           <a:buFontTx/>
           <a:buNone/>
           <a:tabLst/>
-          <a:defRPr b="0" baseline="0" cap="none" i="0" spc="0" strike="noStrike" sz="1800" u="none" kumimoji="0" normalizeH="0">
+          <a:defRPr kumimoji="0" sz="1800" b="0" i="0" u="none" strike="noStrike" cap="none" spc="0" normalizeH="0" baseline="0">
             <a:ln>
               <a:noFill/>
             </a:ln>
@@ -17103,7 +17283,7 @@
           <a:buFontTx/>
           <a:buNone/>
           <a:tabLst/>
-          <a:defRPr b="0" baseline="0" cap="none" i="0" spc="0" strike="noStrike" sz="1800" u="none" kumimoji="0" normalizeH="0">
+          <a:defRPr kumimoji="0" sz="1800" b="0" i="0" u="none" strike="noStrike" cap="none" spc="0" normalizeH="0" baseline="0">
             <a:ln>
               <a:noFill/>
             </a:ln>
@@ -17129,7 +17309,7 @@
           <a:buFontTx/>
           <a:buNone/>
           <a:tabLst/>
-          <a:defRPr b="0" baseline="0" cap="none" i="0" spc="0" strike="noStrike" sz="1800" u="none" kumimoji="0" normalizeH="0">
+          <a:defRPr kumimoji="0" sz="1800" b="0" i="0" u="none" strike="noStrike" cap="none" spc="0" normalizeH="0" baseline="0">
             <a:ln>
               <a:noFill/>
             </a:ln>
@@ -17155,7 +17335,7 @@
           <a:buFontTx/>
           <a:buNone/>
           <a:tabLst/>
-          <a:defRPr b="0" baseline="0" cap="none" i="0" spc="0" strike="noStrike" sz="1800" u="none" kumimoji="0" normalizeH="0">
+          <a:defRPr kumimoji="0" sz="1800" b="0" i="0" u="none" strike="noStrike" cap="none" spc="0" normalizeH="0" baseline="0">
             <a:ln>
               <a:noFill/>
             </a:ln>
@@ -17181,7 +17361,7 @@
           <a:buFontTx/>
           <a:buNone/>
           <a:tabLst/>
-          <a:defRPr b="0" baseline="0" cap="none" i="0" spc="0" strike="noStrike" sz="1800" u="none" kumimoji="0" normalizeH="0">
+          <a:defRPr kumimoji="0" sz="1800" b="0" i="0" u="none" strike="noStrike" cap="none" spc="0" normalizeH="0" baseline="0">
             <a:ln>
               <a:noFill/>
             </a:ln>
@@ -17207,7 +17387,7 @@
           <a:buFontTx/>
           <a:buNone/>
           <a:tabLst/>
-          <a:defRPr b="0" baseline="0" cap="none" i="0" spc="0" strike="noStrike" sz="1800" u="none" kumimoji="0" normalizeH="0">
+          <a:defRPr kumimoji="0" sz="1800" b="0" i="0" u="none" strike="noStrike" cap="none" spc="0" normalizeH="0" baseline="0">
             <a:ln>
               <a:noFill/>
             </a:ln>
@@ -17233,7 +17413,7 @@
           <a:buFontTx/>
           <a:buNone/>
           <a:tabLst/>
-          <a:defRPr b="0" baseline="0" cap="none" i="0" spc="0" strike="noStrike" sz="1800" u="none" kumimoji="0" normalizeH="0">
+          <a:defRPr kumimoji="0" sz="1800" b="0" i="0" u="none" strike="noStrike" cap="none" spc="0" normalizeH="0" baseline="0">
             <a:ln>
               <a:noFill/>
             </a:ln>
@@ -17259,7 +17439,7 @@
           <a:buFontTx/>
           <a:buNone/>
           <a:tabLst/>
-          <a:defRPr b="0" baseline="0" cap="none" i="0" spc="0" strike="noStrike" sz="1800" u="none" kumimoji="0" normalizeH="0">
+          <a:defRPr kumimoji="0" sz="1800" b="0" i="0" u="none" strike="noStrike" cap="none" spc="0" normalizeH="0" baseline="0">
             <a:ln>
               <a:noFill/>
             </a:ln>
@@ -17285,7 +17465,7 @@
           <a:buFontTx/>
           <a:buNone/>
           <a:tabLst/>
-          <a:defRPr b="0" baseline="0" cap="none" i="0" spc="0" strike="noStrike" sz="1800" u="none" kumimoji="0" normalizeH="0">
+          <a:defRPr kumimoji="0" sz="1800" b="0" i="0" u="none" strike="noStrike" cap="none" spc="0" normalizeH="0" baseline="0">
             <a:ln>
               <a:noFill/>
             </a:ln>
@@ -17298,12 +17478,19 @@
         </a:lvl9pPr>
       </a:lstStyle>
       <a:style>
-        <a:lnRef idx="0"/>
-        <a:fillRef idx="0"/>
-        <a:effectRef idx="0"/>
+        <a:lnRef idx="0">
+          <a:scrgbClr r="0" g="0" b="0"/>
+        </a:lnRef>
+        <a:fillRef idx="0">
+          <a:scrgbClr r="0" g="0" b="0"/>
+        </a:fillRef>
+        <a:effectRef idx="0">
+          <a:scrgbClr r="0" g="0" b="0"/>
+        </a:effectRef>
         <a:fontRef idx="none"/>
       </a:style>
     </a:txDef>
   </a:objectDefaults>
+  <a:extraClrSchemeLst/>
 </a:theme>
 </file>
--- a/2016-2017/Lecture 5.pptx
+++ b/2016-2017/Lecture 5.pptx
@@ -41,10 +41,10 @@
     <p:sldId id="286" r:id="rId32"/>
     <p:sldId id="287" r:id="rId33"/>
     <p:sldId id="288" r:id="rId34"/>
-    <p:sldId id="289" r:id="rId35"/>
-    <p:sldId id="290" r:id="rId36"/>
-    <p:sldId id="291" r:id="rId37"/>
-    <p:sldId id="292" r:id="rId38"/>
+    <p:sldId id="291" r:id="rId35"/>
+    <p:sldId id="292" r:id="rId36"/>
+    <p:sldId id="290" r:id="rId37"/>
+    <p:sldId id="289" r:id="rId38"/>
   </p:sldIdLst>
   <p:sldSz cx="9144000" cy="5715000" type="screen16x10"/>
   <p:notesSz cx="6858000" cy="9144000"/>
@@ -346,6 +346,11 @@
       </a:defRPr>
     </a:lvl9pPr>
   </p:defaultTextStyle>
+  <p:extLst>
+    <p:ext uri="{EFAFB233-063F-42B5-8137-9DF3F51BA10A}">
+      <p15:sldGuideLst xmlns:p15="http://schemas.microsoft.com/office/powerpoint/2012/main"/>
+    </p:ext>
+  </p:extLst>
 </p:presentation>
 </file>
 
@@ -2166,7 +2171,7 @@
           </a:ln>
           <a:extLst>
             <a:ext uri="{C572A759-6A51-4108-AA02-DFA0A04FC94B}">
-              <ma14:wrappingTextBoxFlag xmlns:ma14="http://schemas.microsoft.com/office/mac/drawingml/2011/main" xmlns="" val="1"/>
+              <ma14:wrappingTextBoxFlag xmlns="" xmlns:ma14="http://schemas.microsoft.com/office/mac/drawingml/2011/main" val="1"/>
             </a:ext>
           </a:extLst>
         </p:spPr>
@@ -2205,7 +2210,7 @@
           </a:ln>
           <a:extLst>
             <a:ext uri="{C572A759-6A51-4108-AA02-DFA0A04FC94B}">
-              <ma14:wrappingTextBoxFlag xmlns:ma14="http://schemas.microsoft.com/office/mac/drawingml/2011/main" xmlns="" val="1"/>
+              <ma14:wrappingTextBoxFlag xmlns="" xmlns:ma14="http://schemas.microsoft.com/office/mac/drawingml/2011/main" val="1"/>
             </a:ext>
           </a:extLst>
         </p:spPr>
@@ -3563,7 +3568,7 @@
           </a:ln>
           <a:extLst>
             <a:ext uri="{C572A759-6A51-4108-AA02-DFA0A04FC94B}">
-              <ma14:wrappingTextBoxFlag xmlns:ma14="http://schemas.microsoft.com/office/mac/drawingml/2011/main" xmlns="" val="1"/>
+              <ma14:wrappingTextBoxFlag xmlns="" xmlns:ma14="http://schemas.microsoft.com/office/mac/drawingml/2011/main" val="1"/>
             </a:ext>
           </a:extLst>
         </p:spPr>
@@ -6315,7 +6320,7 @@
           </a:ln>
           <a:extLst>
             <a:ext uri="{C572A759-6A51-4108-AA02-DFA0A04FC94B}">
-              <ma14:wrappingTextBoxFlag xmlns:ma14="http://schemas.microsoft.com/office/mac/drawingml/2011/main" xmlns="" val="1"/>
+              <ma14:wrappingTextBoxFlag xmlns="" xmlns:ma14="http://schemas.microsoft.com/office/mac/drawingml/2011/main" val="1"/>
             </a:ext>
           </a:extLst>
         </p:spPr>
@@ -8596,7 +8601,7 @@
           </a:ln>
           <a:extLst>
             <a:ext uri="{C572A759-6A51-4108-AA02-DFA0A04FC94B}">
-              <ma14:wrappingTextBoxFlag xmlns:ma14="http://schemas.microsoft.com/office/mac/drawingml/2011/main" xmlns="" val="1"/>
+              <ma14:wrappingTextBoxFlag xmlns="" xmlns:ma14="http://schemas.microsoft.com/office/mac/drawingml/2011/main" val="1"/>
             </a:ext>
           </a:extLst>
         </p:spPr>
@@ -8643,7 +8648,7 @@
           </a:ln>
           <a:extLst>
             <a:ext uri="{C572A759-6A51-4108-AA02-DFA0A04FC94B}">
-              <ma14:wrappingTextBoxFlag xmlns:ma14="http://schemas.microsoft.com/office/mac/drawingml/2011/main" xmlns="" val="1"/>
+              <ma14:wrappingTextBoxFlag xmlns="" xmlns:ma14="http://schemas.microsoft.com/office/mac/drawingml/2011/main" val="1"/>
             </a:ext>
           </a:extLst>
         </p:spPr>
@@ -8687,7 +8692,7 @@
           </a:ln>
           <a:extLst>
             <a:ext uri="{C572A759-6A51-4108-AA02-DFA0A04FC94B}">
-              <ma14:wrappingTextBoxFlag xmlns:ma14="http://schemas.microsoft.com/office/mac/drawingml/2011/main" xmlns="" val="1"/>
+              <ma14:wrappingTextBoxFlag xmlns="" xmlns:ma14="http://schemas.microsoft.com/office/mac/drawingml/2011/main" val="1"/>
             </a:ext>
           </a:extLst>
         </p:spPr>
@@ -10403,7 +10408,7 @@
           </a:ln>
           <a:extLst>
             <a:ext uri="{C572A759-6A51-4108-AA02-DFA0A04FC94B}">
-              <ma14:wrappingTextBoxFlag xmlns:ma14="http://schemas.microsoft.com/office/mac/drawingml/2011/main" xmlns="" val="1"/>
+              <ma14:wrappingTextBoxFlag xmlns="" xmlns:ma14="http://schemas.microsoft.com/office/mac/drawingml/2011/main" val="1"/>
             </a:ext>
           </a:extLst>
         </p:spPr>
@@ -11288,7 +11293,7 @@
           </a:ln>
           <a:extLst>
             <a:ext uri="{C572A759-6A51-4108-AA02-DFA0A04FC94B}">
-              <ma14:wrappingTextBoxFlag xmlns:ma14="http://schemas.microsoft.com/office/mac/drawingml/2011/main" xmlns="" val="1"/>
+              <ma14:wrappingTextBoxFlag xmlns="" xmlns:ma14="http://schemas.microsoft.com/office/mac/drawingml/2011/main" val="1"/>
             </a:ext>
           </a:extLst>
         </p:spPr>
@@ -11623,7 +11628,7 @@
           </a:ln>
           <a:extLst>
             <a:ext uri="{C572A759-6A51-4108-AA02-DFA0A04FC94B}">
-              <ma14:wrappingTextBoxFlag xmlns:ma14="http://schemas.microsoft.com/office/mac/drawingml/2011/main" xmlns="" val="1"/>
+              <ma14:wrappingTextBoxFlag xmlns="" xmlns:ma14="http://schemas.microsoft.com/office/mac/drawingml/2011/main" val="1"/>
             </a:ext>
           </a:extLst>
         </p:spPr>
@@ -11944,7 +11949,7 @@
           </a:ln>
           <a:extLst>
             <a:ext uri="{C572A759-6A51-4108-AA02-DFA0A04FC94B}">
-              <ma14:wrappingTextBoxFlag xmlns:ma14="http://schemas.microsoft.com/office/mac/drawingml/2011/main" xmlns="" val="1"/>
+              <ma14:wrappingTextBoxFlag xmlns="" xmlns:ma14="http://schemas.microsoft.com/office/mac/drawingml/2011/main" val="1"/>
             </a:ext>
           </a:extLst>
         </p:spPr>
@@ -12134,308 +12139,6 @@
       </p:grpSpPr>
       <p:sp>
         <p:nvSpPr>
-          <p:cNvPr id="253" name="Shape 253"/>
-          <p:cNvSpPr>
-            <a:spLocks noGrp="1"/>
-          </p:cNvSpPr>
-          <p:nvPr>
-            <p:ph type="title"/>
-          </p:nvPr>
-        </p:nvSpPr>
-        <p:spPr>
-          <a:xfrm>
-            <a:off x="457200" y="228861"/>
-            <a:ext cx="8229600" cy="733800"/>
-          </a:xfrm>
-          <a:prstGeom prst="rect">
-            <a:avLst/>
-          </a:prstGeom>
-        </p:spPr>
-        <p:txBody>
-          <a:bodyPr/>
-          <a:lstStyle>
-            <a:lvl1pPr>
-              <a:defRPr sz="1600" b="1"/>
-            </a:lvl1pPr>
-          </a:lstStyle>
-          <a:p>
-            <a:r>
-              <a:t>Guidelines on Data model Transformation (Relational -&gt; graph )</a:t>
-            </a:r>
-          </a:p>
-        </p:txBody>
-      </p:sp>
-      <p:sp>
-        <p:nvSpPr>
-          <p:cNvPr id="254" name="Shape 254"/>
-          <p:cNvSpPr>
-            <a:spLocks noGrp="1"/>
-          </p:cNvSpPr>
-          <p:nvPr>
-            <p:ph type="body" idx="1"/>
-          </p:nvPr>
-        </p:nvSpPr>
-        <p:spPr>
-          <a:xfrm>
-            <a:off x="457200" y="1038399"/>
-            <a:ext cx="8229600" cy="4434601"/>
-          </a:xfrm>
-          <a:prstGeom prst="rect">
-            <a:avLst/>
-          </a:prstGeom>
-        </p:spPr>
-        <p:txBody>
-          <a:bodyPr/>
-          <a:lstStyle/>
-          <a:p>
-            <a:pPr marL="285750" indent="-285750">
-              <a:buFont typeface="Arial"/>
-              <a:defRPr sz="1600"/>
-            </a:pPr>
-            <a:r>
-              <a:t>Each entity table is represented by a label on nodes</a:t>
-            </a:r>
-          </a:p>
-          <a:p>
-            <a:pPr marL="285750" indent="-285750">
-              <a:buFont typeface="Arial"/>
-              <a:defRPr sz="1600"/>
-            </a:pPr>
-            <a:r>
-              <a:t>Each row in a entity table is a node</a:t>
-            </a:r>
-          </a:p>
-          <a:p>
-            <a:pPr marL="285750" indent="-285750">
-              <a:buFont typeface="Arial"/>
-              <a:defRPr sz="1600"/>
-            </a:pPr>
-            <a:r>
-              <a:t>Columns on those tables become node properties.</a:t>
-            </a:r>
-          </a:p>
-          <a:p>
-            <a:pPr marL="285750" indent="-285750">
-              <a:buFont typeface="Arial"/>
-              <a:defRPr sz="1600"/>
-            </a:pPr>
-            <a:r>
-              <a:t>Replace foreign keys with relationships to the other table, remove them afterwards</a:t>
-            </a:r>
-          </a:p>
-          <a:p>
-            <a:pPr marL="285750" indent="-285750">
-              <a:buFont typeface="Arial"/>
-              <a:defRPr sz="1600"/>
-            </a:pPr>
-            <a:r>
-              <a:t>Remove data with default values, no need to store those</a:t>
-            </a:r>
-          </a:p>
-          <a:p>
-            <a:pPr marL="285750" indent="-285750">
-              <a:buFont typeface="Arial"/>
-              <a:defRPr sz="1600"/>
-            </a:pPr>
-            <a:r>
-              <a:t>Indexed column names, might indicate an array property (like email1, email2, email3)</a:t>
-            </a:r>
-          </a:p>
-          <a:p>
-            <a:pPr marL="285750" indent="-285750">
-              <a:buFont typeface="Arial"/>
-              <a:defRPr sz="1600"/>
-            </a:pPr>
-            <a:r>
-              <a:t>Join tables are transformed into relationships, columns on those tables become relationship properties</a:t>
-            </a:r>
-          </a:p>
-        </p:txBody>
-      </p:sp>
-    </p:spTree>
-  </p:cSld>
-  <p:clrMapOvr>
-    <a:masterClrMapping/>
-  </p:clrMapOvr>
-  <p:transition spd="slow"/>
-</p:sld>
-</file>
-
-<file path=ppt/slides/slide35.xml><?xml version="1.0" encoding="utf-8"?>
-<p:sld xmlns:a="http://schemas.openxmlformats.org/drawingml/2006/main" xmlns:r="http://schemas.openxmlformats.org/officeDocument/2006/relationships" xmlns:p="http://schemas.openxmlformats.org/presentationml/2006/main">
-  <p:cSld>
-    <p:spTree>
-      <p:nvGrpSpPr>
-        <p:cNvPr id="1" name=""/>
-        <p:cNvGrpSpPr/>
-        <p:nvPr/>
-      </p:nvGrpSpPr>
-      <p:grpSpPr>
-        <a:xfrm>
-          <a:off x="0" y="0"/>
-          <a:ext cx="0" cy="0"/>
-          <a:chOff x="0" y="0"/>
-          <a:chExt cx="0" cy="0"/>
-        </a:xfrm>
-      </p:grpSpPr>
-      <p:sp>
-        <p:nvSpPr>
-          <p:cNvPr id="256" name="Shape 256"/>
-          <p:cNvSpPr>
-            <a:spLocks noGrp="1"/>
-          </p:cNvSpPr>
-          <p:nvPr>
-            <p:ph type="body" idx="1"/>
-          </p:nvPr>
-        </p:nvSpPr>
-        <p:spPr>
-          <a:xfrm>
-            <a:off x="457200" y="358445"/>
-            <a:ext cx="8229600" cy="5114556"/>
-          </a:xfrm>
-          <a:prstGeom prst="rect">
-            <a:avLst/>
-          </a:prstGeom>
-        </p:spPr>
-        <p:txBody>
-          <a:bodyPr/>
-          <a:lstStyle/>
-          <a:p>
-            <a:pPr marL="0" indent="0" algn="ctr">
-              <a:buSzTx/>
-              <a:buNone/>
-              <a:defRPr sz="2000" b="1"/>
-            </a:pPr>
-            <a:r>
-              <a:t>Table translation</a:t>
-            </a:r>
-          </a:p>
-          <a:p>
-            <a:pPr marL="0" indent="0" algn="ctr">
-              <a:buSzTx/>
-              <a:buNone/>
-              <a:defRPr sz="2000"/>
-            </a:pPr>
-            <a:endParaRPr/>
-          </a:p>
-          <a:p>
-            <a:pPr>
-              <a:defRPr sz="2000"/>
-            </a:pPr>
-            <a:r>
-              <a:t>You cannot translate tables directly.</a:t>
-            </a:r>
-            <a:endParaRPr u="sng"/>
-          </a:p>
-          <a:p>
-            <a:pPr>
-              <a:defRPr sz="2000"/>
-            </a:pPr>
-            <a:r>
-              <a:t>In a RDBMS you define the structure of the table.</a:t>
-            </a:r>
-          </a:p>
-          <a:p>
-            <a:pPr>
-              <a:defRPr sz="2000"/>
-            </a:pPr>
-            <a:r>
-              <a:t>In a Graph DB you insert the data as nodes and you give them a </a:t>
-            </a:r>
-            <a:r>
-              <a:rPr u="sng"/>
-              <a:t>type</a:t>
-            </a:r>
-          </a:p>
-          <a:p>
-            <a:pPr>
-              <a:defRPr sz="2000" u="sng"/>
-            </a:pPr>
-            <a:endParaRPr u="sng"/>
-          </a:p>
-          <a:p>
-            <a:pPr>
-              <a:defRPr sz="2000" u="sng"/>
-            </a:pPr>
-            <a:endParaRPr u="sng"/>
-          </a:p>
-          <a:p>
-            <a:pPr>
-              <a:defRPr sz="2000" u="sng"/>
-            </a:pPr>
-            <a:endParaRPr u="sng"/>
-          </a:p>
-          <a:p>
-            <a:pPr>
-              <a:defRPr sz="2000"/>
-            </a:pPr>
-            <a:r>
-              <a:t>CREATE (p:Person{name :‘Jim Raynor’, address:’Mar Sara’,job:’Marshal’,married:false})</a:t>
-            </a:r>
-            <a:br/>
-            <a:r>
-              <a:t>RETURN p;</a:t>
-            </a:r>
-          </a:p>
-        </p:txBody>
-      </p:sp>
-      <p:pic>
-        <p:nvPicPr>
-          <p:cNvPr id="257" name="image13.pdf"/>
-          <p:cNvPicPr>
-            <a:picLocks noChangeAspect="1"/>
-          </p:cNvPicPr>
-          <p:nvPr/>
-        </p:nvPicPr>
-        <p:blipFill>
-          <a:blip r:embed="rId2">
-            <a:extLst/>
-          </a:blip>
-          <a:stretch>
-            <a:fillRect/>
-          </a:stretch>
-        </p:blipFill>
-        <p:spPr>
-          <a:xfrm>
-            <a:off x="1723467" y="2619770"/>
-            <a:ext cx="4532196" cy="723036"/>
-          </a:xfrm>
-          <a:prstGeom prst="rect">
-            <a:avLst/>
-          </a:prstGeom>
-          <a:ln w="12700">
-            <a:miter lim="400000"/>
-          </a:ln>
-        </p:spPr>
-      </p:pic>
-    </p:spTree>
-  </p:cSld>
-  <p:clrMapOvr>
-    <a:masterClrMapping/>
-  </p:clrMapOvr>
-  <p:transition spd="slow"/>
-</p:sld>
-</file>
-
-<file path=ppt/slides/slide36.xml><?xml version="1.0" encoding="utf-8"?>
-<p:sld xmlns:a="http://schemas.openxmlformats.org/drawingml/2006/main" xmlns:r="http://schemas.openxmlformats.org/officeDocument/2006/relationships" xmlns:p="http://schemas.openxmlformats.org/presentationml/2006/main">
-  <p:cSld>
-    <p:spTree>
-      <p:nvGrpSpPr>
-        <p:cNvPr id="1" name=""/>
-        <p:cNvGrpSpPr/>
-        <p:nvPr/>
-      </p:nvGrpSpPr>
-      <p:grpSpPr>
-        <a:xfrm>
-          <a:off x="0" y="0"/>
-          <a:ext cx="0" cy="0"/>
-          <a:chOff x="0" y="0"/>
-          <a:chExt cx="0" cy="0"/>
-        </a:xfrm>
-      </p:grpSpPr>
-      <p:sp>
-        <p:nvSpPr>
           <p:cNvPr id="259" name="Shape 259"/>
           <p:cNvSpPr>
             <a:spLocks noGrp="1"/>
@@ -12619,7 +12322,7 @@
             <a:effectLst/>
             <a:extLst>
               <a:ext uri="{C572A759-6A51-4108-AA02-DFA0A04FC94B}">
-                <ma14:wrappingTextBoxFlag xmlns:ma14="http://schemas.microsoft.com/office/mac/drawingml/2011/main" xmlns="" val="1"/>
+                <ma14:wrappingTextBoxFlag xmlns="" xmlns:ma14="http://schemas.microsoft.com/office/mac/drawingml/2011/main" val="1"/>
               </a:ext>
             </a:extLst>
           </p:spPr>
@@ -12717,7 +12420,7 @@
             <a:effectLst/>
             <a:extLst>
               <a:ext uri="{C572A759-6A51-4108-AA02-DFA0A04FC94B}">
-                <ma14:wrappingTextBoxFlag xmlns:ma14="http://schemas.microsoft.com/office/mac/drawingml/2011/main" xmlns="" val="1"/>
+                <ma14:wrappingTextBoxFlag xmlns="" xmlns:ma14="http://schemas.microsoft.com/office/mac/drawingml/2011/main" val="1"/>
               </a:ext>
             </a:extLst>
           </p:spPr>
@@ -12815,7 +12518,7 @@
             <a:effectLst/>
             <a:extLst>
               <a:ext uri="{C572A759-6A51-4108-AA02-DFA0A04FC94B}">
-                <ma14:wrappingTextBoxFlag xmlns:ma14="http://schemas.microsoft.com/office/mac/drawingml/2011/main" xmlns="" val="1"/>
+                <ma14:wrappingTextBoxFlag xmlns="" xmlns:ma14="http://schemas.microsoft.com/office/mac/drawingml/2011/main" val="1"/>
               </a:ext>
             </a:extLst>
           </p:spPr>
@@ -12981,7 +12684,7 @@
           </a:ln>
           <a:extLst>
             <a:ext uri="{C572A759-6A51-4108-AA02-DFA0A04FC94B}">
-              <ma14:wrappingTextBoxFlag xmlns:ma14="http://schemas.microsoft.com/office/mac/drawingml/2011/main" xmlns="" val="1"/>
+              <ma14:wrappingTextBoxFlag xmlns="" xmlns:ma14="http://schemas.microsoft.com/office/mac/drawingml/2011/main" val="1"/>
             </a:ext>
           </a:extLst>
         </p:spPr>
@@ -13025,7 +12728,7 @@
           </a:ln>
           <a:extLst>
             <a:ext uri="{C572A759-6A51-4108-AA02-DFA0A04FC94B}">
-              <ma14:wrappingTextBoxFlag xmlns:ma14="http://schemas.microsoft.com/office/mac/drawingml/2011/main" xmlns="" val="1"/>
+              <ma14:wrappingTextBoxFlag xmlns="" xmlns:ma14="http://schemas.microsoft.com/office/mac/drawingml/2011/main" val="1"/>
             </a:ext>
           </a:extLst>
         </p:spPr>
@@ -13129,7 +12832,7 @@
             <a:effectLst/>
             <a:extLst>
               <a:ext uri="{C572A759-6A51-4108-AA02-DFA0A04FC94B}">
-                <ma14:wrappingTextBoxFlag xmlns:ma14="http://schemas.microsoft.com/office/mac/drawingml/2011/main" xmlns="" val="1"/>
+                <ma14:wrappingTextBoxFlag xmlns="" xmlns:ma14="http://schemas.microsoft.com/office/mac/drawingml/2011/main" val="1"/>
               </a:ext>
             </a:extLst>
           </p:spPr>
@@ -13221,7 +12924,7 @@
 </p:sld>
 </file>
 
-<file path=ppt/slides/slide37.xml><?xml version="1.0" encoding="utf-8"?>
+<file path=ppt/slides/slide35.xml><?xml version="1.0" encoding="utf-8"?>
 <p:sld xmlns:a="http://schemas.openxmlformats.org/drawingml/2006/main" xmlns:r="http://schemas.openxmlformats.org/officeDocument/2006/relationships" xmlns:p="http://schemas.openxmlformats.org/presentationml/2006/main">
   <p:cSld>
     <p:spTree>
@@ -13329,6 +13032,323 @@
               <a:t>All entities participating in the relationship are linked to this node.</a:t>
             </a:r>
             <a:endParaRPr sz="2500" dirty="0"/>
+          </a:p>
+        </p:txBody>
+      </p:sp>
+    </p:spTree>
+  </p:cSld>
+  <p:clrMapOvr>
+    <a:masterClrMapping/>
+  </p:clrMapOvr>
+  <p:transition spd="slow"/>
+</p:sld>
+</file>
+
+<file path=ppt/slides/slide36.xml><?xml version="1.0" encoding="utf-8"?>
+<p:sld xmlns:a="http://schemas.openxmlformats.org/drawingml/2006/main" xmlns:r="http://schemas.openxmlformats.org/officeDocument/2006/relationships" xmlns:p="http://schemas.openxmlformats.org/presentationml/2006/main">
+  <p:cSld>
+    <p:spTree>
+      <p:nvGrpSpPr>
+        <p:cNvPr id="1" name=""/>
+        <p:cNvGrpSpPr/>
+        <p:nvPr/>
+      </p:nvGrpSpPr>
+      <p:grpSpPr>
+        <a:xfrm>
+          <a:off x="0" y="0"/>
+          <a:ext cx="0" cy="0"/>
+          <a:chOff x="0" y="0"/>
+          <a:chExt cx="0" cy="0"/>
+        </a:xfrm>
+      </p:grpSpPr>
+      <p:sp>
+        <p:nvSpPr>
+          <p:cNvPr id="256" name="Shape 256"/>
+          <p:cNvSpPr>
+            <a:spLocks noGrp="1"/>
+          </p:cNvSpPr>
+          <p:nvPr>
+            <p:ph type="body" idx="1"/>
+          </p:nvPr>
+        </p:nvSpPr>
+        <p:spPr>
+          <a:xfrm>
+            <a:off x="457200" y="358445"/>
+            <a:ext cx="8229600" cy="5114556"/>
+          </a:xfrm>
+          <a:prstGeom prst="rect">
+            <a:avLst/>
+          </a:prstGeom>
+        </p:spPr>
+        <p:txBody>
+          <a:bodyPr/>
+          <a:lstStyle/>
+          <a:p>
+            <a:pPr marL="0" indent="0" algn="ctr">
+              <a:buSzTx/>
+              <a:buNone/>
+              <a:defRPr sz="2000" b="1"/>
+            </a:pPr>
+            <a:r>
+              <a:t>Table translation</a:t>
+            </a:r>
+          </a:p>
+          <a:p>
+            <a:pPr marL="0" indent="0" algn="ctr">
+              <a:buSzTx/>
+              <a:buNone/>
+              <a:defRPr sz="2000"/>
+            </a:pPr>
+            <a:endParaRPr/>
+          </a:p>
+          <a:p>
+            <a:pPr>
+              <a:defRPr sz="2000"/>
+            </a:pPr>
+            <a:r>
+              <a:t>You cannot translate tables directly.</a:t>
+            </a:r>
+            <a:endParaRPr u="sng"/>
+          </a:p>
+          <a:p>
+            <a:pPr>
+              <a:defRPr sz="2000"/>
+            </a:pPr>
+            <a:r>
+              <a:t>In a RDBMS you define the structure of the table.</a:t>
+            </a:r>
+          </a:p>
+          <a:p>
+            <a:pPr>
+              <a:defRPr sz="2000"/>
+            </a:pPr>
+            <a:r>
+              <a:t>In a Graph DB you insert the data as nodes and you give them a </a:t>
+            </a:r>
+            <a:r>
+              <a:rPr u="sng"/>
+              <a:t>type</a:t>
+            </a:r>
+          </a:p>
+          <a:p>
+            <a:pPr>
+              <a:defRPr sz="2000" u="sng"/>
+            </a:pPr>
+            <a:endParaRPr u="sng"/>
+          </a:p>
+          <a:p>
+            <a:pPr>
+              <a:defRPr sz="2000" u="sng"/>
+            </a:pPr>
+            <a:endParaRPr u="sng"/>
+          </a:p>
+          <a:p>
+            <a:pPr>
+              <a:defRPr sz="2000" u="sng"/>
+            </a:pPr>
+            <a:endParaRPr u="sng"/>
+          </a:p>
+          <a:p>
+            <a:pPr>
+              <a:defRPr sz="2000"/>
+            </a:pPr>
+            <a:r>
+              <a:t>CREATE (p:Person{name :‘Jim Raynor’, address:’Mar Sara’,job:’Marshal’,married:false})</a:t>
+            </a:r>
+            <a:br/>
+            <a:r>
+              <a:t>RETURN p;</a:t>
+            </a:r>
+          </a:p>
+        </p:txBody>
+      </p:sp>
+      <p:pic>
+        <p:nvPicPr>
+          <p:cNvPr id="257" name="image13.pdf"/>
+          <p:cNvPicPr>
+            <a:picLocks noChangeAspect="1"/>
+          </p:cNvPicPr>
+          <p:nvPr/>
+        </p:nvPicPr>
+        <p:blipFill>
+          <a:blip r:embed="rId2">
+            <a:extLst/>
+          </a:blip>
+          <a:stretch>
+            <a:fillRect/>
+          </a:stretch>
+        </p:blipFill>
+        <p:spPr>
+          <a:xfrm>
+            <a:off x="1723467" y="2619770"/>
+            <a:ext cx="4532196" cy="723036"/>
+          </a:xfrm>
+          <a:prstGeom prst="rect">
+            <a:avLst/>
+          </a:prstGeom>
+          <a:ln w="12700">
+            <a:miter lim="400000"/>
+          </a:ln>
+        </p:spPr>
+      </p:pic>
+    </p:spTree>
+  </p:cSld>
+  <p:clrMapOvr>
+    <a:masterClrMapping/>
+  </p:clrMapOvr>
+  <p:transition spd="slow"/>
+</p:sld>
+</file>
+
+<file path=ppt/slides/slide37.xml><?xml version="1.0" encoding="utf-8"?>
+<p:sld xmlns:a="http://schemas.openxmlformats.org/drawingml/2006/main" xmlns:r="http://schemas.openxmlformats.org/officeDocument/2006/relationships" xmlns:p="http://schemas.openxmlformats.org/presentationml/2006/main">
+  <p:cSld>
+    <p:spTree>
+      <p:nvGrpSpPr>
+        <p:cNvPr id="1" name=""/>
+        <p:cNvGrpSpPr/>
+        <p:nvPr/>
+      </p:nvGrpSpPr>
+      <p:grpSpPr>
+        <a:xfrm>
+          <a:off x="0" y="0"/>
+          <a:ext cx="0" cy="0"/>
+          <a:chOff x="0" y="0"/>
+          <a:chExt cx="0" cy="0"/>
+        </a:xfrm>
+      </p:grpSpPr>
+      <p:sp>
+        <p:nvSpPr>
+          <p:cNvPr id="253" name="Shape 253"/>
+          <p:cNvSpPr>
+            <a:spLocks noGrp="1"/>
+          </p:cNvSpPr>
+          <p:nvPr>
+            <p:ph type="title"/>
+          </p:nvPr>
+        </p:nvSpPr>
+        <p:spPr>
+          <a:xfrm>
+            <a:off x="457200" y="228861"/>
+            <a:ext cx="8229600" cy="733800"/>
+          </a:xfrm>
+          <a:prstGeom prst="rect">
+            <a:avLst/>
+          </a:prstGeom>
+        </p:spPr>
+        <p:txBody>
+          <a:bodyPr/>
+          <a:lstStyle>
+            <a:lvl1pPr>
+              <a:defRPr sz="1600" b="1"/>
+            </a:lvl1pPr>
+          </a:lstStyle>
+          <a:p>
+            <a:r>
+              <a:t>Guidelines on Data model Transformation (Relational -&gt; graph )</a:t>
+            </a:r>
+          </a:p>
+        </p:txBody>
+      </p:sp>
+      <p:sp>
+        <p:nvSpPr>
+          <p:cNvPr id="254" name="Shape 254"/>
+          <p:cNvSpPr>
+            <a:spLocks noGrp="1"/>
+          </p:cNvSpPr>
+          <p:nvPr>
+            <p:ph type="body" idx="1"/>
+          </p:nvPr>
+        </p:nvSpPr>
+        <p:spPr>
+          <a:xfrm>
+            <a:off x="457200" y="1038399"/>
+            <a:ext cx="8229600" cy="4434601"/>
+          </a:xfrm>
+          <a:prstGeom prst="rect">
+            <a:avLst/>
+          </a:prstGeom>
+        </p:spPr>
+        <p:txBody>
+          <a:bodyPr/>
+          <a:lstStyle/>
+          <a:p>
+            <a:pPr marL="285750" indent="-285750">
+              <a:buFont typeface="Arial"/>
+              <a:defRPr sz="1600"/>
+            </a:pPr>
+            <a:r>
+              <a:rPr dirty="0"/>
+              <a:t>Each entity table is represented by a label on nodes</a:t>
+            </a:r>
+          </a:p>
+          <a:p>
+            <a:pPr marL="285750" indent="-285750">
+              <a:buFont typeface="Arial"/>
+              <a:defRPr sz="1600"/>
+            </a:pPr>
+            <a:r>
+              <a:rPr dirty="0"/>
+              <a:t>Each row in a entity table is a node</a:t>
+            </a:r>
+          </a:p>
+          <a:p>
+            <a:pPr marL="285750" indent="-285750">
+              <a:buFont typeface="Arial"/>
+              <a:defRPr sz="1600"/>
+            </a:pPr>
+            <a:r>
+              <a:rPr dirty="0"/>
+              <a:t>Columns on those tables become node properties.</a:t>
+            </a:r>
+          </a:p>
+          <a:p>
+            <a:pPr marL="285750" indent="-285750">
+              <a:buFont typeface="Arial"/>
+              <a:defRPr sz="1600"/>
+            </a:pPr>
+            <a:r>
+              <a:rPr dirty="0"/>
+              <a:t>Replace foreign keys with relationships to the other table</a:t>
+            </a:r>
+          </a:p>
+          <a:p>
+            <a:pPr marL="285750" indent="-285750">
+              <a:buFont typeface="Arial"/>
+              <a:defRPr sz="1600"/>
+            </a:pPr>
+            <a:r>
+              <a:rPr dirty="0"/>
+              <a:t>Remove data with default values, no need to store those</a:t>
+            </a:r>
+          </a:p>
+          <a:p>
+            <a:pPr marL="285750" indent="-285750">
+              <a:buFont typeface="Arial"/>
+              <a:defRPr sz="1600"/>
+            </a:pPr>
+            <a:r>
+              <a:rPr dirty="0"/>
+              <a:t>Indexed column names, might indicate an array property (like email1, email2, email3)</a:t>
+            </a:r>
+          </a:p>
+          <a:p>
+            <a:pPr marL="285750" indent="-285750">
+              <a:buFont typeface="Arial"/>
+              <a:defRPr sz="1600"/>
+            </a:pPr>
+            <a:r>
+              <a:rPr dirty="0"/>
+              <a:t>Join tables are transformed into relationships, columns on those tables</a:t>
+            </a:r>
+            <a:r>
+              <a:rPr lang="it-IT" dirty="0"/>
+              <a:t> that are not part of the primary key</a:t>
+            </a:r>
+            <a:r>
+              <a:rPr dirty="0"/>
+              <a:t> become relationship properties</a:t>
+            </a:r>
           </a:p>
         </p:txBody>
       </p:sp>
@@ -13868,7 +13888,7 @@
           </a:ln>
           <a:extLst>
             <a:ext uri="{C572A759-6A51-4108-AA02-DFA0A04FC94B}">
-              <ma14:wrappingTextBoxFlag xmlns:ma14="http://schemas.microsoft.com/office/mac/drawingml/2011/main" xmlns="" val="1"/>
+              <ma14:wrappingTextBoxFlag xmlns="" xmlns:ma14="http://schemas.microsoft.com/office/mac/drawingml/2011/main" val="1"/>
             </a:ext>
           </a:extLst>
         </p:spPr>
@@ -13911,7 +13931,7 @@
           </a:ln>
           <a:extLst>
             <a:ext uri="{C572A759-6A51-4108-AA02-DFA0A04FC94B}">
-              <ma14:wrappingTextBoxFlag xmlns:ma14="http://schemas.microsoft.com/office/mac/drawingml/2011/main" xmlns="" val="1"/>
+              <ma14:wrappingTextBoxFlag xmlns="" xmlns:ma14="http://schemas.microsoft.com/office/mac/drawingml/2011/main" val="1"/>
             </a:ext>
           </a:extLst>
         </p:spPr>
@@ -14376,7 +14396,7 @@
           </a:ln>
           <a:extLst>
             <a:ext uri="{C572A759-6A51-4108-AA02-DFA0A04FC94B}">
-              <ma14:wrappingTextBoxFlag xmlns:ma14="http://schemas.microsoft.com/office/mac/drawingml/2011/main" xmlns="" val="1"/>
+              <ma14:wrappingTextBoxFlag xmlns="" xmlns:ma14="http://schemas.microsoft.com/office/mac/drawingml/2011/main" val="1"/>
             </a:ext>
           </a:extLst>
         </p:spPr>
@@ -14909,7 +14929,7 @@
           </a:ln>
           <a:extLst>
             <a:ext uri="{C572A759-6A51-4108-AA02-DFA0A04FC94B}">
-              <ma14:wrappingTextBoxFlag xmlns:ma14="http://schemas.microsoft.com/office/mac/drawingml/2011/main" xmlns="" val="1"/>
+              <ma14:wrappingTextBoxFlag xmlns="" xmlns:ma14="http://schemas.microsoft.com/office/mac/drawingml/2011/main" val="1"/>
             </a:ext>
           </a:extLst>
         </p:spPr>
